--- a/研究室関連/ゼミ/2025.01.29ゼミ.pptx
+++ b/研究室関連/ゼミ/2025.01.29ゼミ.pptx
@@ -5,18 +5,20 @@
     <p:sldMasterId id="2147483671" r:id="rId1"/>
   </p:sldMasterIdLst>
   <p:handoutMasterIdLst>
-    <p:handoutMasterId r:id="rId9"/>
+    <p:handoutMasterId r:id="rId11"/>
   </p:handoutMasterIdLst>
   <p:sldIdLst>
     <p:sldId id="256" r:id="rId2"/>
     <p:sldId id="257" r:id="rId3"/>
     <p:sldId id="258" r:id="rId4"/>
     <p:sldId id="259" r:id="rId5"/>
-    <p:sldId id="260" r:id="rId6"/>
-    <p:sldId id="261" r:id="rId7"/>
-    <p:sldId id="262" r:id="rId8"/>
+    <p:sldId id="264" r:id="rId6"/>
+    <p:sldId id="265" r:id="rId7"/>
+    <p:sldId id="267" r:id="rId8"/>
+    <p:sldId id="261" r:id="rId9"/>
+    <p:sldId id="262" r:id="rId10"/>
   </p:sldIdLst>
-  <p:sldSz cx="9144000" cy="6858000" type="screen4x3"/>
+  <p:sldSz cx="12192000" cy="6858000"/>
   <p:notesSz cx="6858000" cy="9144000"/>
   <p:defaultTextStyle>
     <a:defPPr>
@@ -218,7 +220,7 @@
           <a:p>
             <a:fld id="{002B35ED-074F-4DA6-B0D2-0863611FB16F}" type="datetimeFigureOut">
               <a:rPr kumimoji="1" lang="ja-JP" altLang="en-US" smtClean="0"/>
-              <a:t>2025/1/11</a:t>
+              <a:t>2025/1/12</a:t>
             </a:fld>
             <a:endParaRPr kumimoji="1" lang="ja-JP" altLang="en-US"/>
           </a:p>
@@ -348,8 +350,8 @@
         </p:nvSpPr>
         <p:spPr>
           <a:xfrm>
-            <a:off x="755197" y="1268072"/>
-            <a:ext cx="7633607" cy="2387600"/>
+            <a:off x="1006930" y="1268072"/>
+            <a:ext cx="10178143" cy="2387600"/>
           </a:xfrm>
         </p:spPr>
         <p:txBody>
@@ -387,8 +389,8 @@
         </p:nvSpPr>
         <p:spPr>
           <a:xfrm>
-            <a:off x="1142998" y="3870000"/>
-            <a:ext cx="6858000" cy="1655762"/>
+            <a:off x="1523997" y="3870000"/>
+            <a:ext cx="9144000" cy="1655762"/>
           </a:xfrm>
         </p:spPr>
         <p:txBody>
@@ -456,8 +458,8 @@
         </p:nvSpPr>
         <p:spPr>
           <a:xfrm flipV="1">
-            <a:off x="755195" y="3648799"/>
-            <a:ext cx="7633607" cy="45719"/>
+            <a:off x="1006927" y="3648800"/>
+            <a:ext cx="10178143" cy="45719"/>
           </a:xfrm>
           <a:prstGeom prst="rect">
             <a:avLst/>
@@ -529,8 +531,8 @@
         </p:nvSpPr>
         <p:spPr>
           <a:xfrm flipV="1">
-            <a:off x="755195" y="3694518"/>
-            <a:ext cx="7633607" cy="45719"/>
+            <a:off x="1006927" y="3694518"/>
+            <a:ext cx="10178143" cy="45719"/>
           </a:xfrm>
           <a:prstGeom prst="rect">
             <a:avLst/>
@@ -636,8 +638,8 @@
         </p:nvSpPr>
         <p:spPr>
           <a:xfrm>
-            <a:off x="6543675" y="365125"/>
-            <a:ext cx="1971675" cy="5811838"/>
+            <a:off x="8724901" y="365125"/>
+            <a:ext cx="2628900" cy="5811838"/>
           </a:xfrm>
         </p:spPr>
         <p:txBody>
@@ -669,8 +671,8 @@
         </p:nvSpPr>
         <p:spPr>
           <a:xfrm>
-            <a:off x="628650" y="365125"/>
-            <a:ext cx="5800725" cy="5811838"/>
+            <a:off x="838201" y="365125"/>
+            <a:ext cx="7734300" cy="5811838"/>
           </a:xfrm>
         </p:spPr>
         <p:txBody>
@@ -763,8 +765,8 @@
         </p:nvSpPr>
         <p:spPr>
           <a:xfrm>
-            <a:off x="628650" y="6259282"/>
-            <a:ext cx="2057401" cy="598714"/>
+            <a:off x="838201" y="6259282"/>
+            <a:ext cx="2743201" cy="598714"/>
           </a:xfrm>
           <a:prstGeom prst="rect">
             <a:avLst/>
@@ -776,7 +778,7 @@
           <a:p>
             <a:fld id="{E8CAF464-15F3-4BB4-BD7F-4E96634389B9}" type="datetime1">
               <a:rPr kumimoji="1" lang="ja-JP" altLang="en-US" smtClean="0"/>
-              <a:t>2025/1/11</a:t>
+              <a:t>2025/1/12</a:t>
             </a:fld>
             <a:endParaRPr kumimoji="1" lang="ja-JP" altLang="en-US"/>
           </a:p>
@@ -800,8 +802,8 @@
         </p:nvSpPr>
         <p:spPr>
           <a:xfrm>
-            <a:off x="2686050" y="6259286"/>
-            <a:ext cx="3771900" cy="598714"/>
+            <a:off x="3581400" y="6259286"/>
+            <a:ext cx="5029200" cy="598714"/>
           </a:xfrm>
           <a:prstGeom prst="rect">
             <a:avLst/>
@@ -836,8 +838,8 @@
         </p:nvSpPr>
         <p:spPr>
           <a:xfrm>
-            <a:off x="6457950" y="6294246"/>
-            <a:ext cx="2057400" cy="563755"/>
+            <a:off x="8610600" y="6294247"/>
+            <a:ext cx="2743200" cy="563755"/>
           </a:xfrm>
           <a:prstGeom prst="rect">
             <a:avLst/>
@@ -903,8 +905,8 @@
         </p:nvSpPr>
         <p:spPr>
           <a:xfrm>
-            <a:off x="259195" y="136526"/>
-            <a:ext cx="8625610" cy="913691"/>
+            <a:off x="345594" y="136527"/>
+            <a:ext cx="11500813" cy="913691"/>
           </a:xfrm>
         </p:spPr>
         <p:txBody>
@@ -943,8 +945,8 @@
         </p:nvSpPr>
         <p:spPr>
           <a:xfrm>
-            <a:off x="259195" y="1099789"/>
-            <a:ext cx="8625610" cy="5482165"/>
+            <a:off x="345594" y="1099789"/>
+            <a:ext cx="11500813" cy="5482165"/>
           </a:xfrm>
         </p:spPr>
         <p:txBody>
@@ -953,30 +955,45 @@
           </a:bodyPr>
           <a:lstStyle>
             <a:lvl1pPr>
+              <a:lnSpc>
+                <a:spcPct val="100000"/>
+              </a:lnSpc>
               <a:defRPr sz="2800" baseline="0">
                 <a:latin typeface="Times New Roman" panose="02020603050405020304" pitchFamily="18" charset="0"/>
                 <a:cs typeface="Arial" panose="020B0604020202020204" pitchFamily="34" charset="0"/>
               </a:defRPr>
             </a:lvl1pPr>
             <a:lvl2pPr>
+              <a:lnSpc>
+                <a:spcPct val="100000"/>
+              </a:lnSpc>
               <a:defRPr sz="2000" baseline="0">
                 <a:latin typeface="Times New Roman" panose="02020603050405020304" pitchFamily="18" charset="0"/>
                 <a:cs typeface="Arial" panose="020B0604020202020204" pitchFamily="34" charset="0"/>
               </a:defRPr>
             </a:lvl2pPr>
             <a:lvl3pPr>
+              <a:lnSpc>
+                <a:spcPct val="100000"/>
+              </a:lnSpc>
               <a:defRPr sz="1800" baseline="0">
                 <a:latin typeface="Times New Roman" panose="02020603050405020304" pitchFamily="18" charset="0"/>
                 <a:cs typeface="Arial" panose="020B0604020202020204" pitchFamily="34" charset="0"/>
               </a:defRPr>
             </a:lvl3pPr>
             <a:lvl4pPr>
+              <a:lnSpc>
+                <a:spcPct val="100000"/>
+              </a:lnSpc>
               <a:defRPr sz="1600" baseline="0">
                 <a:latin typeface="Times New Roman" panose="02020603050405020304" pitchFamily="18" charset="0"/>
                 <a:cs typeface="Arial" panose="020B0604020202020204" pitchFamily="34" charset="0"/>
               </a:defRPr>
             </a:lvl4pPr>
             <a:lvl5pPr>
+              <a:lnSpc>
+                <a:spcPct val="100000"/>
+              </a:lnSpc>
               <a:defRPr sz="1600" baseline="0">
                 <a:latin typeface="Times New Roman" panose="02020603050405020304" pitchFamily="18" charset="0"/>
                 <a:cs typeface="Arial" panose="020B0604020202020204" pitchFamily="34" charset="0"/>
@@ -1066,8 +1083,8 @@
         </p:nvSpPr>
         <p:spPr>
           <a:xfrm flipV="1">
-            <a:off x="259195" y="826036"/>
-            <a:ext cx="7932305" cy="45719"/>
+            <a:off x="345594" y="826037"/>
+            <a:ext cx="10576407" cy="45719"/>
           </a:xfrm>
           <a:prstGeom prst="rect">
             <a:avLst/>
@@ -1139,8 +1156,8 @@
         </p:nvSpPr>
         <p:spPr>
           <a:xfrm flipV="1">
-            <a:off x="259195" y="872912"/>
-            <a:ext cx="8214245" cy="45719"/>
+            <a:off x="345594" y="872913"/>
+            <a:ext cx="10952327" cy="45719"/>
           </a:xfrm>
           <a:prstGeom prst="rect">
             <a:avLst/>
@@ -1214,8 +1231,8 @@
         </p:nvSpPr>
         <p:spPr>
           <a:xfrm>
-            <a:off x="8191500" y="597631"/>
-            <a:ext cx="567043" cy="257862"/>
+            <a:off x="10922001" y="597631"/>
+            <a:ext cx="756057" cy="257862"/>
           </a:xfrm>
           <a:prstGeom prst="rect">
             <a:avLst/>
@@ -1320,11 +1337,11 @@
           </a:lstStyle>
           <a:p>
             <a:fld id="{70F09BC8-770C-4BFA-AEB0-39BA5C0771DD}" type="slidenum">
-              <a:rPr kumimoji="1" lang="ja-JP" altLang="en-US" smtClean="0"/>
+              <a:rPr kumimoji="1" lang="ja-JP" altLang="en-US" sz="1800" smtClean="0"/>
               <a:pPr/>
               <a:t>‹#›</a:t>
             </a:fld>
-            <a:endParaRPr kumimoji="1" lang="ja-JP" altLang="en-US" dirty="0"/>
+            <a:endParaRPr kumimoji="1" lang="ja-JP" altLang="en-US" sz="1800" dirty="0"/>
           </a:p>
         </p:txBody>
       </p:sp>
@@ -1376,8 +1393,8 @@
         </p:nvSpPr>
         <p:spPr>
           <a:xfrm>
-            <a:off x="623888" y="1709739"/>
-            <a:ext cx="7886700" cy="2852737"/>
+            <a:off x="831851" y="1709740"/>
+            <a:ext cx="10515600" cy="2852737"/>
           </a:xfrm>
         </p:spPr>
         <p:txBody>
@@ -1413,8 +1430,8 @@
         </p:nvSpPr>
         <p:spPr>
           <a:xfrm>
-            <a:off x="623888" y="4589464"/>
-            <a:ext cx="7886700" cy="1500187"/>
+            <a:off x="831851" y="4589465"/>
+            <a:ext cx="10515600" cy="1500187"/>
           </a:xfrm>
         </p:spPr>
         <p:txBody>
@@ -1538,8 +1555,8 @@
         </p:nvSpPr>
         <p:spPr>
           <a:xfrm>
-            <a:off x="628650" y="6259282"/>
-            <a:ext cx="2057401" cy="598714"/>
+            <a:off x="838201" y="6259282"/>
+            <a:ext cx="2743201" cy="598714"/>
           </a:xfrm>
           <a:prstGeom prst="rect">
             <a:avLst/>
@@ -1551,7 +1568,7 @@
           <a:p>
             <a:fld id="{B4C738A0-993E-4FF2-A9D3-F8A25E5BED3D}" type="datetime1">
               <a:rPr kumimoji="1" lang="ja-JP" altLang="en-US" smtClean="0"/>
-              <a:t>2025/1/11</a:t>
+              <a:t>2025/1/12</a:t>
             </a:fld>
             <a:endParaRPr kumimoji="1" lang="ja-JP" altLang="en-US"/>
           </a:p>
@@ -1575,8 +1592,8 @@
         </p:nvSpPr>
         <p:spPr>
           <a:xfrm>
-            <a:off x="6457950" y="6294246"/>
-            <a:ext cx="2057400" cy="563755"/>
+            <a:off x="8610600" y="6294247"/>
+            <a:ext cx="2743200" cy="563755"/>
           </a:xfrm>
           <a:prstGeom prst="rect">
             <a:avLst/>
@@ -1608,7 +1625,7 @@
 </file>
 
 <file path=ppt/slideLayouts/slideLayout4.xml><?xml version="1.0" encoding="utf-8"?>
-<p:sldLayout xmlns:a="http://schemas.openxmlformats.org/drawingml/2006/main" xmlns:r="http://schemas.openxmlformats.org/officeDocument/2006/relationships" xmlns:p="http://schemas.openxmlformats.org/presentationml/2006/main" type="twoObj" preserve="1">
+<p:sldLayout xmlns:a="http://schemas.openxmlformats.org/drawingml/2006/main" xmlns:r="http://schemas.openxmlformats.org/officeDocument/2006/relationships" xmlns:p="http://schemas.openxmlformats.org/presentationml/2006/main" preserve="1" userDrawn="1">
   <p:cSld name="2 つのコンテンツ">
     <p:spTree>
       <p:nvGrpSpPr>
@@ -1626,34 +1643,6 @@
       </p:grpSpPr>
       <p:sp>
         <p:nvSpPr>
-          <p:cNvPr id="2" name="タイトル 1">
-            <a:extLst>
-              <a:ext uri="{FF2B5EF4-FFF2-40B4-BE49-F238E27FC236}">
-                <a16:creationId xmlns:a16="http://schemas.microsoft.com/office/drawing/2014/main" id="{AD39B2EC-19B3-41D8-B63F-F310AEF3671F}"/>
-              </a:ext>
-            </a:extLst>
-          </p:cNvPr>
-          <p:cNvSpPr>
-            <a:spLocks noGrp="1"/>
-          </p:cNvSpPr>
-          <p:nvPr>
-            <p:ph type="title"/>
-          </p:nvPr>
-        </p:nvSpPr>
-        <p:spPr/>
-        <p:txBody>
-          <a:bodyPr/>
-          <a:lstStyle/>
-          <a:p>
-            <a:r>
-              <a:rPr kumimoji="1" lang="ja-JP" altLang="en-US"/>
-              <a:t>マスター タイトルの書式設定</a:t>
-            </a:r>
-          </a:p>
-        </p:txBody>
-      </p:sp>
-      <p:sp>
-        <p:nvSpPr>
           <p:cNvPr id="3" name="コンテンツ プレースホルダー 2">
             <a:extLst>
               <a:ext uri="{FF2B5EF4-FFF2-40B4-BE49-F238E27FC236}">
@@ -1670,77 +1659,118 @@
         </p:nvSpPr>
         <p:spPr>
           <a:xfrm>
-            <a:off x="628650" y="1825625"/>
-            <a:ext cx="3886200" cy="4351338"/>
+            <a:off x="345593" y="1050218"/>
+            <a:ext cx="5674207" cy="5434072"/>
           </a:xfrm>
         </p:spPr>
         <p:txBody>
           <a:bodyPr/>
-          <a:lstStyle/>
+          <a:lstStyle>
+            <a:lvl1pPr marL="0" indent="0">
+              <a:lnSpc>
+                <a:spcPct val="100000"/>
+              </a:lnSpc>
+              <a:buFontTx/>
+              <a:buNone/>
+              <a:defRPr/>
+            </a:lvl1pPr>
+            <a:lvl2pPr marL="342900" indent="0">
+              <a:lnSpc>
+                <a:spcPct val="100000"/>
+              </a:lnSpc>
+              <a:buFontTx/>
+              <a:buNone/>
+              <a:defRPr/>
+            </a:lvl2pPr>
+            <a:lvl3pPr marL="685800" indent="0">
+              <a:lnSpc>
+                <a:spcPct val="100000"/>
+              </a:lnSpc>
+              <a:buFontTx/>
+              <a:buNone/>
+              <a:defRPr/>
+            </a:lvl3pPr>
+            <a:lvl4pPr marL="1028700" indent="0">
+              <a:lnSpc>
+                <a:spcPct val="100000"/>
+              </a:lnSpc>
+              <a:buFontTx/>
+              <a:buNone/>
+              <a:defRPr/>
+            </a:lvl4pPr>
+            <a:lvl5pPr marL="1371600" indent="0">
+              <a:lnSpc>
+                <a:spcPct val="100000"/>
+              </a:lnSpc>
+              <a:buFontTx/>
+              <a:buNone/>
+              <a:defRPr/>
+            </a:lvl5pPr>
+          </a:lstStyle>
           <a:p>
             <a:pPr lvl="0"/>
             <a:r>
-              <a:rPr kumimoji="1" lang="ja-JP" altLang="en-US"/>
+              <a:rPr kumimoji="1" lang="ja-JP" altLang="en-US" dirty="0"/>
               <a:t>マスター テキストの書式設定</a:t>
             </a:r>
           </a:p>
           <a:p>
             <a:pPr lvl="1"/>
             <a:r>
-              <a:rPr kumimoji="1" lang="ja-JP" altLang="en-US"/>
+              <a:rPr kumimoji="1" lang="ja-JP" altLang="en-US" dirty="0"/>
               <a:t>第 </a:t>
             </a:r>
             <a:r>
-              <a:rPr kumimoji="1" lang="en-US" altLang="ja-JP"/>
+              <a:rPr kumimoji="1" lang="en-US" altLang="ja-JP" dirty="0"/>
               <a:t>2 </a:t>
             </a:r>
             <a:r>
-              <a:rPr kumimoji="1" lang="ja-JP" altLang="en-US"/>
+              <a:rPr kumimoji="1" lang="ja-JP" altLang="en-US" dirty="0"/>
               <a:t>レベル</a:t>
             </a:r>
           </a:p>
           <a:p>
             <a:pPr lvl="2"/>
             <a:r>
-              <a:rPr kumimoji="1" lang="ja-JP" altLang="en-US"/>
+              <a:rPr kumimoji="1" lang="ja-JP" altLang="en-US" dirty="0"/>
               <a:t>第 </a:t>
             </a:r>
             <a:r>
-              <a:rPr kumimoji="1" lang="en-US" altLang="ja-JP"/>
+              <a:rPr kumimoji="1" lang="en-US" altLang="ja-JP" dirty="0"/>
               <a:t>3 </a:t>
             </a:r>
             <a:r>
-              <a:rPr kumimoji="1" lang="ja-JP" altLang="en-US"/>
+              <a:rPr kumimoji="1" lang="ja-JP" altLang="en-US" dirty="0"/>
               <a:t>レベル</a:t>
             </a:r>
           </a:p>
           <a:p>
             <a:pPr lvl="3"/>
             <a:r>
-              <a:rPr kumimoji="1" lang="ja-JP" altLang="en-US"/>
+              <a:rPr kumimoji="1" lang="ja-JP" altLang="en-US" dirty="0"/>
               <a:t>第 </a:t>
             </a:r>
             <a:r>
-              <a:rPr kumimoji="1" lang="en-US" altLang="ja-JP"/>
+              <a:rPr kumimoji="1" lang="en-US" altLang="ja-JP" dirty="0"/>
               <a:t>4 </a:t>
             </a:r>
             <a:r>
-              <a:rPr kumimoji="1" lang="ja-JP" altLang="en-US"/>
+              <a:rPr kumimoji="1" lang="ja-JP" altLang="en-US" dirty="0"/>
               <a:t>レベル</a:t>
             </a:r>
           </a:p>
           <a:p>
             <a:pPr lvl="4"/>
             <a:r>
-              <a:rPr kumimoji="1" lang="ja-JP" altLang="en-US"/>
+              <a:rPr kumimoji="1" lang="ja-JP" altLang="en-US" dirty="0"/>
               <a:t>第 </a:t>
             </a:r>
             <a:r>
-              <a:rPr kumimoji="1" lang="en-US" altLang="ja-JP"/>
+              <a:rPr kumimoji="1" lang="en-US" altLang="ja-JP" dirty="0"/>
               <a:t>5 </a:t>
             </a:r>
             <a:r>
-              <a:rPr kumimoji="1" lang="ja-JP" altLang="en-US"/>
+              <a:rPr kumimoji="1" lang="ja-JP" altLang="en-US" dirty="0"/>
               <a:t>レベル</a:t>
             </a:r>
           </a:p>
@@ -1764,102 +1794,214 @@
         </p:nvSpPr>
         <p:spPr>
           <a:xfrm>
-            <a:off x="4629150" y="1825625"/>
-            <a:ext cx="3886200" cy="4351338"/>
+            <a:off x="6172200" y="1050218"/>
+            <a:ext cx="5674206" cy="5434072"/>
           </a:xfrm>
         </p:spPr>
         <p:txBody>
           <a:bodyPr/>
+          <a:lstStyle>
+            <a:lvl1pPr marL="0" indent="0">
+              <a:lnSpc>
+                <a:spcPct val="100000"/>
+              </a:lnSpc>
+              <a:buFontTx/>
+              <a:buNone/>
+              <a:defRPr/>
+            </a:lvl1pPr>
+            <a:lvl2pPr marL="342900" indent="0">
+              <a:lnSpc>
+                <a:spcPct val="100000"/>
+              </a:lnSpc>
+              <a:buFontTx/>
+              <a:buNone/>
+              <a:defRPr/>
+            </a:lvl2pPr>
+            <a:lvl3pPr marL="685800" indent="0">
+              <a:lnSpc>
+                <a:spcPct val="100000"/>
+              </a:lnSpc>
+              <a:buFontTx/>
+              <a:buNone/>
+              <a:defRPr/>
+            </a:lvl3pPr>
+            <a:lvl4pPr marL="1028700" indent="0">
+              <a:lnSpc>
+                <a:spcPct val="100000"/>
+              </a:lnSpc>
+              <a:buFontTx/>
+              <a:buNone/>
+              <a:defRPr/>
+            </a:lvl4pPr>
+            <a:lvl5pPr marL="1371600" indent="0">
+              <a:lnSpc>
+                <a:spcPct val="100000"/>
+              </a:lnSpc>
+              <a:buFontTx/>
+              <a:buNone/>
+              <a:defRPr/>
+            </a:lvl5pPr>
+          </a:lstStyle>
+          <a:p>
+            <a:pPr lvl="0"/>
+            <a:r>
+              <a:rPr kumimoji="1" lang="ja-JP" altLang="en-US" dirty="0"/>
+              <a:t>マスター テキストの書式設定</a:t>
+            </a:r>
+          </a:p>
+          <a:p>
+            <a:pPr lvl="1"/>
+            <a:r>
+              <a:rPr kumimoji="1" lang="ja-JP" altLang="en-US" dirty="0"/>
+              <a:t>第 </a:t>
+            </a:r>
+            <a:r>
+              <a:rPr kumimoji="1" lang="en-US" altLang="ja-JP" dirty="0"/>
+              <a:t>2 </a:t>
+            </a:r>
+            <a:r>
+              <a:rPr kumimoji="1" lang="ja-JP" altLang="en-US" dirty="0"/>
+              <a:t>レベル</a:t>
+            </a:r>
+          </a:p>
+          <a:p>
+            <a:pPr lvl="2"/>
+            <a:r>
+              <a:rPr kumimoji="1" lang="ja-JP" altLang="en-US" dirty="0"/>
+              <a:t>第 </a:t>
+            </a:r>
+            <a:r>
+              <a:rPr kumimoji="1" lang="en-US" altLang="ja-JP" dirty="0"/>
+              <a:t>3 </a:t>
+            </a:r>
+            <a:r>
+              <a:rPr kumimoji="1" lang="ja-JP" altLang="en-US" dirty="0"/>
+              <a:t>レベル</a:t>
+            </a:r>
+          </a:p>
+          <a:p>
+            <a:pPr lvl="3"/>
+            <a:r>
+              <a:rPr kumimoji="1" lang="ja-JP" altLang="en-US" dirty="0"/>
+              <a:t>第 </a:t>
+            </a:r>
+            <a:r>
+              <a:rPr kumimoji="1" lang="en-US" altLang="ja-JP" dirty="0"/>
+              <a:t>4 </a:t>
+            </a:r>
+            <a:r>
+              <a:rPr kumimoji="1" lang="ja-JP" altLang="en-US" dirty="0"/>
+              <a:t>レベル</a:t>
+            </a:r>
+          </a:p>
+          <a:p>
+            <a:pPr lvl="4"/>
+            <a:r>
+              <a:rPr kumimoji="1" lang="ja-JP" altLang="en-US" dirty="0"/>
+              <a:t>第 </a:t>
+            </a:r>
+            <a:r>
+              <a:rPr kumimoji="1" lang="en-US" altLang="ja-JP" dirty="0"/>
+              <a:t>5 </a:t>
+            </a:r>
+            <a:r>
+              <a:rPr kumimoji="1" lang="ja-JP" altLang="en-US" dirty="0"/>
+              <a:t>レベル</a:t>
+            </a:r>
+          </a:p>
+        </p:txBody>
+      </p:sp>
+      <p:sp>
+        <p:nvSpPr>
+          <p:cNvPr id="8" name="正方形/長方形 7">
+            <a:extLst>
+              <a:ext uri="{FF2B5EF4-FFF2-40B4-BE49-F238E27FC236}">
+                <a16:creationId xmlns:a16="http://schemas.microsoft.com/office/drawing/2014/main" id="{A571E4C0-4534-DF77-E2D4-58D71B1E2C80}"/>
+              </a:ext>
+            </a:extLst>
+          </p:cNvPr>
+          <p:cNvSpPr/>
+          <p:nvPr userDrawn="1"/>
+        </p:nvSpPr>
+        <p:spPr>
+          <a:xfrm flipV="1">
+            <a:off x="345594" y="826037"/>
+            <a:ext cx="10576407" cy="45719"/>
+          </a:xfrm>
+          <a:prstGeom prst="rect">
+            <a:avLst/>
+          </a:prstGeom>
+          <a:gradFill flip="none" rotWithShape="1">
+            <a:gsLst>
+              <a:gs pos="0">
+                <a:srgbClr val="00FFFF">
+                  <a:shade val="30000"/>
+                  <a:satMod val="115000"/>
+                </a:srgbClr>
+              </a:gs>
+              <a:gs pos="50000">
+                <a:srgbClr val="00FFFF">
+                  <a:shade val="67500"/>
+                  <a:satMod val="115000"/>
+                </a:srgbClr>
+              </a:gs>
+              <a:gs pos="100000">
+                <a:srgbClr val="00FFFF">
+                  <a:shade val="100000"/>
+                  <a:satMod val="115000"/>
+                </a:srgbClr>
+              </a:gs>
+            </a:gsLst>
+            <a:lin ang="0" scaled="1"/>
+            <a:tileRect/>
+          </a:gradFill>
+          <a:ln>
+            <a:noFill/>
+          </a:ln>
+        </p:spPr>
+        <p:style>
+          <a:lnRef idx="2">
+            <a:schemeClr val="accent1">
+              <a:shade val="15000"/>
+            </a:schemeClr>
+          </a:lnRef>
+          <a:fillRef idx="1">
+            <a:schemeClr val="accent1"/>
+          </a:fillRef>
+          <a:effectRef idx="0">
+            <a:schemeClr val="accent1"/>
+          </a:effectRef>
+          <a:fontRef idx="minor">
+            <a:schemeClr val="lt1"/>
+          </a:fontRef>
+        </p:style>
+        <p:txBody>
+          <a:bodyPr rtlCol="0" anchor="ctr"/>
           <a:lstStyle/>
           <a:p>
-            <a:pPr lvl="0"/>
-            <a:r>
-              <a:rPr kumimoji="1" lang="ja-JP" altLang="en-US"/>
-              <a:t>マスター テキストの書式設定</a:t>
-            </a:r>
-          </a:p>
-          <a:p>
-            <a:pPr lvl="1"/>
-            <a:r>
-              <a:rPr kumimoji="1" lang="ja-JP" altLang="en-US"/>
-              <a:t>第 </a:t>
-            </a:r>
-            <a:r>
-              <a:rPr kumimoji="1" lang="en-US" altLang="ja-JP"/>
-              <a:t>2 </a:t>
-            </a:r>
-            <a:r>
-              <a:rPr kumimoji="1" lang="ja-JP" altLang="en-US"/>
-              <a:t>レベル</a:t>
-            </a:r>
-          </a:p>
-          <a:p>
-            <a:pPr lvl="2"/>
-            <a:r>
-              <a:rPr kumimoji="1" lang="ja-JP" altLang="en-US"/>
-              <a:t>第 </a:t>
-            </a:r>
-            <a:r>
-              <a:rPr kumimoji="1" lang="en-US" altLang="ja-JP"/>
-              <a:t>3 </a:t>
-            </a:r>
-            <a:r>
-              <a:rPr kumimoji="1" lang="ja-JP" altLang="en-US"/>
-              <a:t>レベル</a:t>
-            </a:r>
-          </a:p>
-          <a:p>
-            <a:pPr lvl="3"/>
-            <a:r>
-              <a:rPr kumimoji="1" lang="ja-JP" altLang="en-US"/>
-              <a:t>第 </a:t>
-            </a:r>
-            <a:r>
-              <a:rPr kumimoji="1" lang="en-US" altLang="ja-JP"/>
-              <a:t>4 </a:t>
-            </a:r>
-            <a:r>
-              <a:rPr kumimoji="1" lang="ja-JP" altLang="en-US"/>
-              <a:t>レベル</a:t>
-            </a:r>
-          </a:p>
-          <a:p>
-            <a:pPr lvl="4"/>
-            <a:r>
-              <a:rPr kumimoji="1" lang="ja-JP" altLang="en-US"/>
-              <a:t>第 </a:t>
-            </a:r>
-            <a:r>
-              <a:rPr kumimoji="1" lang="en-US" altLang="ja-JP"/>
-              <a:t>5 </a:t>
-            </a:r>
-            <a:r>
-              <a:rPr kumimoji="1" lang="ja-JP" altLang="en-US"/>
-              <a:t>レベル</a:t>
-            </a:r>
-          </a:p>
-        </p:txBody>
-      </p:sp>
-      <p:sp>
-        <p:nvSpPr>
-          <p:cNvPr id="5" name="日付プレースホルダー 4">
-            <a:extLst>
-              <a:ext uri="{FF2B5EF4-FFF2-40B4-BE49-F238E27FC236}">
-                <a16:creationId xmlns:a16="http://schemas.microsoft.com/office/drawing/2014/main" id="{EE03171C-E940-4758-B3A3-2D912DFA57D0}"/>
-              </a:ext>
-            </a:extLst>
-          </p:cNvPr>
-          <p:cNvSpPr>
-            <a:spLocks noGrp="1"/>
-          </p:cNvSpPr>
-          <p:nvPr>
-            <p:ph type="dt" sz="half" idx="10"/>
-          </p:nvPr>
+            <a:pPr algn="ctr"/>
+            <a:endParaRPr lang="en-US" sz="1350"/>
+          </a:p>
+        </p:txBody>
+      </p:sp>
+      <p:sp>
+        <p:nvSpPr>
+          <p:cNvPr id="9" name="スライド番号プレースホルダー 5">
+            <a:extLst>
+              <a:ext uri="{FF2B5EF4-FFF2-40B4-BE49-F238E27FC236}">
+                <a16:creationId xmlns:a16="http://schemas.microsoft.com/office/drawing/2014/main" id="{C11310FE-8F73-E0F9-EB6C-1CA03D66E56D}"/>
+              </a:ext>
+            </a:extLst>
+          </p:cNvPr>
+          <p:cNvSpPr txBox="1">
+            <a:spLocks/>
+          </p:cNvSpPr>
+          <p:nvPr userDrawn="1"/>
         </p:nvSpPr>
         <p:spPr>
           <a:xfrm>
-            <a:off x="628650" y="6259282"/>
-            <a:ext cx="2057401" cy="598714"/>
+            <a:off x="10922001" y="597631"/>
+            <a:ext cx="756057" cy="257862"/>
           </a:xfrm>
           <a:prstGeom prst="rect">
             <a:avLst/>
@@ -1867,50 +2009,218 @@
         </p:spPr>
         <p:txBody>
           <a:bodyPr/>
-          <a:lstStyle/>
-          <a:p>
-            <a:fld id="{6F43E0D6-D44E-4BB9-A41C-4EBA4BB1D0AA}" type="datetime1">
-              <a:rPr kumimoji="1" lang="ja-JP" altLang="en-US" smtClean="0"/>
-              <a:t>2025/1/11</a:t>
+          <a:lstStyle>
+            <a:defPPr>
+              <a:defRPr lang="en-US"/>
+            </a:defPPr>
+            <a:lvl1pPr marL="0" algn="l" defTabSz="914400" rtl="0" eaLnBrk="1" latinLnBrk="0" hangingPunct="1">
+              <a:defRPr sz="1800" kern="1200">
+                <a:solidFill>
+                  <a:schemeClr val="tx1"/>
+                </a:solidFill>
+                <a:latin typeface="+mn-lt"/>
+                <a:ea typeface="+mn-ea"/>
+                <a:cs typeface="+mn-cs"/>
+              </a:defRPr>
+            </a:lvl1pPr>
+            <a:lvl2pPr marL="457200" algn="l" defTabSz="914400" rtl="0" eaLnBrk="1" latinLnBrk="0" hangingPunct="1">
+              <a:defRPr sz="1800" kern="1200">
+                <a:solidFill>
+                  <a:schemeClr val="tx1"/>
+                </a:solidFill>
+                <a:latin typeface="+mn-lt"/>
+                <a:ea typeface="+mn-ea"/>
+                <a:cs typeface="+mn-cs"/>
+              </a:defRPr>
+            </a:lvl2pPr>
+            <a:lvl3pPr marL="914400" algn="l" defTabSz="914400" rtl="0" eaLnBrk="1" latinLnBrk="0" hangingPunct="1">
+              <a:defRPr sz="1800" kern="1200">
+                <a:solidFill>
+                  <a:schemeClr val="tx1"/>
+                </a:solidFill>
+                <a:latin typeface="+mn-lt"/>
+                <a:ea typeface="+mn-ea"/>
+                <a:cs typeface="+mn-cs"/>
+              </a:defRPr>
+            </a:lvl3pPr>
+            <a:lvl4pPr marL="1371600" algn="l" defTabSz="914400" rtl="0" eaLnBrk="1" latinLnBrk="0" hangingPunct="1">
+              <a:defRPr sz="1800" kern="1200">
+                <a:solidFill>
+                  <a:schemeClr val="tx1"/>
+                </a:solidFill>
+                <a:latin typeface="+mn-lt"/>
+                <a:ea typeface="+mn-ea"/>
+                <a:cs typeface="+mn-cs"/>
+              </a:defRPr>
+            </a:lvl4pPr>
+            <a:lvl5pPr marL="1828800" algn="l" defTabSz="914400" rtl="0" eaLnBrk="1" latinLnBrk="0" hangingPunct="1">
+              <a:defRPr sz="1800" kern="1200">
+                <a:solidFill>
+                  <a:schemeClr val="tx1"/>
+                </a:solidFill>
+                <a:latin typeface="+mn-lt"/>
+                <a:ea typeface="+mn-ea"/>
+                <a:cs typeface="+mn-cs"/>
+              </a:defRPr>
+            </a:lvl5pPr>
+            <a:lvl6pPr marL="2286000" algn="l" defTabSz="914400" rtl="0" eaLnBrk="1" latinLnBrk="0" hangingPunct="1">
+              <a:defRPr sz="1800" kern="1200">
+                <a:solidFill>
+                  <a:schemeClr val="tx1"/>
+                </a:solidFill>
+                <a:latin typeface="+mn-lt"/>
+                <a:ea typeface="+mn-ea"/>
+                <a:cs typeface="+mn-cs"/>
+              </a:defRPr>
+            </a:lvl6pPr>
+            <a:lvl7pPr marL="2743200" algn="l" defTabSz="914400" rtl="0" eaLnBrk="1" latinLnBrk="0" hangingPunct="1">
+              <a:defRPr sz="1800" kern="1200">
+                <a:solidFill>
+                  <a:schemeClr val="tx1"/>
+                </a:solidFill>
+                <a:latin typeface="+mn-lt"/>
+                <a:ea typeface="+mn-ea"/>
+                <a:cs typeface="+mn-cs"/>
+              </a:defRPr>
+            </a:lvl7pPr>
+            <a:lvl8pPr marL="3200400" algn="l" defTabSz="914400" rtl="0" eaLnBrk="1" latinLnBrk="0" hangingPunct="1">
+              <a:defRPr sz="1800" kern="1200">
+                <a:solidFill>
+                  <a:schemeClr val="tx1"/>
+                </a:solidFill>
+                <a:latin typeface="+mn-lt"/>
+                <a:ea typeface="+mn-ea"/>
+                <a:cs typeface="+mn-cs"/>
+              </a:defRPr>
+            </a:lvl8pPr>
+            <a:lvl9pPr marL="3657600" algn="l" defTabSz="914400" rtl="0" eaLnBrk="1" latinLnBrk="0" hangingPunct="1">
+              <a:defRPr sz="1800" kern="1200">
+                <a:solidFill>
+                  <a:schemeClr val="tx1"/>
+                </a:solidFill>
+                <a:latin typeface="+mn-lt"/>
+                <a:ea typeface="+mn-ea"/>
+                <a:cs typeface="+mn-cs"/>
+              </a:defRPr>
+            </a:lvl9pPr>
+          </a:lstStyle>
+          <a:p>
+            <a:fld id="{70F09BC8-770C-4BFA-AEB0-39BA5C0771DD}" type="slidenum">
+              <a:rPr kumimoji="1" lang="ja-JP" altLang="en-US" sz="1800" smtClean="0"/>
+              <a:pPr/>
+              <a:t>‹#›</a:t>
             </a:fld>
-            <a:endParaRPr kumimoji="1" lang="ja-JP" altLang="en-US"/>
-          </a:p>
-        </p:txBody>
-      </p:sp>
-      <p:sp>
-        <p:nvSpPr>
-          <p:cNvPr id="7" name="スライド番号プレースホルダー 6">
-            <a:extLst>
-              <a:ext uri="{FF2B5EF4-FFF2-40B4-BE49-F238E27FC236}">
-                <a16:creationId xmlns:a16="http://schemas.microsoft.com/office/drawing/2014/main" id="{C88E84CD-070F-42B8-A7DA-56F093293E36}"/>
-              </a:ext>
-            </a:extLst>
-          </p:cNvPr>
-          <p:cNvSpPr>
-            <a:spLocks noGrp="1"/>
-          </p:cNvSpPr>
-          <p:nvPr>
-            <p:ph type="sldNum" sz="quarter" idx="12"/>
-          </p:nvPr>
+            <a:endParaRPr kumimoji="1" lang="ja-JP" altLang="en-US" sz="1800" dirty="0"/>
+          </a:p>
+        </p:txBody>
+      </p:sp>
+      <p:sp>
+        <p:nvSpPr>
+          <p:cNvPr id="10" name="正方形/長方形 9">
+            <a:extLst>
+              <a:ext uri="{FF2B5EF4-FFF2-40B4-BE49-F238E27FC236}">
+                <a16:creationId xmlns:a16="http://schemas.microsoft.com/office/drawing/2014/main" id="{00EC6B90-770E-B2A6-7378-BCF1F92E6BC8}"/>
+              </a:ext>
+            </a:extLst>
+          </p:cNvPr>
+          <p:cNvSpPr/>
+          <p:nvPr userDrawn="1"/>
         </p:nvSpPr>
         <p:spPr>
-          <a:xfrm>
-            <a:off x="6457950" y="6294246"/>
-            <a:ext cx="2057400" cy="563755"/>
+          <a:xfrm flipV="1">
+            <a:off x="345594" y="872913"/>
+            <a:ext cx="10952327" cy="45719"/>
           </a:xfrm>
           <a:prstGeom prst="rect">
             <a:avLst/>
           </a:prstGeom>
+          <a:gradFill flip="none" rotWithShape="1">
+            <a:gsLst>
+              <a:gs pos="0">
+                <a:srgbClr val="00FFFF">
+                  <a:tint val="66000"/>
+                  <a:satMod val="160000"/>
+                </a:srgbClr>
+              </a:gs>
+              <a:gs pos="50000">
+                <a:srgbClr val="00FFFF">
+                  <a:tint val="44500"/>
+                  <a:satMod val="160000"/>
+                </a:srgbClr>
+              </a:gs>
+              <a:gs pos="100000">
+                <a:srgbClr val="00FFFF">
+                  <a:tint val="23500"/>
+                  <a:satMod val="160000"/>
+                </a:srgbClr>
+              </a:gs>
+            </a:gsLst>
+            <a:lin ang="0" scaled="1"/>
+            <a:tileRect/>
+          </a:gradFill>
+          <a:ln>
+            <a:noFill/>
+          </a:ln>
         </p:spPr>
+        <p:style>
+          <a:lnRef idx="2">
+            <a:schemeClr val="accent1">
+              <a:shade val="15000"/>
+            </a:schemeClr>
+          </a:lnRef>
+          <a:fillRef idx="1">
+            <a:schemeClr val="accent1"/>
+          </a:fillRef>
+          <a:effectRef idx="0">
+            <a:schemeClr val="accent1"/>
+          </a:effectRef>
+          <a:fontRef idx="minor">
+            <a:schemeClr val="lt1"/>
+          </a:fontRef>
+        </p:style>
+        <p:txBody>
+          <a:bodyPr rtlCol="0" anchor="ctr"/>
+          <a:lstStyle/>
+          <a:p>
+            <a:pPr algn="ctr"/>
+            <a:endParaRPr lang="en-US" sz="1350"/>
+          </a:p>
+        </p:txBody>
+      </p:sp>
+      <p:sp>
+        <p:nvSpPr>
+          <p:cNvPr id="11" name="タイトル 10">
+            <a:extLst>
+              <a:ext uri="{FF2B5EF4-FFF2-40B4-BE49-F238E27FC236}">
+                <a16:creationId xmlns:a16="http://schemas.microsoft.com/office/drawing/2014/main" id="{12E43A34-F31B-CC78-623D-3871D12395B7}"/>
+              </a:ext>
+            </a:extLst>
+          </p:cNvPr>
+          <p:cNvSpPr>
+            <a:spLocks noGrp="1"/>
+          </p:cNvSpPr>
+          <p:nvPr>
+            <p:ph type="title"/>
+          </p:nvPr>
+        </p:nvSpPr>
+        <p:spPr>
+          <a:xfrm>
+            <a:off x="345592" y="136526"/>
+            <a:ext cx="11500812" cy="913691"/>
+          </a:xfrm>
+        </p:spPr>
         <p:txBody>
           <a:bodyPr/>
-          <a:lstStyle/>
-          <a:p>
-            <a:fld id="{70F09BC8-770C-4BFA-AEB0-39BA5C0771DD}" type="slidenum">
-              <a:rPr kumimoji="1" lang="ja-JP" altLang="en-US" smtClean="0"/>
-              <a:t>‹#›</a:t>
-            </a:fld>
-            <a:endParaRPr kumimoji="1" lang="ja-JP" altLang="en-US"/>
+          <a:lstStyle>
+            <a:lvl1pPr algn="l">
+              <a:defRPr/>
+            </a:lvl1pPr>
+          </a:lstStyle>
+          <a:p>
+            <a:r>
+              <a:rPr kumimoji="1" lang="ja-JP" altLang="en-US" dirty="0"/>
+              <a:t>マスター タイトルの書式設定</a:t>
+            </a:r>
           </a:p>
         </p:txBody>
       </p:sp>
@@ -1962,8 +2272,8 @@
         </p:nvSpPr>
         <p:spPr>
           <a:xfrm>
-            <a:off x="629841" y="365126"/>
-            <a:ext cx="7886700" cy="1325563"/>
+            <a:off x="839788" y="365127"/>
+            <a:ext cx="10515600" cy="1325563"/>
           </a:xfrm>
         </p:spPr>
         <p:txBody>
@@ -1995,8 +2305,8 @@
         </p:nvSpPr>
         <p:spPr>
           <a:xfrm>
-            <a:off x="629842" y="1681163"/>
-            <a:ext cx="3868340" cy="823912"/>
+            <a:off x="839789" y="1681163"/>
+            <a:ext cx="5157787" cy="823912"/>
           </a:xfrm>
         </p:spPr>
         <p:txBody>
@@ -2066,8 +2376,8 @@
         </p:nvSpPr>
         <p:spPr>
           <a:xfrm>
-            <a:off x="629842" y="2505075"/>
-            <a:ext cx="3868340" cy="3684588"/>
+            <a:off x="839789" y="2505075"/>
+            <a:ext cx="5157787" cy="3684588"/>
           </a:xfrm>
         </p:spPr>
         <p:txBody>
@@ -2160,8 +2470,8 @@
         </p:nvSpPr>
         <p:spPr>
           <a:xfrm>
-            <a:off x="4629150" y="1681163"/>
-            <a:ext cx="3887391" cy="823912"/>
+            <a:off x="6172201" y="1681163"/>
+            <a:ext cx="5183188" cy="823912"/>
           </a:xfrm>
         </p:spPr>
         <p:txBody>
@@ -2231,8 +2541,8 @@
         </p:nvSpPr>
         <p:spPr>
           <a:xfrm>
-            <a:off x="4629150" y="2505075"/>
-            <a:ext cx="3887391" cy="3684588"/>
+            <a:off x="6172201" y="2505075"/>
+            <a:ext cx="5183188" cy="3684588"/>
           </a:xfrm>
         </p:spPr>
         <p:txBody>
@@ -2325,8 +2635,8 @@
         </p:nvSpPr>
         <p:spPr>
           <a:xfrm>
-            <a:off x="628650" y="6259282"/>
-            <a:ext cx="2057401" cy="598714"/>
+            <a:off x="838201" y="6259282"/>
+            <a:ext cx="2743201" cy="598714"/>
           </a:xfrm>
           <a:prstGeom prst="rect">
             <a:avLst/>
@@ -2338,7 +2648,7 @@
           <a:p>
             <a:fld id="{80FBE12C-66DD-425F-87DA-45FA71D4B14C}" type="datetime1">
               <a:rPr kumimoji="1" lang="ja-JP" altLang="en-US" smtClean="0"/>
-              <a:t>2025/1/11</a:t>
+              <a:t>2025/1/12</a:t>
             </a:fld>
             <a:endParaRPr kumimoji="1" lang="ja-JP" altLang="en-US"/>
           </a:p>
@@ -2362,8 +2672,8 @@
         </p:nvSpPr>
         <p:spPr>
           <a:xfrm>
-            <a:off x="6457950" y="6294246"/>
-            <a:ext cx="2057400" cy="563755"/>
+            <a:off x="8610600" y="6294247"/>
+            <a:ext cx="2743200" cy="563755"/>
           </a:xfrm>
           <a:prstGeom prst="rect">
             <a:avLst/>
@@ -2457,8 +2767,8 @@
         </p:nvSpPr>
         <p:spPr>
           <a:xfrm>
-            <a:off x="628650" y="6259282"/>
-            <a:ext cx="2057401" cy="598714"/>
+            <a:off x="838201" y="6259282"/>
+            <a:ext cx="2743201" cy="598714"/>
           </a:xfrm>
           <a:prstGeom prst="rect">
             <a:avLst/>
@@ -2470,7 +2780,7 @@
           <a:p>
             <a:fld id="{5D337AB5-68CF-4C9A-84F0-CEB8B3F3804F}" type="datetime1">
               <a:rPr kumimoji="1" lang="ja-JP" altLang="en-US" smtClean="0"/>
-              <a:t>2025/1/11</a:t>
+              <a:t>2025/1/12</a:t>
             </a:fld>
             <a:endParaRPr kumimoji="1" lang="ja-JP" altLang="en-US"/>
           </a:p>
@@ -2494,8 +2804,8 @@
         </p:nvSpPr>
         <p:spPr>
           <a:xfrm>
-            <a:off x="6457950" y="6294246"/>
-            <a:ext cx="2057400" cy="563755"/>
+            <a:off x="8610600" y="6294247"/>
+            <a:ext cx="2743200" cy="563755"/>
           </a:xfrm>
           <a:prstGeom prst="rect">
             <a:avLst/>
@@ -2561,8 +2871,8 @@
         </p:nvSpPr>
         <p:spPr>
           <a:xfrm>
-            <a:off x="628650" y="6259282"/>
-            <a:ext cx="2057401" cy="598714"/>
+            <a:off x="838201" y="6259282"/>
+            <a:ext cx="2743201" cy="598714"/>
           </a:xfrm>
           <a:prstGeom prst="rect">
             <a:avLst/>
@@ -2574,7 +2884,7 @@
           <a:p>
             <a:fld id="{0224F364-07F3-46C8-84AA-302D169C9924}" type="datetime1">
               <a:rPr kumimoji="1" lang="ja-JP" altLang="en-US" smtClean="0"/>
-              <a:t>2025/1/11</a:t>
+              <a:t>2025/1/12</a:t>
             </a:fld>
             <a:endParaRPr kumimoji="1" lang="ja-JP" altLang="en-US"/>
           </a:p>
@@ -2598,8 +2908,8 @@
         </p:nvSpPr>
         <p:spPr>
           <a:xfrm>
-            <a:off x="6457950" y="6294246"/>
-            <a:ext cx="2057400" cy="563755"/>
+            <a:off x="8610600" y="6294247"/>
+            <a:ext cx="2743200" cy="563755"/>
           </a:xfrm>
           <a:prstGeom prst="rect">
             <a:avLst/>
@@ -2665,8 +2975,8 @@
         </p:nvSpPr>
         <p:spPr>
           <a:xfrm>
-            <a:off x="629841" y="457200"/>
-            <a:ext cx="2949178" cy="1600200"/>
+            <a:off x="839788" y="457200"/>
+            <a:ext cx="3932237" cy="1600200"/>
           </a:xfrm>
         </p:spPr>
         <p:txBody>
@@ -2702,8 +3012,8 @@
         </p:nvSpPr>
         <p:spPr>
           <a:xfrm>
-            <a:off x="3887391" y="987426"/>
-            <a:ext cx="4629150" cy="4873625"/>
+            <a:off x="5183188" y="987427"/>
+            <a:ext cx="6172200" cy="4873625"/>
           </a:xfrm>
         </p:spPr>
         <p:txBody>
@@ -2824,8 +3134,8 @@
         </p:nvSpPr>
         <p:spPr>
           <a:xfrm>
-            <a:off x="629841" y="2057400"/>
-            <a:ext cx="2949178" cy="3811588"/>
+            <a:off x="839788" y="2057400"/>
+            <a:ext cx="3932237" cy="3811588"/>
           </a:xfrm>
         </p:spPr>
         <p:txBody>
@@ -2895,8 +3205,8 @@
         </p:nvSpPr>
         <p:spPr>
           <a:xfrm>
-            <a:off x="628650" y="6259282"/>
-            <a:ext cx="2057401" cy="598714"/>
+            <a:off x="838201" y="6259282"/>
+            <a:ext cx="2743201" cy="598714"/>
           </a:xfrm>
           <a:prstGeom prst="rect">
             <a:avLst/>
@@ -2908,7 +3218,7 @@
           <a:p>
             <a:fld id="{C98F773C-6196-4130-BAF3-BF8645CB42FA}" type="datetime1">
               <a:rPr kumimoji="1" lang="ja-JP" altLang="en-US" smtClean="0"/>
-              <a:t>2025/1/11</a:t>
+              <a:t>2025/1/12</a:t>
             </a:fld>
             <a:endParaRPr kumimoji="1" lang="ja-JP" altLang="en-US"/>
           </a:p>
@@ -2932,8 +3242,8 @@
         </p:nvSpPr>
         <p:spPr>
           <a:xfrm>
-            <a:off x="6457950" y="6294246"/>
-            <a:ext cx="2057400" cy="563755"/>
+            <a:off x="8610600" y="6294247"/>
+            <a:ext cx="2743200" cy="563755"/>
           </a:xfrm>
           <a:prstGeom prst="rect">
             <a:avLst/>
@@ -2999,8 +3309,8 @@
         </p:nvSpPr>
         <p:spPr>
           <a:xfrm>
-            <a:off x="629841" y="457200"/>
-            <a:ext cx="2949178" cy="1600200"/>
+            <a:off x="839788" y="457200"/>
+            <a:ext cx="3932237" cy="1600200"/>
           </a:xfrm>
         </p:spPr>
         <p:txBody>
@@ -3036,8 +3346,8 @@
         </p:nvSpPr>
         <p:spPr>
           <a:xfrm>
-            <a:off x="3887391" y="987426"/>
-            <a:ext cx="4629150" cy="4873625"/>
+            <a:off x="5183188" y="987427"/>
+            <a:ext cx="6172200" cy="4873625"/>
           </a:xfrm>
         </p:spPr>
         <p:txBody>
@@ -3103,8 +3413,8 @@
         </p:nvSpPr>
         <p:spPr>
           <a:xfrm>
-            <a:off x="629841" y="2057400"/>
-            <a:ext cx="2949178" cy="3811588"/>
+            <a:off x="839788" y="2057400"/>
+            <a:ext cx="3932237" cy="3811588"/>
           </a:xfrm>
         </p:spPr>
         <p:txBody>
@@ -3174,8 +3484,8 @@
         </p:nvSpPr>
         <p:spPr>
           <a:xfrm>
-            <a:off x="628650" y="6259282"/>
-            <a:ext cx="2057401" cy="598714"/>
+            <a:off x="838201" y="6259282"/>
+            <a:ext cx="2743201" cy="598714"/>
           </a:xfrm>
           <a:prstGeom prst="rect">
             <a:avLst/>
@@ -3187,7 +3497,7 @@
           <a:p>
             <a:fld id="{E4883AD5-0DE6-4DC7-9375-A23AA371A5C4}" type="datetime1">
               <a:rPr kumimoji="1" lang="ja-JP" altLang="en-US" smtClean="0"/>
-              <a:t>2025/1/11</a:t>
+              <a:t>2025/1/12</a:t>
             </a:fld>
             <a:endParaRPr kumimoji="1" lang="ja-JP" altLang="en-US"/>
           </a:p>
@@ -3211,8 +3521,8 @@
         </p:nvSpPr>
         <p:spPr>
           <a:xfrm>
-            <a:off x="6457950" y="6294246"/>
-            <a:ext cx="2057400" cy="563755"/>
+            <a:off x="8610600" y="6294247"/>
+            <a:ext cx="2743200" cy="563755"/>
           </a:xfrm>
           <a:prstGeom prst="rect">
             <a:avLst/>
@@ -3283,8 +3593,8 @@
         </p:nvSpPr>
         <p:spPr>
           <a:xfrm>
-            <a:off x="628650" y="136526"/>
-            <a:ext cx="7886700" cy="1257066"/>
+            <a:off x="838200" y="136526"/>
+            <a:ext cx="10515600" cy="1257066"/>
           </a:xfrm>
           <a:prstGeom prst="rect">
             <a:avLst/>
@@ -3321,8 +3631,8 @@
         </p:nvSpPr>
         <p:spPr>
           <a:xfrm>
-            <a:off x="628650" y="1825625"/>
-            <a:ext cx="7886700" cy="4267300"/>
+            <a:off x="838200" y="1825625"/>
+            <a:ext cx="10515600" cy="4267300"/>
           </a:xfrm>
           <a:prstGeom prst="rect">
             <a:avLst/>
@@ -3747,6 +4057,13 @@
           <a:lstStyle/>
           <a:p>
             <a:r>
+              <a:rPr lang="ja-JP" altLang="en-US" sz="4000" dirty="0"/>
+              <a:t>タイトル（仮）</a:t>
+            </a:r>
+            <a:br>
+              <a:rPr lang="en-US" altLang="ja-JP" sz="4000" dirty="0"/>
+            </a:br>
+            <a:r>
               <a:rPr lang="en-US" altLang="ja-JP" sz="4000" dirty="0"/>
               <a:t>Python</a:t>
             </a:r>
@@ -3776,9 +4093,8 @@
             </a:r>
             <a:r>
               <a:rPr lang="ja-JP" altLang="en-US" sz="4000" dirty="0"/>
-              <a:t>プログラム変換の手法の検討</a:t>
-            </a:r>
-            <a:endParaRPr kumimoji="1" lang="ja-JP" altLang="en-US" sz="4000" dirty="0"/>
+              <a:t>プログラム変換手法の検討</a:t>
+            </a:r>
           </a:p>
         </p:txBody>
       </p:sp>
@@ -3806,22 +4122,14 @@
           <a:lstStyle/>
           <a:p>
             <a:r>
-              <a:rPr kumimoji="1" lang="ja-JP" altLang="en-US" sz="2400" dirty="0"/>
-              <a:t>住井・松田研究室　</a:t>
-            </a:r>
-            <a:r>
-              <a:rPr lang="en-US" altLang="ja-JP" sz="2400" dirty="0"/>
-              <a:t>B4</a:t>
-            </a:r>
-            <a:r>
               <a:rPr lang="ja-JP" altLang="en-US" sz="2400" dirty="0"/>
-              <a:t>　三上 陽向</a:t>
+              <a:t>住井・松田研究室　三上 陽向</a:t>
             </a:r>
             <a:r>
               <a:rPr lang="en-US" altLang="ja-JP" sz="2400" dirty="0"/>
               <a:t> </a:t>
             </a:r>
-            <a:endParaRPr kumimoji="1" lang="ja-JP" altLang="en-US" sz="2400" dirty="0"/>
+            <a:endParaRPr lang="ja-JP" altLang="en-US" sz="2400" dirty="0"/>
           </a:p>
         </p:txBody>
       </p:sp>
@@ -3909,17 +4217,17 @@
             <a:pPr marL="514350" indent="-514350">
               <a:buAutoNum type="arabicPeriod"/>
             </a:pPr>
-            <a:endParaRPr kumimoji="1" lang="en-US" altLang="ja-JP" sz="3200" dirty="0"/>
+            <a:endParaRPr lang="en-US" altLang="ja-JP" sz="3200" dirty="0"/>
           </a:p>
           <a:p>
             <a:pPr marL="514350" indent="-514350">
               <a:buAutoNum type="arabicPeriod"/>
             </a:pPr>
             <a:r>
-              <a:rPr kumimoji="1" lang="ja-JP" altLang="en-US" sz="3200" dirty="0"/>
+              <a:rPr lang="ja-JP" altLang="en-US" sz="3200" dirty="0"/>
               <a:t>研究の動機</a:t>
             </a:r>
-            <a:endParaRPr kumimoji="1" lang="en-US" altLang="ja-JP" sz="3200" dirty="0"/>
+            <a:endParaRPr lang="en-US" altLang="ja-JP" sz="3200" dirty="0"/>
           </a:p>
           <a:p>
             <a:pPr marL="514350" indent="-514350">
@@ -3936,10 +4244,10 @@
               <a:buAutoNum type="arabicPeriod"/>
             </a:pPr>
             <a:r>
-              <a:rPr kumimoji="1" lang="ja-JP" altLang="en-US" sz="3200" dirty="0"/>
+              <a:rPr lang="ja-JP" altLang="en-US" sz="3200" dirty="0"/>
               <a:t>例</a:t>
             </a:r>
-            <a:endParaRPr kumimoji="1" lang="en-US" altLang="ja-JP" sz="3200" dirty="0"/>
+            <a:endParaRPr lang="en-US" altLang="ja-JP" sz="3200" dirty="0"/>
           </a:p>
           <a:p>
             <a:pPr marL="514350" indent="-514350">
@@ -3949,7 +4257,7 @@
               <a:rPr lang="ja-JP" altLang="en-US" sz="3200" dirty="0"/>
               <a:t>結論・考察</a:t>
             </a:r>
-            <a:endParaRPr kumimoji="1" lang="en-US" altLang="ja-JP" sz="3200" dirty="0"/>
+            <a:endParaRPr lang="en-US" altLang="ja-JP" sz="3200" dirty="0"/>
           </a:p>
           <a:p>
             <a:pPr marL="514350" indent="-514350">
@@ -3959,7 +4267,6 @@
               <a:rPr lang="ja-JP" altLang="en-US" sz="3200" dirty="0"/>
               <a:t>今後の展望</a:t>
             </a:r>
-            <a:endParaRPr kumimoji="1" lang="ja-JP" altLang="en-US" sz="3200" dirty="0"/>
           </a:p>
         </p:txBody>
       </p:sp>
@@ -4044,7 +4351,9 @@
         </p:nvSpPr>
         <p:spPr/>
         <p:txBody>
-          <a:bodyPr/>
+          <a:bodyPr>
+            <a:normAutofit lnSpcReduction="10000"/>
+          </a:bodyPr>
           <a:lstStyle/>
           <a:p>
             <a:r>
@@ -4306,18 +4615,18 @@
       </p:grpSpPr>
       <p:sp>
         <p:nvSpPr>
-          <p:cNvPr id="2" name="タイトル 1">
-            <a:extLst>
-              <a:ext uri="{FF2B5EF4-FFF2-40B4-BE49-F238E27FC236}">
-                <a16:creationId xmlns:a16="http://schemas.microsoft.com/office/drawing/2014/main" id="{42BC725E-D2F4-DDFE-79BE-22365FC590D6}"/>
-              </a:ext>
-            </a:extLst>
-          </p:cNvPr>
-          <p:cNvSpPr>
-            <a:spLocks noGrp="1"/>
-          </p:cNvSpPr>
-          <p:nvPr>
-            <p:ph type="title"/>
+          <p:cNvPr id="2" name="コンテンツ プレースホルダー 1">
+            <a:extLst>
+              <a:ext uri="{FF2B5EF4-FFF2-40B4-BE49-F238E27FC236}">
+                <a16:creationId xmlns:a16="http://schemas.microsoft.com/office/drawing/2014/main" id="{47AA3430-EF15-A83C-7FB9-7E2C3B066378}"/>
+              </a:ext>
+            </a:extLst>
+          </p:cNvPr>
+          <p:cNvSpPr>
+            <a:spLocks noGrp="1"/>
+          </p:cNvSpPr>
+          <p:nvPr>
+            <p:ph sz="half" idx="1"/>
           </p:nvPr>
         </p:nvSpPr>
         <p:spPr/>
@@ -4325,14 +4634,82 @@
           <a:bodyPr/>
           <a:lstStyle/>
           <a:p>
+            <a:endParaRPr kumimoji="1" lang="en-US" altLang="ja-JP" dirty="0"/>
+          </a:p>
+          <a:p>
+            <a:endParaRPr lang="en-US" altLang="ja-JP" dirty="0"/>
+          </a:p>
+          <a:p>
+            <a:endParaRPr kumimoji="1" lang="en-US" altLang="ja-JP" dirty="0"/>
+          </a:p>
+          <a:p>
+            <a:endParaRPr lang="en-US" altLang="ja-JP" dirty="0"/>
+          </a:p>
+          <a:p>
+            <a:endParaRPr kumimoji="1" lang="en-US" altLang="ja-JP" dirty="0"/>
+          </a:p>
+          <a:p>
+            <a:endParaRPr lang="en-US" altLang="ja-JP" dirty="0"/>
+          </a:p>
+          <a:p>
+            <a:endParaRPr kumimoji="1" lang="en-US" altLang="ja-JP" dirty="0"/>
+          </a:p>
+          <a:p>
             <a:r>
               <a:rPr kumimoji="1" lang="en-US" altLang="ja-JP" dirty="0"/>
-              <a:t>3. </a:t>
-            </a:r>
-            <a:r>
-              <a:rPr kumimoji="1" lang="ja-JP" altLang="en-US" dirty="0"/>
-              <a:t>例</a:t>
-            </a:r>
+              <a:t>let s11 = s1; </a:t>
+            </a:r>
+            <a:r>
+              <a:rPr kumimoji="1" lang="ja-JP" altLang="en-US" dirty="0"/>
+              <a:t>で所有権が移動，</a:t>
+            </a:r>
+            <a:r>
+              <a:rPr kumimoji="1" lang="en-US" altLang="ja-JP" dirty="0"/>
+              <a:t>s1</a:t>
+            </a:r>
+            <a:r>
+              <a:rPr kumimoji="1" lang="ja-JP" altLang="en-US" dirty="0"/>
+              <a:t>はそれ以降使用不可</a:t>
+            </a:r>
+            <a:r>
+              <a:rPr kumimoji="1" lang="en-US" altLang="ja-JP" dirty="0"/>
+              <a:t>main</a:t>
+            </a:r>
+            <a:r>
+              <a:rPr kumimoji="1" lang="ja-JP" altLang="en-US" dirty="0"/>
+              <a:t>関数</a:t>
+            </a:r>
+            <a:r>
+              <a:rPr kumimoji="1" lang="en-US" altLang="ja-JP" dirty="0"/>
+              <a:t>(s1</a:t>
+            </a:r>
+            <a:r>
+              <a:rPr kumimoji="1" lang="ja-JP" altLang="en-US" dirty="0"/>
+              <a:t>のスコープ</a:t>
+            </a:r>
+            <a:r>
+              <a:rPr kumimoji="1" lang="en-US" altLang="ja-JP" dirty="0"/>
+              <a:t>)</a:t>
+            </a:r>
+            <a:r>
+              <a:rPr kumimoji="1" lang="ja-JP" altLang="en-US" dirty="0"/>
+              <a:t>を抜けると</a:t>
+            </a:r>
+            <a:r>
+              <a:rPr kumimoji="1" lang="en-US" altLang="ja-JP" dirty="0"/>
+              <a:t>s1</a:t>
+            </a:r>
+            <a:r>
+              <a:rPr kumimoji="1" lang="ja-JP" altLang="en-US" dirty="0"/>
+              <a:t>のデータを解放</a:t>
+            </a:r>
+            <a:r>
+              <a:rPr kumimoji="1" lang="en-US" altLang="ja-JP" dirty="0"/>
+              <a:t>.</a:t>
+            </a:r>
+          </a:p>
+          <a:p>
+            <a:endParaRPr kumimoji="1" lang="ja-JP" altLang="en-US" dirty="0"/>
           </a:p>
         </p:txBody>
       </p:sp>
@@ -4341,15 +4718,15 @@
           <p:cNvPr id="3" name="コンテンツ プレースホルダー 2">
             <a:extLst>
               <a:ext uri="{FF2B5EF4-FFF2-40B4-BE49-F238E27FC236}">
-                <a16:creationId xmlns:a16="http://schemas.microsoft.com/office/drawing/2014/main" id="{E1609AB8-D44D-240C-2C51-977FDB8CB99E}"/>
-              </a:ext>
-            </a:extLst>
-          </p:cNvPr>
-          <p:cNvSpPr>
-            <a:spLocks noGrp="1"/>
-          </p:cNvSpPr>
-          <p:nvPr>
-            <p:ph idx="1"/>
+                <a16:creationId xmlns:a16="http://schemas.microsoft.com/office/drawing/2014/main" id="{843359D3-E518-2FE5-91E2-30A36AD6F044}"/>
+              </a:ext>
+            </a:extLst>
+          </p:cNvPr>
+          <p:cNvSpPr>
+            <a:spLocks noGrp="1"/>
+          </p:cNvSpPr>
+          <p:nvPr>
+            <p:ph sz="half" idx="2"/>
           </p:nvPr>
         </p:nvSpPr>
         <p:spPr/>
@@ -4357,14 +4734,194 @@
           <a:bodyPr/>
           <a:lstStyle/>
           <a:p>
+            <a:endParaRPr kumimoji="1" lang="en-US" altLang="ja-JP" dirty="0"/>
+          </a:p>
+          <a:p>
+            <a:endParaRPr lang="en-US" altLang="ja-JP" dirty="0"/>
+          </a:p>
+          <a:p>
+            <a:endParaRPr kumimoji="1" lang="en-US" altLang="ja-JP" dirty="0"/>
+          </a:p>
+          <a:p>
+            <a:endParaRPr lang="en-US" altLang="ja-JP" dirty="0"/>
+          </a:p>
+          <a:p>
+            <a:endParaRPr kumimoji="1" lang="en-US" altLang="ja-JP" dirty="0"/>
+          </a:p>
+          <a:p>
+            <a:endParaRPr lang="en-US" altLang="ja-JP" dirty="0"/>
+          </a:p>
+          <a:p>
+            <a:endParaRPr kumimoji="1" lang="en-US" altLang="ja-JP" dirty="0"/>
+          </a:p>
+          <a:p>
+            <a:r>
+              <a:rPr kumimoji="1" lang="en-US" altLang="ja-JP" dirty="0"/>
+              <a:t>Python</a:t>
+            </a:r>
+            <a:r>
+              <a:rPr kumimoji="1" lang="ja-JP" altLang="en-US" dirty="0"/>
+              <a:t>ではオブジェクトを複製．</a:t>
+            </a:r>
+            <a:br>
+              <a:rPr kumimoji="1" lang="ja-JP" altLang="en-US" dirty="0"/>
+            </a:br>
+            <a:r>
+              <a:rPr kumimoji="1" lang="en-US" altLang="ja-JP" dirty="0"/>
+              <a:t>Rust</a:t>
+            </a:r>
+            <a:r>
+              <a:rPr kumimoji="1" lang="ja-JP" altLang="en-US" dirty="0"/>
+              <a:t>ではオブジェクトは複製せず，所有権が移動するだけ．明示的に </a:t>
+            </a:r>
+            <a:r>
+              <a:rPr kumimoji="1" lang="en-US" altLang="ja-JP" dirty="0"/>
+              <a:t>del s1 </a:t>
+            </a:r>
+            <a:r>
+              <a:rPr kumimoji="1" lang="ja-JP" altLang="en-US" dirty="0"/>
+              <a:t>をすることで名前を使用不可にし，</a:t>
+            </a:r>
+            <a:r>
+              <a:rPr kumimoji="1" lang="en-US" altLang="ja-JP" dirty="0"/>
+              <a:t>s1</a:t>
+            </a:r>
+            <a:r>
+              <a:rPr kumimoji="1" lang="ja-JP" altLang="en-US" dirty="0"/>
+              <a:t>が格納されているメモリは</a:t>
+            </a:r>
+            <a:r>
+              <a:rPr kumimoji="1" lang="en-US" altLang="ja-JP" dirty="0"/>
+              <a:t>RC = 0</a:t>
+            </a:r>
+            <a:r>
+              <a:rPr kumimoji="1" lang="ja-JP" altLang="en-US" dirty="0"/>
+              <a:t>となることにより解放される．これにより</a:t>
+            </a:r>
+            <a:r>
+              <a:rPr kumimoji="1" lang="en-US" altLang="ja-JP" dirty="0"/>
+              <a:t>Rust</a:t>
+            </a:r>
+            <a:r>
+              <a:rPr kumimoji="1" lang="ja-JP" altLang="en-US" dirty="0"/>
+              <a:t>の所有権移動を模倣．</a:t>
+            </a:r>
+          </a:p>
+          <a:p>
             <a:endParaRPr kumimoji="1" lang="ja-JP" altLang="en-US" dirty="0"/>
           </a:p>
         </p:txBody>
       </p:sp>
+      <p:sp>
+        <p:nvSpPr>
+          <p:cNvPr id="4" name="タイトル 3">
+            <a:extLst>
+              <a:ext uri="{FF2B5EF4-FFF2-40B4-BE49-F238E27FC236}">
+                <a16:creationId xmlns:a16="http://schemas.microsoft.com/office/drawing/2014/main" id="{E1FC607C-ADBC-B0B9-674B-FC9860ACF558}"/>
+              </a:ext>
+            </a:extLst>
+          </p:cNvPr>
+          <p:cNvSpPr>
+            <a:spLocks noGrp="1"/>
+          </p:cNvSpPr>
+          <p:nvPr>
+            <p:ph type="title"/>
+          </p:nvPr>
+        </p:nvSpPr>
+        <p:spPr/>
+        <p:txBody>
+          <a:bodyPr/>
+          <a:lstStyle/>
+          <a:p>
+            <a:r>
+              <a:rPr lang="ja-JP" altLang="en-US" dirty="0"/>
+              <a:t>例</a:t>
+            </a:r>
+            <a:r>
+              <a:rPr lang="en-US" altLang="ja-JP" dirty="0">
+                <a:latin typeface="+mj-lt"/>
+              </a:rPr>
+              <a:t>3.1</a:t>
+            </a:r>
+            <a:r>
+              <a:rPr lang="en-US" altLang="ja-JP" dirty="0"/>
+              <a:t> </a:t>
+            </a:r>
+            <a:r>
+              <a:rPr kumimoji="1" lang="en-US" altLang="ja-JP" dirty="0"/>
+              <a:t> </a:t>
+            </a:r>
+            <a:r>
+              <a:rPr kumimoji="1" lang="ja-JP" altLang="en-US" dirty="0"/>
+              <a:t>所有権の移動</a:t>
+            </a:r>
+          </a:p>
+        </p:txBody>
+      </p:sp>
+      <p:pic>
+        <p:nvPicPr>
+          <p:cNvPr id="6" name="図 5">
+            <a:extLst>
+              <a:ext uri="{FF2B5EF4-FFF2-40B4-BE49-F238E27FC236}">
+                <a16:creationId xmlns:a16="http://schemas.microsoft.com/office/drawing/2014/main" id="{1195959C-C0EA-AE44-8050-A1DB6CA1A4C0}"/>
+              </a:ext>
+            </a:extLst>
+          </p:cNvPr>
+          <p:cNvPicPr>
+            <a:picLocks noChangeAspect="1"/>
+          </p:cNvPicPr>
+          <p:nvPr/>
+        </p:nvPicPr>
+        <p:blipFill>
+          <a:blip r:embed="rId2"/>
+          <a:stretch>
+            <a:fillRect/>
+          </a:stretch>
+        </p:blipFill>
+        <p:spPr>
+          <a:xfrm>
+            <a:off x="345590" y="1050217"/>
+            <a:ext cx="5384712" cy="2269926"/>
+          </a:xfrm>
+          <a:prstGeom prst="rect">
+            <a:avLst/>
+          </a:prstGeom>
+        </p:spPr>
+      </p:pic>
+      <p:pic>
+        <p:nvPicPr>
+          <p:cNvPr id="8" name="図 7">
+            <a:extLst>
+              <a:ext uri="{FF2B5EF4-FFF2-40B4-BE49-F238E27FC236}">
+                <a16:creationId xmlns:a16="http://schemas.microsoft.com/office/drawing/2014/main" id="{38DDB769-68A7-68D3-5802-64CB48345717}"/>
+              </a:ext>
+            </a:extLst>
+          </p:cNvPr>
+          <p:cNvPicPr>
+            <a:picLocks noChangeAspect="1"/>
+          </p:cNvPicPr>
+          <p:nvPr/>
+        </p:nvPicPr>
+        <p:blipFill>
+          <a:blip r:embed="rId3"/>
+          <a:stretch>
+            <a:fillRect/>
+          </a:stretch>
+        </p:blipFill>
+        <p:spPr>
+          <a:xfrm>
+            <a:off x="6095998" y="930691"/>
+            <a:ext cx="3584178" cy="2389451"/>
+          </a:xfrm>
+          <a:prstGeom prst="rect">
+            <a:avLst/>
+          </a:prstGeom>
+        </p:spPr>
+      </p:pic>
     </p:spTree>
     <p:extLst>
       <p:ext uri="{BB962C8B-B14F-4D97-AF65-F5344CB8AC3E}">
-        <p14:creationId xmlns:p14="http://schemas.microsoft.com/office/powerpoint/2010/main" val="2018614898"/>
+        <p14:creationId xmlns:p14="http://schemas.microsoft.com/office/powerpoint/2010/main" val="3282833498"/>
       </p:ext>
     </p:extLst>
   </p:cSld>
@@ -4396,6 +4953,492 @@
           <p:cNvPr id="2" name="タイトル 1">
             <a:extLst>
               <a:ext uri="{FF2B5EF4-FFF2-40B4-BE49-F238E27FC236}">
+                <a16:creationId xmlns:a16="http://schemas.microsoft.com/office/drawing/2014/main" id="{765535ED-D0A8-3AFC-DA7B-4D2F9081A5A1}"/>
+              </a:ext>
+            </a:extLst>
+          </p:cNvPr>
+          <p:cNvSpPr>
+            <a:spLocks noGrp="1"/>
+          </p:cNvSpPr>
+          <p:nvPr>
+            <p:ph type="title"/>
+          </p:nvPr>
+        </p:nvSpPr>
+        <p:spPr/>
+        <p:txBody>
+          <a:bodyPr/>
+          <a:lstStyle/>
+          <a:p>
+            <a:r>
+              <a:rPr lang="ja-JP" altLang="en-US" dirty="0"/>
+              <a:t>例</a:t>
+            </a:r>
+            <a:r>
+              <a:rPr lang="en-US" altLang="ja-JP" dirty="0">
+                <a:latin typeface="+mj-lt"/>
+              </a:rPr>
+              <a:t>3.1</a:t>
+            </a:r>
+            <a:r>
+              <a:rPr lang="en-US" altLang="ja-JP" dirty="0"/>
+              <a:t> </a:t>
+            </a:r>
+            <a:r>
+              <a:rPr kumimoji="1" lang="en-US" altLang="ja-JP" dirty="0"/>
+              <a:t> </a:t>
+            </a:r>
+            <a:r>
+              <a:rPr kumimoji="1" lang="ja-JP" altLang="en-US" dirty="0"/>
+              <a:t>所有権の移動</a:t>
+            </a:r>
+            <a:r>
+              <a:rPr lang="ja-JP" altLang="en-US" dirty="0"/>
+              <a:t>ー解放のタイミングの確認</a:t>
+            </a:r>
+            <a:endParaRPr kumimoji="1" lang="ja-JP" altLang="en-US" dirty="0"/>
+          </a:p>
+        </p:txBody>
+      </p:sp>
+      <p:sp>
+        <p:nvSpPr>
+          <p:cNvPr id="3" name="コンテンツ プレースホルダー 2">
+            <a:extLst>
+              <a:ext uri="{FF2B5EF4-FFF2-40B4-BE49-F238E27FC236}">
+                <a16:creationId xmlns:a16="http://schemas.microsoft.com/office/drawing/2014/main" id="{98A7AEF6-8EE7-2554-AD00-EDC456E63464}"/>
+              </a:ext>
+            </a:extLst>
+          </p:cNvPr>
+          <p:cNvSpPr>
+            <a:spLocks noGrp="1"/>
+          </p:cNvSpPr>
+          <p:nvPr>
+            <p:ph idx="1"/>
+          </p:nvPr>
+        </p:nvSpPr>
+        <p:spPr/>
+        <p:txBody>
+          <a:bodyPr/>
+          <a:lstStyle/>
+          <a:p>
+            <a:endParaRPr kumimoji="1" lang="ja-JP" altLang="en-US" dirty="0"/>
+          </a:p>
+        </p:txBody>
+      </p:sp>
+      <p:pic>
+        <p:nvPicPr>
+          <p:cNvPr id="9" name="図 8">
+            <a:extLst>
+              <a:ext uri="{FF2B5EF4-FFF2-40B4-BE49-F238E27FC236}">
+                <a16:creationId xmlns:a16="http://schemas.microsoft.com/office/drawing/2014/main" id="{27EE5669-249A-BEE0-2E2F-2540D986DA8E}"/>
+              </a:ext>
+            </a:extLst>
+          </p:cNvPr>
+          <p:cNvPicPr>
+            <a:picLocks noChangeAspect="1"/>
+          </p:cNvPicPr>
+          <p:nvPr/>
+        </p:nvPicPr>
+        <p:blipFill>
+          <a:blip r:embed="rId2"/>
+          <a:stretch>
+            <a:fillRect/>
+          </a:stretch>
+        </p:blipFill>
+        <p:spPr>
+          <a:xfrm>
+            <a:off x="345593" y="1050218"/>
+            <a:ext cx="6534178" cy="5584902"/>
+          </a:xfrm>
+          <a:prstGeom prst="rect">
+            <a:avLst/>
+          </a:prstGeom>
+        </p:spPr>
+      </p:pic>
+      <p:pic>
+        <p:nvPicPr>
+          <p:cNvPr id="11" name="図 10">
+            <a:extLst>
+              <a:ext uri="{FF2B5EF4-FFF2-40B4-BE49-F238E27FC236}">
+                <a16:creationId xmlns:a16="http://schemas.microsoft.com/office/drawing/2014/main" id="{8D08E9DF-4DD8-7929-ADCF-40CDA2F9FE05}"/>
+              </a:ext>
+            </a:extLst>
+          </p:cNvPr>
+          <p:cNvPicPr>
+            <a:picLocks noChangeAspect="1"/>
+          </p:cNvPicPr>
+          <p:nvPr/>
+        </p:nvPicPr>
+        <p:blipFill>
+          <a:blip r:embed="rId3"/>
+          <a:stretch>
+            <a:fillRect/>
+          </a:stretch>
+        </p:blipFill>
+        <p:spPr>
+          <a:xfrm>
+            <a:off x="6879771" y="972839"/>
+            <a:ext cx="5003458" cy="991070"/>
+          </a:xfrm>
+          <a:prstGeom prst="rect">
+            <a:avLst/>
+          </a:prstGeom>
+        </p:spPr>
+      </p:pic>
+    </p:spTree>
+    <p:extLst>
+      <p:ext uri="{BB962C8B-B14F-4D97-AF65-F5344CB8AC3E}">
+        <p14:creationId xmlns:p14="http://schemas.microsoft.com/office/powerpoint/2010/main" val="1214084741"/>
+      </p:ext>
+    </p:extLst>
+  </p:cSld>
+  <p:clrMapOvr>
+    <a:masterClrMapping/>
+  </p:clrMapOvr>
+</p:sld>
+</file>
+
+<file path=ppt/slides/slide7.xml><?xml version="1.0" encoding="utf-8"?>
+<p:sld xmlns:a="http://schemas.openxmlformats.org/drawingml/2006/main" xmlns:r="http://schemas.openxmlformats.org/officeDocument/2006/relationships" xmlns:p="http://schemas.openxmlformats.org/presentationml/2006/main">
+  <p:cSld>
+    <p:spTree>
+      <p:nvGrpSpPr>
+        <p:cNvPr id="1" name=""/>
+        <p:cNvGrpSpPr/>
+        <p:nvPr/>
+      </p:nvGrpSpPr>
+      <p:grpSpPr>
+        <a:xfrm>
+          <a:off x="0" y="0"/>
+          <a:ext cx="0" cy="0"/>
+          <a:chOff x="0" y="0"/>
+          <a:chExt cx="0" cy="0"/>
+        </a:xfrm>
+      </p:grpSpPr>
+      <p:sp>
+        <p:nvSpPr>
+          <p:cNvPr id="2" name="コンテンツ プレースホルダー 1">
+            <a:extLst>
+              <a:ext uri="{FF2B5EF4-FFF2-40B4-BE49-F238E27FC236}">
+                <a16:creationId xmlns:a16="http://schemas.microsoft.com/office/drawing/2014/main" id="{7D4CD577-8D10-A4D9-E0BF-1D0452E3C4FD}"/>
+              </a:ext>
+            </a:extLst>
+          </p:cNvPr>
+          <p:cNvSpPr>
+            <a:spLocks noGrp="1"/>
+          </p:cNvSpPr>
+          <p:nvPr>
+            <p:ph sz="half" idx="1"/>
+          </p:nvPr>
+        </p:nvSpPr>
+        <p:spPr/>
+        <p:txBody>
+          <a:bodyPr/>
+          <a:lstStyle/>
+          <a:p>
+            <a:endParaRPr kumimoji="1" lang="en-US" altLang="ja-JP" dirty="0"/>
+          </a:p>
+          <a:p>
+            <a:endParaRPr lang="en-US" altLang="ja-JP" dirty="0"/>
+          </a:p>
+          <a:p>
+            <a:endParaRPr kumimoji="1" lang="en-US" altLang="ja-JP" dirty="0"/>
+          </a:p>
+          <a:p>
+            <a:endParaRPr lang="en-US" altLang="ja-JP" dirty="0"/>
+          </a:p>
+          <a:p>
+            <a:endParaRPr kumimoji="1" lang="en-US" altLang="ja-JP" dirty="0"/>
+          </a:p>
+          <a:p>
+            <a:endParaRPr lang="en-US" altLang="ja-JP" dirty="0"/>
+          </a:p>
+          <a:p>
+            <a:endParaRPr kumimoji="1" lang="en-US" altLang="ja-JP" dirty="0"/>
+          </a:p>
+          <a:p>
+            <a:r>
+              <a:rPr kumimoji="1" lang="ja-JP" altLang="en-US" dirty="0"/>
+              <a:t>借用型に所有権は存在しないので，</a:t>
+            </a:r>
+            <a:r>
+              <a:rPr kumimoji="1" lang="en-US" altLang="ja-JP" dirty="0"/>
+              <a:t>4</a:t>
+            </a:r>
+            <a:r>
+              <a:rPr kumimoji="1" lang="ja-JP" altLang="en-US" dirty="0"/>
+              <a:t>行目以降も</a:t>
+            </a:r>
+            <a:r>
+              <a:rPr kumimoji="1" lang="en-US" altLang="ja-JP" dirty="0"/>
+              <a:t>s2</a:t>
+            </a:r>
+            <a:r>
+              <a:rPr kumimoji="1" lang="ja-JP" altLang="en-US" dirty="0"/>
+              <a:t>は使用可能．</a:t>
+            </a:r>
+            <a:br>
+              <a:rPr kumimoji="1" lang="en-US" altLang="ja-JP" dirty="0"/>
+            </a:br>
+            <a:r>
+              <a:rPr lang="en-US" altLang="ja-JP" dirty="0"/>
+              <a:t>“s2”</a:t>
+            </a:r>
+            <a:r>
+              <a:rPr kumimoji="1" lang="ja-JP" altLang="en-US" dirty="0"/>
+              <a:t>は静的領域に保存されており，ライフタイムはプログラムが終了するまで（最大：</a:t>
+            </a:r>
+            <a:r>
+              <a:rPr kumimoji="1" lang="en-US" altLang="ja-JP" dirty="0"/>
+              <a:t>static</a:t>
+            </a:r>
+            <a:r>
+              <a:rPr kumimoji="1" lang="ja-JP" altLang="en-US" dirty="0"/>
+              <a:t>）である．</a:t>
+            </a:r>
+          </a:p>
+        </p:txBody>
+      </p:sp>
+      <p:sp>
+        <p:nvSpPr>
+          <p:cNvPr id="3" name="コンテンツ プレースホルダー 2">
+            <a:extLst>
+              <a:ext uri="{FF2B5EF4-FFF2-40B4-BE49-F238E27FC236}">
+                <a16:creationId xmlns:a16="http://schemas.microsoft.com/office/drawing/2014/main" id="{03A71B18-7AC8-118E-B0FC-A9F5F6E75D77}"/>
+              </a:ext>
+            </a:extLst>
+          </p:cNvPr>
+          <p:cNvSpPr>
+            <a:spLocks noGrp="1"/>
+          </p:cNvSpPr>
+          <p:nvPr>
+            <p:ph sz="half" idx="2"/>
+          </p:nvPr>
+        </p:nvSpPr>
+        <p:spPr/>
+        <p:txBody>
+          <a:bodyPr/>
+          <a:lstStyle/>
+          <a:p>
+            <a:endParaRPr kumimoji="1" lang="en-US" altLang="ja-JP" dirty="0"/>
+          </a:p>
+          <a:p>
+            <a:endParaRPr lang="en-US" altLang="ja-JP" dirty="0"/>
+          </a:p>
+          <a:p>
+            <a:endParaRPr kumimoji="1" lang="en-US" altLang="ja-JP" dirty="0"/>
+          </a:p>
+          <a:p>
+            <a:endParaRPr lang="en-US" altLang="ja-JP" dirty="0"/>
+          </a:p>
+          <a:p>
+            <a:endParaRPr kumimoji="1" lang="en-US" altLang="ja-JP" dirty="0"/>
+          </a:p>
+          <a:p>
+            <a:endParaRPr lang="en-US" altLang="ja-JP" dirty="0"/>
+          </a:p>
+          <a:p>
+            <a:endParaRPr kumimoji="1" lang="en-US" altLang="ja-JP" dirty="0"/>
+          </a:p>
+          <a:p>
+            <a:r>
+              <a:rPr kumimoji="1" lang="en-US" altLang="ja-JP" dirty="0"/>
+              <a:t>Python</a:t>
+            </a:r>
+            <a:r>
+              <a:rPr kumimoji="1" lang="ja-JP" altLang="en-US" dirty="0"/>
+              <a:t>では，ポインタは存在しないので，オブジェクトを複製するしかない．</a:t>
+            </a:r>
+            <a:endParaRPr kumimoji="1" lang="en-US" altLang="ja-JP" dirty="0"/>
+          </a:p>
+          <a:p>
+            <a:r>
+              <a:rPr lang="en-US" altLang="ja-JP" dirty="0"/>
+              <a:t>Rust</a:t>
+            </a:r>
+            <a:r>
+              <a:rPr lang="ja-JP" altLang="en-US" dirty="0"/>
+              <a:t>では</a:t>
+            </a:r>
+            <a:r>
+              <a:rPr lang="en-US" altLang="ja-JP" dirty="0"/>
+              <a:t>1</a:t>
+            </a:r>
+            <a:r>
+              <a:rPr lang="ja-JP" altLang="en-US" dirty="0"/>
+              <a:t>つのメモリを指す</a:t>
+            </a:r>
+            <a:r>
+              <a:rPr lang="en-US" altLang="ja-JP" dirty="0"/>
+              <a:t>2</a:t>
+            </a:r>
+            <a:r>
+              <a:rPr lang="ja-JP" altLang="en-US" dirty="0"/>
+              <a:t>つのポインタができているのに対し，</a:t>
+            </a:r>
+            <a:r>
+              <a:rPr lang="en-US" altLang="ja-JP" dirty="0"/>
+              <a:t>Python</a:t>
+            </a:r>
+            <a:r>
+              <a:rPr lang="ja-JP" altLang="en-US" dirty="0"/>
+              <a:t>では</a:t>
+            </a:r>
+            <a:r>
+              <a:rPr lang="en-US" altLang="ja-JP" dirty="0"/>
+              <a:t>2</a:t>
+            </a:r>
+            <a:r>
+              <a:rPr lang="ja-JP" altLang="en-US" dirty="0"/>
+              <a:t>つのオブジェクトができてしまっている．使用するメモリ領域は結局</a:t>
+            </a:r>
+            <a:r>
+              <a:rPr lang="en-US" altLang="ja-JP" dirty="0"/>
+              <a:t>2</a:t>
+            </a:r>
+            <a:r>
+              <a:rPr lang="ja-JP" altLang="en-US"/>
+              <a:t>倍になってしまう？</a:t>
+            </a:r>
+            <a:endParaRPr kumimoji="1" lang="ja-JP" altLang="en-US" dirty="0"/>
+          </a:p>
+        </p:txBody>
+      </p:sp>
+      <p:sp>
+        <p:nvSpPr>
+          <p:cNvPr id="4" name="タイトル 3">
+            <a:extLst>
+              <a:ext uri="{FF2B5EF4-FFF2-40B4-BE49-F238E27FC236}">
+                <a16:creationId xmlns:a16="http://schemas.microsoft.com/office/drawing/2014/main" id="{FE6ADB70-5BCE-24EB-8E83-C564DBE8BF10}"/>
+              </a:ext>
+            </a:extLst>
+          </p:cNvPr>
+          <p:cNvSpPr>
+            <a:spLocks noGrp="1"/>
+          </p:cNvSpPr>
+          <p:nvPr>
+            <p:ph type="title"/>
+          </p:nvPr>
+        </p:nvSpPr>
+        <p:spPr/>
+        <p:txBody>
+          <a:bodyPr/>
+          <a:lstStyle/>
+          <a:p>
+            <a:r>
+              <a:rPr lang="ja-JP" altLang="en-US" dirty="0"/>
+              <a:t>例</a:t>
+            </a:r>
+            <a:r>
+              <a:rPr lang="en-US" altLang="ja-JP" dirty="0">
+                <a:latin typeface="+mj-lt"/>
+              </a:rPr>
+              <a:t>3.2 </a:t>
+            </a:r>
+            <a:r>
+              <a:rPr lang="ja-JP" altLang="en-US" dirty="0">
+                <a:latin typeface="+mj-lt"/>
+              </a:rPr>
+              <a:t>借用</a:t>
+            </a:r>
+            <a:endParaRPr kumimoji="1" lang="ja-JP" altLang="en-US" dirty="0"/>
+          </a:p>
+        </p:txBody>
+      </p:sp>
+      <p:pic>
+        <p:nvPicPr>
+          <p:cNvPr id="8" name="図 7">
+            <a:extLst>
+              <a:ext uri="{FF2B5EF4-FFF2-40B4-BE49-F238E27FC236}">
+                <a16:creationId xmlns:a16="http://schemas.microsoft.com/office/drawing/2014/main" id="{3B2755D7-B872-07B6-6548-84BF2F50DF0F}"/>
+              </a:ext>
+            </a:extLst>
+          </p:cNvPr>
+          <p:cNvPicPr>
+            <a:picLocks noChangeAspect="1"/>
+          </p:cNvPicPr>
+          <p:nvPr/>
+        </p:nvPicPr>
+        <p:blipFill>
+          <a:blip r:embed="rId2"/>
+          <a:stretch>
+            <a:fillRect/>
+          </a:stretch>
+        </p:blipFill>
+        <p:spPr>
+          <a:xfrm>
+            <a:off x="345590" y="1050217"/>
+            <a:ext cx="4106667" cy="2385666"/>
+          </a:xfrm>
+          <a:prstGeom prst="rect">
+            <a:avLst/>
+          </a:prstGeom>
+        </p:spPr>
+      </p:pic>
+      <p:pic>
+        <p:nvPicPr>
+          <p:cNvPr id="10" name="図 9">
+            <a:extLst>
+              <a:ext uri="{FF2B5EF4-FFF2-40B4-BE49-F238E27FC236}">
+                <a16:creationId xmlns:a16="http://schemas.microsoft.com/office/drawing/2014/main" id="{97F36797-B3D6-65FF-D9B1-340C6CFF3762}"/>
+              </a:ext>
+            </a:extLst>
+          </p:cNvPr>
+          <p:cNvPicPr>
+            <a:picLocks noChangeAspect="1"/>
+          </p:cNvPicPr>
+          <p:nvPr/>
+        </p:nvPicPr>
+        <p:blipFill>
+          <a:blip r:embed="rId3"/>
+          <a:stretch>
+            <a:fillRect/>
+          </a:stretch>
+        </p:blipFill>
+        <p:spPr>
+          <a:xfrm>
+            <a:off x="6172200" y="1050217"/>
+            <a:ext cx="3353206" cy="2095754"/>
+          </a:xfrm>
+          <a:prstGeom prst="rect">
+            <a:avLst/>
+          </a:prstGeom>
+        </p:spPr>
+      </p:pic>
+    </p:spTree>
+    <p:extLst>
+      <p:ext uri="{BB962C8B-B14F-4D97-AF65-F5344CB8AC3E}">
+        <p14:creationId xmlns:p14="http://schemas.microsoft.com/office/powerpoint/2010/main" val="203049057"/>
+      </p:ext>
+    </p:extLst>
+  </p:cSld>
+  <p:clrMapOvr>
+    <a:masterClrMapping/>
+  </p:clrMapOvr>
+</p:sld>
+</file>
+
+<file path=ppt/slides/slide8.xml><?xml version="1.0" encoding="utf-8"?>
+<p:sld xmlns:a="http://schemas.openxmlformats.org/drawingml/2006/main" xmlns:r="http://schemas.openxmlformats.org/officeDocument/2006/relationships" xmlns:p="http://schemas.openxmlformats.org/presentationml/2006/main">
+  <p:cSld>
+    <p:spTree>
+      <p:nvGrpSpPr>
+        <p:cNvPr id="1" name=""/>
+        <p:cNvGrpSpPr/>
+        <p:nvPr/>
+      </p:nvGrpSpPr>
+      <p:grpSpPr>
+        <a:xfrm>
+          <a:off x="0" y="0"/>
+          <a:ext cx="0" cy="0"/>
+          <a:chOff x="0" y="0"/>
+          <a:chExt cx="0" cy="0"/>
+        </a:xfrm>
+      </p:grpSpPr>
+      <p:sp>
+        <p:nvSpPr>
+          <p:cNvPr id="2" name="タイトル 1">
+            <a:extLst>
+              <a:ext uri="{FF2B5EF4-FFF2-40B4-BE49-F238E27FC236}">
                 <a16:creationId xmlns:a16="http://schemas.microsoft.com/office/drawing/2014/main" id="{561FD6B8-BDB4-5852-5C64-DCC799D6FEE6}"/>
               </a:ext>
             </a:extLst>
@@ -4461,7 +5504,7 @@
 </p:sld>
 </file>
 
-<file path=ppt/slides/slide7.xml><?xml version="1.0" encoding="utf-8"?>
+<file path=ppt/slides/slide9.xml><?xml version="1.0" encoding="utf-8"?>
 <p:sld xmlns:a="http://schemas.openxmlformats.org/drawingml/2006/main" xmlns:r="http://schemas.openxmlformats.org/officeDocument/2006/relationships" xmlns:p="http://schemas.openxmlformats.org/presentationml/2006/main">
   <p:cSld>
     <p:spTree>

--- a/研究室関連/ゼミ/2025.01.29ゼミ.pptx
+++ b/研究室関連/ゼミ/2025.01.29ゼミ.pptx
@@ -4,8 +4,11 @@
   <p:sldMasterIdLst>
     <p:sldMasterId id="2147483671" r:id="rId1"/>
   </p:sldMasterIdLst>
+  <p:notesMasterIdLst>
+    <p:notesMasterId r:id="rId17"/>
+  </p:notesMasterIdLst>
   <p:handoutMasterIdLst>
-    <p:handoutMasterId r:id="rId11"/>
+    <p:handoutMasterId r:id="rId18"/>
   </p:handoutMasterIdLst>
   <p:sldIdLst>
     <p:sldId id="256" r:id="rId2"/>
@@ -15,8 +18,14 @@
     <p:sldId id="264" r:id="rId6"/>
     <p:sldId id="265" r:id="rId7"/>
     <p:sldId id="267" r:id="rId8"/>
-    <p:sldId id="261" r:id="rId9"/>
-    <p:sldId id="262" r:id="rId10"/>
+    <p:sldId id="268" r:id="rId9"/>
+    <p:sldId id="269" r:id="rId10"/>
+    <p:sldId id="270" r:id="rId11"/>
+    <p:sldId id="271" r:id="rId12"/>
+    <p:sldId id="272" r:id="rId13"/>
+    <p:sldId id="273" r:id="rId14"/>
+    <p:sldId id="261" r:id="rId15"/>
+    <p:sldId id="262" r:id="rId16"/>
   </p:sldIdLst>
   <p:sldSz cx="12192000" cy="6858000"/>
   <p:notesSz cx="6858000" cy="9144000"/>
@@ -220,7 +229,7 @@
           <a:p>
             <a:fld id="{002B35ED-074F-4DA6-B0D2-0863611FB16F}" type="datetimeFigureOut">
               <a:rPr kumimoji="1" lang="ja-JP" altLang="en-US" smtClean="0"/>
-              <a:t>2025/1/12</a:t>
+              <a:t>2025/1/13</a:t>
             </a:fld>
             <a:endParaRPr kumimoji="1" lang="ja-JP" altLang="en-US"/>
           </a:p>
@@ -313,6 +322,471 @@
   </p:cSld>
   <p:clrMap bg1="lt1" tx1="dk1" bg2="lt2" tx2="dk2" accent1="accent1" accent2="accent2" accent3="accent3" accent4="accent4" accent5="accent5" accent6="accent6" hlink="hlink" folHlink="folHlink"/>
 </p:handoutMaster>
+</file>
+
+<file path=ppt/notesMasters/notesMaster1.xml><?xml version="1.0" encoding="utf-8"?>
+<p:notesMaster xmlns:a="http://schemas.openxmlformats.org/drawingml/2006/main" xmlns:r="http://schemas.openxmlformats.org/officeDocument/2006/relationships" xmlns:p="http://schemas.openxmlformats.org/presentationml/2006/main">
+  <p:cSld>
+    <p:bg>
+      <p:bgRef idx="1001">
+        <a:schemeClr val="bg1"/>
+      </p:bgRef>
+    </p:bg>
+    <p:spTree>
+      <p:nvGrpSpPr>
+        <p:cNvPr id="1" name=""/>
+        <p:cNvGrpSpPr/>
+        <p:nvPr/>
+      </p:nvGrpSpPr>
+      <p:grpSpPr>
+        <a:xfrm>
+          <a:off x="0" y="0"/>
+          <a:ext cx="0" cy="0"/>
+          <a:chOff x="0" y="0"/>
+          <a:chExt cx="0" cy="0"/>
+        </a:xfrm>
+      </p:grpSpPr>
+      <p:sp>
+        <p:nvSpPr>
+          <p:cNvPr id="2" name="ヘッダー プレースホルダー 1"/>
+          <p:cNvSpPr>
+            <a:spLocks noGrp="1"/>
+          </p:cNvSpPr>
+          <p:nvPr>
+            <p:ph type="hdr" sz="quarter"/>
+          </p:nvPr>
+        </p:nvSpPr>
+        <p:spPr>
+          <a:xfrm>
+            <a:off x="0" y="0"/>
+            <a:ext cx="2971800" cy="458788"/>
+          </a:xfrm>
+          <a:prstGeom prst="rect">
+            <a:avLst/>
+          </a:prstGeom>
+        </p:spPr>
+        <p:txBody>
+          <a:bodyPr vert="horz" lIns="91440" tIns="45720" rIns="91440" bIns="45720" rtlCol="0"/>
+          <a:lstStyle>
+            <a:lvl1pPr algn="l">
+              <a:defRPr sz="1200"/>
+            </a:lvl1pPr>
+          </a:lstStyle>
+          <a:p>
+            <a:endParaRPr kumimoji="1" lang="ja-JP" altLang="en-US"/>
+          </a:p>
+        </p:txBody>
+      </p:sp>
+      <p:sp>
+        <p:nvSpPr>
+          <p:cNvPr id="3" name="日付プレースホルダー 2"/>
+          <p:cNvSpPr>
+            <a:spLocks noGrp="1"/>
+          </p:cNvSpPr>
+          <p:nvPr>
+            <p:ph type="dt" idx="1"/>
+          </p:nvPr>
+        </p:nvSpPr>
+        <p:spPr>
+          <a:xfrm>
+            <a:off x="3884613" y="0"/>
+            <a:ext cx="2971800" cy="458788"/>
+          </a:xfrm>
+          <a:prstGeom prst="rect">
+            <a:avLst/>
+          </a:prstGeom>
+        </p:spPr>
+        <p:txBody>
+          <a:bodyPr vert="horz" lIns="91440" tIns="45720" rIns="91440" bIns="45720" rtlCol="0"/>
+          <a:lstStyle>
+            <a:lvl1pPr algn="r">
+              <a:defRPr sz="1200"/>
+            </a:lvl1pPr>
+          </a:lstStyle>
+          <a:p>
+            <a:fld id="{EA70C340-299C-4781-988E-A898ED653456}" type="datetimeFigureOut">
+              <a:rPr kumimoji="1" lang="ja-JP" altLang="en-US" smtClean="0"/>
+              <a:t>2025/1/13</a:t>
+            </a:fld>
+            <a:endParaRPr kumimoji="1" lang="ja-JP" altLang="en-US"/>
+          </a:p>
+        </p:txBody>
+      </p:sp>
+      <p:sp>
+        <p:nvSpPr>
+          <p:cNvPr id="4" name="スライド イメージ プレースホルダー 3"/>
+          <p:cNvSpPr>
+            <a:spLocks noGrp="1" noRot="1" noChangeAspect="1"/>
+          </p:cNvSpPr>
+          <p:nvPr>
+            <p:ph type="sldImg" idx="2"/>
+          </p:nvPr>
+        </p:nvSpPr>
+        <p:spPr>
+          <a:xfrm>
+            <a:off x="685800" y="1143000"/>
+            <a:ext cx="5486400" cy="3086100"/>
+          </a:xfrm>
+          <a:prstGeom prst="rect">
+            <a:avLst/>
+          </a:prstGeom>
+          <a:noFill/>
+          <a:ln w="12700">
+            <a:solidFill>
+              <a:prstClr val="black"/>
+            </a:solidFill>
+          </a:ln>
+        </p:spPr>
+        <p:txBody>
+          <a:bodyPr vert="horz" lIns="91440" tIns="45720" rIns="91440" bIns="45720" rtlCol="0" anchor="ctr"/>
+          <a:lstStyle/>
+          <a:p>
+            <a:endParaRPr lang="ja-JP" altLang="en-US"/>
+          </a:p>
+        </p:txBody>
+      </p:sp>
+      <p:sp>
+        <p:nvSpPr>
+          <p:cNvPr id="5" name="ノート プレースホルダー 4"/>
+          <p:cNvSpPr>
+            <a:spLocks noGrp="1"/>
+          </p:cNvSpPr>
+          <p:nvPr>
+            <p:ph type="body" sz="quarter" idx="3"/>
+          </p:nvPr>
+        </p:nvSpPr>
+        <p:spPr>
+          <a:xfrm>
+            <a:off x="685800" y="4400550"/>
+            <a:ext cx="5486400" cy="3600450"/>
+          </a:xfrm>
+          <a:prstGeom prst="rect">
+            <a:avLst/>
+          </a:prstGeom>
+        </p:spPr>
+        <p:txBody>
+          <a:bodyPr vert="horz" lIns="91440" tIns="45720" rIns="91440" bIns="45720" rtlCol="0"/>
+          <a:lstStyle/>
+          <a:p>
+            <a:pPr lvl="0"/>
+            <a:r>
+              <a:rPr kumimoji="1" lang="ja-JP" altLang="en-US"/>
+              <a:t>マスター テキストの書式設定</a:t>
+            </a:r>
+          </a:p>
+          <a:p>
+            <a:pPr lvl="1"/>
+            <a:r>
+              <a:rPr kumimoji="1" lang="ja-JP" altLang="en-US"/>
+              <a:t>第 </a:t>
+            </a:r>
+            <a:r>
+              <a:rPr kumimoji="1" lang="en-US" altLang="ja-JP"/>
+              <a:t>2 </a:t>
+            </a:r>
+            <a:r>
+              <a:rPr kumimoji="1" lang="ja-JP" altLang="en-US"/>
+              <a:t>レベル</a:t>
+            </a:r>
+          </a:p>
+          <a:p>
+            <a:pPr lvl="2"/>
+            <a:r>
+              <a:rPr kumimoji="1" lang="ja-JP" altLang="en-US"/>
+              <a:t>第 </a:t>
+            </a:r>
+            <a:r>
+              <a:rPr kumimoji="1" lang="en-US" altLang="ja-JP"/>
+              <a:t>3 </a:t>
+            </a:r>
+            <a:r>
+              <a:rPr kumimoji="1" lang="ja-JP" altLang="en-US"/>
+              <a:t>レベル</a:t>
+            </a:r>
+          </a:p>
+          <a:p>
+            <a:pPr lvl="3"/>
+            <a:r>
+              <a:rPr kumimoji="1" lang="ja-JP" altLang="en-US"/>
+              <a:t>第 </a:t>
+            </a:r>
+            <a:r>
+              <a:rPr kumimoji="1" lang="en-US" altLang="ja-JP"/>
+              <a:t>4 </a:t>
+            </a:r>
+            <a:r>
+              <a:rPr kumimoji="1" lang="ja-JP" altLang="en-US"/>
+              <a:t>レベル</a:t>
+            </a:r>
+          </a:p>
+          <a:p>
+            <a:pPr lvl="4"/>
+            <a:r>
+              <a:rPr kumimoji="1" lang="ja-JP" altLang="en-US"/>
+              <a:t>第 </a:t>
+            </a:r>
+            <a:r>
+              <a:rPr kumimoji="1" lang="en-US" altLang="ja-JP"/>
+              <a:t>5 </a:t>
+            </a:r>
+            <a:r>
+              <a:rPr kumimoji="1" lang="ja-JP" altLang="en-US"/>
+              <a:t>レベル</a:t>
+            </a:r>
+          </a:p>
+        </p:txBody>
+      </p:sp>
+      <p:sp>
+        <p:nvSpPr>
+          <p:cNvPr id="6" name="フッター プレースホルダー 5"/>
+          <p:cNvSpPr>
+            <a:spLocks noGrp="1"/>
+          </p:cNvSpPr>
+          <p:nvPr>
+            <p:ph type="ftr" sz="quarter" idx="4"/>
+          </p:nvPr>
+        </p:nvSpPr>
+        <p:spPr>
+          <a:xfrm>
+            <a:off x="0" y="8685213"/>
+            <a:ext cx="2971800" cy="458787"/>
+          </a:xfrm>
+          <a:prstGeom prst="rect">
+            <a:avLst/>
+          </a:prstGeom>
+        </p:spPr>
+        <p:txBody>
+          <a:bodyPr vert="horz" lIns="91440" tIns="45720" rIns="91440" bIns="45720" rtlCol="0" anchor="b"/>
+          <a:lstStyle>
+            <a:lvl1pPr algn="l">
+              <a:defRPr sz="1200"/>
+            </a:lvl1pPr>
+          </a:lstStyle>
+          <a:p>
+            <a:endParaRPr kumimoji="1" lang="ja-JP" altLang="en-US"/>
+          </a:p>
+        </p:txBody>
+      </p:sp>
+      <p:sp>
+        <p:nvSpPr>
+          <p:cNvPr id="7" name="スライド番号プレースホルダー 6"/>
+          <p:cNvSpPr>
+            <a:spLocks noGrp="1"/>
+          </p:cNvSpPr>
+          <p:nvPr>
+            <p:ph type="sldNum" sz="quarter" idx="5"/>
+          </p:nvPr>
+        </p:nvSpPr>
+        <p:spPr>
+          <a:xfrm>
+            <a:off x="3884613" y="8685213"/>
+            <a:ext cx="2971800" cy="458787"/>
+          </a:xfrm>
+          <a:prstGeom prst="rect">
+            <a:avLst/>
+          </a:prstGeom>
+        </p:spPr>
+        <p:txBody>
+          <a:bodyPr vert="horz" lIns="91440" tIns="45720" rIns="91440" bIns="45720" rtlCol="0" anchor="b"/>
+          <a:lstStyle>
+            <a:lvl1pPr algn="r">
+              <a:defRPr sz="1200"/>
+            </a:lvl1pPr>
+          </a:lstStyle>
+          <a:p>
+            <a:fld id="{2F9EBCB4-0A42-4558-9051-AB6B1EB0A39E}" type="slidenum">
+              <a:rPr kumimoji="1" lang="ja-JP" altLang="en-US" smtClean="0"/>
+              <a:t>‹#›</a:t>
+            </a:fld>
+            <a:endParaRPr kumimoji="1" lang="ja-JP" altLang="en-US"/>
+          </a:p>
+        </p:txBody>
+      </p:sp>
+    </p:spTree>
+    <p:extLst>
+      <p:ext uri="{BB962C8B-B14F-4D97-AF65-F5344CB8AC3E}">
+        <p14:creationId xmlns:p14="http://schemas.microsoft.com/office/powerpoint/2010/main" val="58012300"/>
+      </p:ext>
+    </p:extLst>
+  </p:cSld>
+  <p:clrMap bg1="lt1" tx1="dk1" bg2="lt2" tx2="dk2" accent1="accent1" accent2="accent2" accent3="accent3" accent4="accent4" accent5="accent5" accent6="accent6" hlink="hlink" folHlink="folHlink"/>
+  <p:notesStyle>
+    <a:lvl1pPr marL="0" algn="l" defTabSz="914400" rtl="0" eaLnBrk="1" latinLnBrk="0" hangingPunct="1">
+      <a:defRPr kumimoji="1" sz="1200" kern="1200">
+        <a:solidFill>
+          <a:schemeClr val="tx1"/>
+        </a:solidFill>
+        <a:latin typeface="+mn-lt"/>
+        <a:ea typeface="+mn-ea"/>
+        <a:cs typeface="+mn-cs"/>
+      </a:defRPr>
+    </a:lvl1pPr>
+    <a:lvl2pPr marL="457200" algn="l" defTabSz="914400" rtl="0" eaLnBrk="1" latinLnBrk="0" hangingPunct="1">
+      <a:defRPr kumimoji="1" sz="1200" kern="1200">
+        <a:solidFill>
+          <a:schemeClr val="tx1"/>
+        </a:solidFill>
+        <a:latin typeface="+mn-lt"/>
+        <a:ea typeface="+mn-ea"/>
+        <a:cs typeface="+mn-cs"/>
+      </a:defRPr>
+    </a:lvl2pPr>
+    <a:lvl3pPr marL="914400" algn="l" defTabSz="914400" rtl="0" eaLnBrk="1" latinLnBrk="0" hangingPunct="1">
+      <a:defRPr kumimoji="1" sz="1200" kern="1200">
+        <a:solidFill>
+          <a:schemeClr val="tx1"/>
+        </a:solidFill>
+        <a:latin typeface="+mn-lt"/>
+        <a:ea typeface="+mn-ea"/>
+        <a:cs typeface="+mn-cs"/>
+      </a:defRPr>
+    </a:lvl3pPr>
+    <a:lvl4pPr marL="1371600" algn="l" defTabSz="914400" rtl="0" eaLnBrk="1" latinLnBrk="0" hangingPunct="1">
+      <a:defRPr kumimoji="1" sz="1200" kern="1200">
+        <a:solidFill>
+          <a:schemeClr val="tx1"/>
+        </a:solidFill>
+        <a:latin typeface="+mn-lt"/>
+        <a:ea typeface="+mn-ea"/>
+        <a:cs typeface="+mn-cs"/>
+      </a:defRPr>
+    </a:lvl4pPr>
+    <a:lvl5pPr marL="1828800" algn="l" defTabSz="914400" rtl="0" eaLnBrk="1" latinLnBrk="0" hangingPunct="1">
+      <a:defRPr kumimoji="1" sz="1200" kern="1200">
+        <a:solidFill>
+          <a:schemeClr val="tx1"/>
+        </a:solidFill>
+        <a:latin typeface="+mn-lt"/>
+        <a:ea typeface="+mn-ea"/>
+        <a:cs typeface="+mn-cs"/>
+      </a:defRPr>
+    </a:lvl5pPr>
+    <a:lvl6pPr marL="2286000" algn="l" defTabSz="914400" rtl="0" eaLnBrk="1" latinLnBrk="0" hangingPunct="1">
+      <a:defRPr kumimoji="1" sz="1200" kern="1200">
+        <a:solidFill>
+          <a:schemeClr val="tx1"/>
+        </a:solidFill>
+        <a:latin typeface="+mn-lt"/>
+        <a:ea typeface="+mn-ea"/>
+        <a:cs typeface="+mn-cs"/>
+      </a:defRPr>
+    </a:lvl6pPr>
+    <a:lvl7pPr marL="2743200" algn="l" defTabSz="914400" rtl="0" eaLnBrk="1" latinLnBrk="0" hangingPunct="1">
+      <a:defRPr kumimoji="1" sz="1200" kern="1200">
+        <a:solidFill>
+          <a:schemeClr val="tx1"/>
+        </a:solidFill>
+        <a:latin typeface="+mn-lt"/>
+        <a:ea typeface="+mn-ea"/>
+        <a:cs typeface="+mn-cs"/>
+      </a:defRPr>
+    </a:lvl7pPr>
+    <a:lvl8pPr marL="3200400" algn="l" defTabSz="914400" rtl="0" eaLnBrk="1" latinLnBrk="0" hangingPunct="1">
+      <a:defRPr kumimoji="1" sz="1200" kern="1200">
+        <a:solidFill>
+          <a:schemeClr val="tx1"/>
+        </a:solidFill>
+        <a:latin typeface="+mn-lt"/>
+        <a:ea typeface="+mn-ea"/>
+        <a:cs typeface="+mn-cs"/>
+      </a:defRPr>
+    </a:lvl8pPr>
+    <a:lvl9pPr marL="3657600" algn="l" defTabSz="914400" rtl="0" eaLnBrk="1" latinLnBrk="0" hangingPunct="1">
+      <a:defRPr kumimoji="1" sz="1200" kern="1200">
+        <a:solidFill>
+          <a:schemeClr val="tx1"/>
+        </a:solidFill>
+        <a:latin typeface="+mn-lt"/>
+        <a:ea typeface="+mn-ea"/>
+        <a:cs typeface="+mn-cs"/>
+      </a:defRPr>
+    </a:lvl9pPr>
+  </p:notesStyle>
+</p:notesMaster>
+</file>
+
+<file path=ppt/notesSlides/notesSlide1.xml><?xml version="1.0" encoding="utf-8"?>
+<p:notes xmlns:a="http://schemas.openxmlformats.org/drawingml/2006/main" xmlns:r="http://schemas.openxmlformats.org/officeDocument/2006/relationships" xmlns:p="http://schemas.openxmlformats.org/presentationml/2006/main">
+  <p:cSld>
+    <p:spTree>
+      <p:nvGrpSpPr>
+        <p:cNvPr id="1" name=""/>
+        <p:cNvGrpSpPr/>
+        <p:nvPr/>
+      </p:nvGrpSpPr>
+      <p:grpSpPr>
+        <a:xfrm>
+          <a:off x="0" y="0"/>
+          <a:ext cx="0" cy="0"/>
+          <a:chOff x="0" y="0"/>
+          <a:chExt cx="0" cy="0"/>
+        </a:xfrm>
+      </p:grpSpPr>
+      <p:sp>
+        <p:nvSpPr>
+          <p:cNvPr id="2" name="スライド イメージ プレースホルダー 1"/>
+          <p:cNvSpPr>
+            <a:spLocks noGrp="1" noRot="1" noChangeAspect="1"/>
+          </p:cNvSpPr>
+          <p:nvPr>
+            <p:ph type="sldImg"/>
+          </p:nvPr>
+        </p:nvSpPr>
+        <p:spPr/>
+      </p:sp>
+      <p:sp>
+        <p:nvSpPr>
+          <p:cNvPr id="3" name="ノート プレースホルダー 2"/>
+          <p:cNvSpPr>
+            <a:spLocks noGrp="1"/>
+          </p:cNvSpPr>
+          <p:nvPr>
+            <p:ph type="body" idx="1"/>
+          </p:nvPr>
+        </p:nvSpPr>
+        <p:spPr/>
+        <p:txBody>
+          <a:bodyPr/>
+          <a:lstStyle/>
+          <a:p>
+            <a:endParaRPr kumimoji="1" lang="ja-JP" altLang="en-US" dirty="0"/>
+          </a:p>
+        </p:txBody>
+      </p:sp>
+      <p:sp>
+        <p:nvSpPr>
+          <p:cNvPr id="4" name="スライド番号プレースホルダー 3"/>
+          <p:cNvSpPr>
+            <a:spLocks noGrp="1"/>
+          </p:cNvSpPr>
+          <p:nvPr>
+            <p:ph type="sldNum" sz="quarter" idx="5"/>
+          </p:nvPr>
+        </p:nvSpPr>
+        <p:spPr/>
+        <p:txBody>
+          <a:bodyPr/>
+          <a:lstStyle/>
+          <a:p>
+            <a:fld id="{2F9EBCB4-0A42-4558-9051-AB6B1EB0A39E}" type="slidenum">
+              <a:rPr kumimoji="1" lang="ja-JP" altLang="en-US" smtClean="0"/>
+              <a:t>11</a:t>
+            </a:fld>
+            <a:endParaRPr kumimoji="1" lang="ja-JP" altLang="en-US"/>
+          </a:p>
+        </p:txBody>
+      </p:sp>
+    </p:spTree>
+    <p:extLst>
+      <p:ext uri="{BB962C8B-B14F-4D97-AF65-F5344CB8AC3E}">
+        <p14:creationId xmlns:p14="http://schemas.microsoft.com/office/powerpoint/2010/main" val="3883255537"/>
+      </p:ext>
+    </p:extLst>
+  </p:cSld>
+  <p:clrMapOvr>
+    <a:masterClrMapping/>
+  </p:clrMapOvr>
+</p:notes>
 </file>
 
 <file path=ppt/slideLayouts/slideLayout1.xml><?xml version="1.0" encoding="utf-8"?>
@@ -778,7 +1252,7 @@
           <a:p>
             <a:fld id="{E8CAF464-15F3-4BB4-BD7F-4E96634389B9}" type="datetime1">
               <a:rPr kumimoji="1" lang="ja-JP" altLang="en-US" smtClean="0"/>
-              <a:t>2025/1/12</a:t>
+              <a:t>2025/1/13</a:t>
             </a:fld>
             <a:endParaRPr kumimoji="1" lang="ja-JP" altLang="en-US"/>
           </a:p>
@@ -1568,7 +2042,7 @@
           <a:p>
             <a:fld id="{B4C738A0-993E-4FF2-A9D3-F8A25E5BED3D}" type="datetime1">
               <a:rPr kumimoji="1" lang="ja-JP" altLang="en-US" smtClean="0"/>
-              <a:t>2025/1/12</a:t>
+              <a:t>2025/1/13</a:t>
             </a:fld>
             <a:endParaRPr kumimoji="1" lang="ja-JP" altLang="en-US"/>
           </a:p>
@@ -2648,7 +3122,7 @@
           <a:p>
             <a:fld id="{80FBE12C-66DD-425F-87DA-45FA71D4B14C}" type="datetime1">
               <a:rPr kumimoji="1" lang="ja-JP" altLang="en-US" smtClean="0"/>
-              <a:t>2025/1/12</a:t>
+              <a:t>2025/1/13</a:t>
             </a:fld>
             <a:endParaRPr kumimoji="1" lang="ja-JP" altLang="en-US"/>
           </a:p>
@@ -2780,7 +3254,7 @@
           <a:p>
             <a:fld id="{5D337AB5-68CF-4C9A-84F0-CEB8B3F3804F}" type="datetime1">
               <a:rPr kumimoji="1" lang="ja-JP" altLang="en-US" smtClean="0"/>
-              <a:t>2025/1/12</a:t>
+              <a:t>2025/1/13</a:t>
             </a:fld>
             <a:endParaRPr kumimoji="1" lang="ja-JP" altLang="en-US"/>
           </a:p>
@@ -2884,7 +3358,7 @@
           <a:p>
             <a:fld id="{0224F364-07F3-46C8-84AA-302D169C9924}" type="datetime1">
               <a:rPr kumimoji="1" lang="ja-JP" altLang="en-US" smtClean="0"/>
-              <a:t>2025/1/12</a:t>
+              <a:t>2025/1/13</a:t>
             </a:fld>
             <a:endParaRPr kumimoji="1" lang="ja-JP" altLang="en-US"/>
           </a:p>
@@ -3218,7 +3692,7 @@
           <a:p>
             <a:fld id="{C98F773C-6196-4130-BAF3-BF8645CB42FA}" type="datetime1">
               <a:rPr kumimoji="1" lang="ja-JP" altLang="en-US" smtClean="0"/>
-              <a:t>2025/1/12</a:t>
+              <a:t>2025/1/13</a:t>
             </a:fld>
             <a:endParaRPr kumimoji="1" lang="ja-JP" altLang="en-US"/>
           </a:p>
@@ -3497,7 +3971,7 @@
           <a:p>
             <a:fld id="{E4883AD5-0DE6-4DC7-9375-A23AA371A5C4}" type="datetime1">
               <a:rPr kumimoji="1" lang="ja-JP" altLang="en-US" smtClean="0"/>
-              <a:t>2025/1/12</a:t>
+              <a:t>2025/1/13</a:t>
             </a:fld>
             <a:endParaRPr kumimoji="1" lang="ja-JP" altLang="en-US"/>
           </a:p>
@@ -4146,6 +4620,1397 @@
 </p:sld>
 </file>
 
+<file path=ppt/slides/slide10.xml><?xml version="1.0" encoding="utf-8"?>
+<p:sld xmlns:a="http://schemas.openxmlformats.org/drawingml/2006/main" xmlns:r="http://schemas.openxmlformats.org/officeDocument/2006/relationships" xmlns:p="http://schemas.openxmlformats.org/presentationml/2006/main">
+  <p:cSld>
+    <p:spTree>
+      <p:nvGrpSpPr>
+        <p:cNvPr id="1" name=""/>
+        <p:cNvGrpSpPr/>
+        <p:nvPr/>
+      </p:nvGrpSpPr>
+      <p:grpSpPr>
+        <a:xfrm>
+          <a:off x="0" y="0"/>
+          <a:ext cx="0" cy="0"/>
+          <a:chOff x="0" y="0"/>
+          <a:chExt cx="0" cy="0"/>
+        </a:xfrm>
+      </p:grpSpPr>
+      <p:sp>
+        <p:nvSpPr>
+          <p:cNvPr id="2" name="コンテンツ プレースホルダー 1">
+            <a:extLst>
+              <a:ext uri="{FF2B5EF4-FFF2-40B4-BE49-F238E27FC236}">
+                <a16:creationId xmlns:a16="http://schemas.microsoft.com/office/drawing/2014/main" id="{CAC6AA5F-7640-EC37-1B16-6A327BAE76AD}"/>
+              </a:ext>
+            </a:extLst>
+          </p:cNvPr>
+          <p:cNvSpPr>
+            <a:spLocks noGrp="1"/>
+          </p:cNvSpPr>
+          <p:nvPr>
+            <p:ph sz="half" idx="1"/>
+          </p:nvPr>
+        </p:nvSpPr>
+        <p:spPr/>
+        <p:txBody>
+          <a:bodyPr/>
+          <a:lstStyle/>
+          <a:p>
+            <a:endParaRPr kumimoji="1" lang="en-US" altLang="ja-JP" dirty="0"/>
+          </a:p>
+          <a:p>
+            <a:endParaRPr lang="en-US" altLang="ja-JP" dirty="0"/>
+          </a:p>
+          <a:p>
+            <a:endParaRPr kumimoji="1" lang="en-US" altLang="ja-JP" dirty="0"/>
+          </a:p>
+          <a:p>
+            <a:endParaRPr lang="en-US" altLang="ja-JP" dirty="0"/>
+          </a:p>
+          <a:p>
+            <a:endParaRPr kumimoji="1" lang="en-US" altLang="ja-JP" dirty="0"/>
+          </a:p>
+          <a:p>
+            <a:endParaRPr lang="en-US" altLang="ja-JP" dirty="0"/>
+          </a:p>
+          <a:p>
+            <a:endParaRPr kumimoji="1" lang="en-US" altLang="ja-JP" dirty="0"/>
+          </a:p>
+          <a:p>
+            <a:endParaRPr lang="en-US" altLang="ja-JP" dirty="0"/>
+          </a:p>
+          <a:p>
+            <a:endParaRPr kumimoji="1" lang="en-US" altLang="ja-JP" dirty="0"/>
+          </a:p>
+          <a:p>
+            <a:endParaRPr lang="en-US" altLang="ja-JP" dirty="0"/>
+          </a:p>
+          <a:p>
+            <a:r>
+              <a:rPr kumimoji="1" lang="en-US" altLang="ja-JP" dirty="0"/>
+              <a:t>s1</a:t>
+            </a:r>
+            <a:r>
+              <a:rPr kumimoji="1" lang="ja-JP" altLang="en-US" dirty="0"/>
+              <a:t>のクローンオブジェクト</a:t>
+            </a:r>
+            <a:r>
+              <a:rPr kumimoji="1" lang="en-US" altLang="ja-JP" dirty="0"/>
+              <a:t>s2</a:t>
+            </a:r>
+            <a:r>
+              <a:rPr kumimoji="1" lang="ja-JP" altLang="en-US" dirty="0"/>
+              <a:t>を作成し，</a:t>
+            </a:r>
+            <a:r>
+              <a:rPr kumimoji="1" lang="en-US" altLang="ja-JP" dirty="0"/>
+              <a:t>s2 </a:t>
+            </a:r>
+            <a:r>
+              <a:rPr kumimoji="1" lang="ja-JP" altLang="en-US" dirty="0"/>
+              <a:t>に </a:t>
+            </a:r>
+            <a:r>
+              <a:rPr kumimoji="1" lang="en-US" altLang="ja-JP" dirty="0"/>
+              <a:t>&amp;str </a:t>
+            </a:r>
+            <a:r>
+              <a:rPr kumimoji="1" lang="ja-JP" altLang="en-US" dirty="0"/>
+              <a:t>をプッシュすると，</a:t>
+            </a:r>
+            <a:r>
+              <a:rPr kumimoji="1" lang="en-US" altLang="ja-JP" dirty="0"/>
+              <a:t>s1 </a:t>
+            </a:r>
+            <a:r>
+              <a:rPr kumimoji="1" lang="ja-JP" altLang="en-US" dirty="0"/>
+              <a:t>は変更されず，</a:t>
+            </a:r>
+            <a:r>
+              <a:rPr kumimoji="1" lang="en-US" altLang="ja-JP" dirty="0"/>
+              <a:t>s2 </a:t>
+            </a:r>
+            <a:r>
+              <a:rPr kumimoji="1" lang="ja-JP" altLang="en-US" dirty="0"/>
+              <a:t>のみが変更されている．</a:t>
+            </a:r>
+          </a:p>
+        </p:txBody>
+      </p:sp>
+      <p:sp>
+        <p:nvSpPr>
+          <p:cNvPr id="3" name="コンテンツ プレースホルダー 2">
+            <a:extLst>
+              <a:ext uri="{FF2B5EF4-FFF2-40B4-BE49-F238E27FC236}">
+                <a16:creationId xmlns:a16="http://schemas.microsoft.com/office/drawing/2014/main" id="{3DB6E74A-89CB-CCF3-0AC7-B84CA21040DA}"/>
+              </a:ext>
+            </a:extLst>
+          </p:cNvPr>
+          <p:cNvSpPr>
+            <a:spLocks noGrp="1"/>
+          </p:cNvSpPr>
+          <p:nvPr>
+            <p:ph sz="half" idx="2"/>
+          </p:nvPr>
+        </p:nvSpPr>
+        <p:spPr/>
+        <p:txBody>
+          <a:bodyPr/>
+          <a:lstStyle/>
+          <a:p>
+            <a:endParaRPr kumimoji="1" lang="en-US" altLang="ja-JP" dirty="0"/>
+          </a:p>
+          <a:p>
+            <a:endParaRPr lang="en-US" altLang="ja-JP" dirty="0"/>
+          </a:p>
+          <a:p>
+            <a:endParaRPr kumimoji="1" lang="en-US" altLang="ja-JP" dirty="0"/>
+          </a:p>
+          <a:p>
+            <a:endParaRPr lang="en-US" altLang="ja-JP" dirty="0"/>
+          </a:p>
+          <a:p>
+            <a:endParaRPr kumimoji="1" lang="en-US" altLang="ja-JP" dirty="0"/>
+          </a:p>
+          <a:p>
+            <a:endParaRPr lang="en-US" altLang="ja-JP" dirty="0"/>
+          </a:p>
+          <a:p>
+            <a:endParaRPr kumimoji="1" lang="en-US" altLang="ja-JP" dirty="0"/>
+          </a:p>
+          <a:p>
+            <a:endParaRPr lang="en-US" altLang="ja-JP" dirty="0"/>
+          </a:p>
+          <a:p>
+            <a:endParaRPr kumimoji="1" lang="en-US" altLang="ja-JP" dirty="0"/>
+          </a:p>
+          <a:p>
+            <a:endParaRPr lang="en-US" altLang="ja-JP" dirty="0"/>
+          </a:p>
+          <a:p>
+            <a:r>
+              <a:rPr kumimoji="1" lang="en-US" altLang="ja-JP" dirty="0"/>
+              <a:t>Python </a:t>
+            </a:r>
+            <a:r>
+              <a:rPr kumimoji="1" lang="ja-JP" altLang="en-US" dirty="0"/>
+              <a:t>は </a:t>
+            </a:r>
+            <a:r>
+              <a:rPr kumimoji="1" lang="en-US" altLang="ja-JP" dirty="0"/>
+              <a:t>s2 </a:t>
+            </a:r>
+            <a:r>
+              <a:rPr kumimoji="1" lang="ja-JP" altLang="en-US" dirty="0"/>
+              <a:t>に </a:t>
+            </a:r>
+            <a:r>
+              <a:rPr kumimoji="1" lang="en-US" altLang="ja-JP" dirty="0"/>
+              <a:t>String </a:t>
+            </a:r>
+            <a:r>
+              <a:rPr kumimoji="1" lang="ja-JP" altLang="en-US" dirty="0"/>
+              <a:t>をプッシュした時点で別オブジェクトが生成されるため，オブジェクトが複製されるタイミングは</a:t>
+            </a:r>
+            <a:r>
+              <a:rPr kumimoji="1" lang="en-US" altLang="ja-JP" dirty="0"/>
+              <a:t>1</a:t>
+            </a:r>
+            <a:r>
+              <a:rPr kumimoji="1" lang="ja-JP" altLang="en-US" dirty="0"/>
+              <a:t>行分異なるが，ほぼ等しい挙動・メモリ管理をしているといえる．</a:t>
+            </a:r>
+          </a:p>
+        </p:txBody>
+      </p:sp>
+      <p:sp>
+        <p:nvSpPr>
+          <p:cNvPr id="4" name="タイトル 3">
+            <a:extLst>
+              <a:ext uri="{FF2B5EF4-FFF2-40B4-BE49-F238E27FC236}">
+                <a16:creationId xmlns:a16="http://schemas.microsoft.com/office/drawing/2014/main" id="{2D2E9C7E-A078-CCEF-AC8E-DA42BAE03EBA}"/>
+              </a:ext>
+            </a:extLst>
+          </p:cNvPr>
+          <p:cNvSpPr>
+            <a:spLocks noGrp="1"/>
+          </p:cNvSpPr>
+          <p:nvPr>
+            <p:ph type="title"/>
+          </p:nvPr>
+        </p:nvSpPr>
+        <p:spPr/>
+        <p:txBody>
+          <a:bodyPr/>
+          <a:lstStyle/>
+          <a:p>
+            <a:r>
+              <a:rPr lang="ja-JP" altLang="en-US" dirty="0"/>
+              <a:t>例</a:t>
+            </a:r>
+            <a:r>
+              <a:rPr lang="en-US" altLang="ja-JP" dirty="0">
+                <a:latin typeface="+mj-lt"/>
+              </a:rPr>
+              <a:t>3.4.1 </a:t>
+            </a:r>
+            <a:r>
+              <a:rPr lang="ja-JP" altLang="en-US" dirty="0">
+                <a:latin typeface="+mj-lt"/>
+              </a:rPr>
+              <a:t>クローン</a:t>
+            </a:r>
+            <a:endParaRPr kumimoji="1" lang="ja-JP" altLang="en-US" dirty="0"/>
+          </a:p>
+        </p:txBody>
+      </p:sp>
+      <p:pic>
+        <p:nvPicPr>
+          <p:cNvPr id="6" name="図 5">
+            <a:extLst>
+              <a:ext uri="{FF2B5EF4-FFF2-40B4-BE49-F238E27FC236}">
+                <a16:creationId xmlns:a16="http://schemas.microsoft.com/office/drawing/2014/main" id="{A14F9E74-D738-FAB2-3CC5-C37677BF7E05}"/>
+              </a:ext>
+            </a:extLst>
+          </p:cNvPr>
+          <p:cNvPicPr>
+            <a:picLocks noChangeAspect="1"/>
+          </p:cNvPicPr>
+          <p:nvPr/>
+        </p:nvPicPr>
+        <p:blipFill>
+          <a:blip r:embed="rId2"/>
+          <a:stretch>
+            <a:fillRect/>
+          </a:stretch>
+        </p:blipFill>
+        <p:spPr>
+          <a:xfrm>
+            <a:off x="345591" y="1050217"/>
+            <a:ext cx="4413816" cy="2574726"/>
+          </a:xfrm>
+          <a:prstGeom prst="rect">
+            <a:avLst/>
+          </a:prstGeom>
+        </p:spPr>
+      </p:pic>
+      <p:pic>
+        <p:nvPicPr>
+          <p:cNvPr id="8" name="図 7">
+            <a:extLst>
+              <a:ext uri="{FF2B5EF4-FFF2-40B4-BE49-F238E27FC236}">
+                <a16:creationId xmlns:a16="http://schemas.microsoft.com/office/drawing/2014/main" id="{45168A3E-F14F-6CD1-3A5C-B4729E3906E3}"/>
+              </a:ext>
+            </a:extLst>
+          </p:cNvPr>
+          <p:cNvPicPr>
+            <a:picLocks noChangeAspect="1"/>
+          </p:cNvPicPr>
+          <p:nvPr/>
+        </p:nvPicPr>
+        <p:blipFill>
+          <a:blip r:embed="rId3"/>
+          <a:stretch>
+            <a:fillRect/>
+          </a:stretch>
+        </p:blipFill>
+        <p:spPr>
+          <a:xfrm>
+            <a:off x="6172200" y="1050216"/>
+            <a:ext cx="3312650" cy="1997783"/>
+          </a:xfrm>
+          <a:prstGeom prst="rect">
+            <a:avLst/>
+          </a:prstGeom>
+        </p:spPr>
+      </p:pic>
+      <p:pic>
+        <p:nvPicPr>
+          <p:cNvPr id="10" name="図 9">
+            <a:extLst>
+              <a:ext uri="{FF2B5EF4-FFF2-40B4-BE49-F238E27FC236}">
+                <a16:creationId xmlns:a16="http://schemas.microsoft.com/office/drawing/2014/main" id="{9216E2CB-DAC8-38AF-7F0A-9CB657B55239}"/>
+              </a:ext>
+            </a:extLst>
+          </p:cNvPr>
+          <p:cNvPicPr>
+            <a:picLocks noChangeAspect="1"/>
+          </p:cNvPicPr>
+          <p:nvPr/>
+        </p:nvPicPr>
+        <p:blipFill>
+          <a:blip r:embed="rId4"/>
+          <a:stretch>
+            <a:fillRect/>
+          </a:stretch>
+        </p:blipFill>
+        <p:spPr>
+          <a:xfrm>
+            <a:off x="345591" y="3756368"/>
+            <a:ext cx="1836365" cy="554375"/>
+          </a:xfrm>
+          <a:prstGeom prst="rect">
+            <a:avLst/>
+          </a:prstGeom>
+        </p:spPr>
+      </p:pic>
+      <p:pic>
+        <p:nvPicPr>
+          <p:cNvPr id="11" name="図 10">
+            <a:extLst>
+              <a:ext uri="{FF2B5EF4-FFF2-40B4-BE49-F238E27FC236}">
+                <a16:creationId xmlns:a16="http://schemas.microsoft.com/office/drawing/2014/main" id="{68CBF726-A11D-958F-2E6E-749BDD4793C0}"/>
+              </a:ext>
+            </a:extLst>
+          </p:cNvPr>
+          <p:cNvPicPr>
+            <a:picLocks noChangeAspect="1"/>
+          </p:cNvPicPr>
+          <p:nvPr/>
+        </p:nvPicPr>
+        <p:blipFill>
+          <a:blip r:embed="rId4"/>
+          <a:stretch>
+            <a:fillRect/>
+          </a:stretch>
+        </p:blipFill>
+        <p:spPr>
+          <a:xfrm>
+            <a:off x="6172200" y="3756368"/>
+            <a:ext cx="1836365" cy="554375"/>
+          </a:xfrm>
+          <a:prstGeom prst="rect">
+            <a:avLst/>
+          </a:prstGeom>
+        </p:spPr>
+      </p:pic>
+    </p:spTree>
+    <p:extLst>
+      <p:ext uri="{BB962C8B-B14F-4D97-AF65-F5344CB8AC3E}">
+        <p14:creationId xmlns:p14="http://schemas.microsoft.com/office/powerpoint/2010/main" val="2577667497"/>
+      </p:ext>
+    </p:extLst>
+  </p:cSld>
+  <p:clrMapOvr>
+    <a:masterClrMapping/>
+  </p:clrMapOvr>
+</p:sld>
+</file>
+
+<file path=ppt/slides/slide11.xml><?xml version="1.0" encoding="utf-8"?>
+<p:sld xmlns:a="http://schemas.openxmlformats.org/drawingml/2006/main" xmlns:r="http://schemas.openxmlformats.org/officeDocument/2006/relationships" xmlns:p="http://schemas.openxmlformats.org/presentationml/2006/main">
+  <p:cSld>
+    <p:spTree>
+      <p:nvGrpSpPr>
+        <p:cNvPr id="1" name=""/>
+        <p:cNvGrpSpPr/>
+        <p:nvPr/>
+      </p:nvGrpSpPr>
+      <p:grpSpPr>
+        <a:xfrm>
+          <a:off x="0" y="0"/>
+          <a:ext cx="0" cy="0"/>
+          <a:chOff x="0" y="0"/>
+          <a:chExt cx="0" cy="0"/>
+        </a:xfrm>
+      </p:grpSpPr>
+      <p:sp>
+        <p:nvSpPr>
+          <p:cNvPr id="2" name="コンテンツ プレースホルダー 1">
+            <a:extLst>
+              <a:ext uri="{FF2B5EF4-FFF2-40B4-BE49-F238E27FC236}">
+                <a16:creationId xmlns:a16="http://schemas.microsoft.com/office/drawing/2014/main" id="{7A52E83A-9D1F-B269-0945-3E9C3B210338}"/>
+              </a:ext>
+            </a:extLst>
+          </p:cNvPr>
+          <p:cNvSpPr>
+            <a:spLocks noGrp="1"/>
+          </p:cNvSpPr>
+          <p:nvPr>
+            <p:ph sz="half" idx="1"/>
+          </p:nvPr>
+        </p:nvSpPr>
+        <p:spPr/>
+        <p:txBody>
+          <a:bodyPr/>
+          <a:lstStyle/>
+          <a:p>
+            <a:endParaRPr kumimoji="1" lang="en-US" altLang="ja-JP" dirty="0"/>
+          </a:p>
+          <a:p>
+            <a:endParaRPr lang="en-US" altLang="ja-JP" dirty="0"/>
+          </a:p>
+          <a:p>
+            <a:endParaRPr kumimoji="1" lang="en-US" altLang="ja-JP" dirty="0"/>
+          </a:p>
+          <a:p>
+            <a:endParaRPr lang="en-US" altLang="ja-JP" dirty="0"/>
+          </a:p>
+          <a:p>
+            <a:endParaRPr kumimoji="1" lang="en-US" altLang="ja-JP" dirty="0"/>
+          </a:p>
+          <a:p>
+            <a:endParaRPr lang="en-US" altLang="ja-JP" dirty="0"/>
+          </a:p>
+          <a:p>
+            <a:endParaRPr kumimoji="1" lang="en-US" altLang="ja-JP" dirty="0"/>
+          </a:p>
+          <a:p>
+            <a:endParaRPr lang="en-US" altLang="ja-JP" dirty="0"/>
+          </a:p>
+          <a:p>
+            <a:endParaRPr kumimoji="1" lang="en-US" altLang="ja-JP" dirty="0"/>
+          </a:p>
+          <a:p>
+            <a:endParaRPr lang="en-US" altLang="ja-JP" dirty="0"/>
+          </a:p>
+          <a:p>
+            <a:r>
+              <a:rPr kumimoji="1" lang="ja-JP" altLang="en-US" dirty="0"/>
+              <a:t>ベクタは </a:t>
+            </a:r>
+            <a:r>
+              <a:rPr kumimoji="1" lang="en-US" altLang="ja-JP" dirty="0"/>
+              <a:t>Rust </a:t>
+            </a:r>
+            <a:r>
+              <a:rPr kumimoji="1" lang="ja-JP" altLang="en-US" dirty="0"/>
+              <a:t>ではミュータブルであるが，</a:t>
+            </a:r>
+            <a:r>
+              <a:rPr kumimoji="1" lang="en-US" altLang="ja-JP" dirty="0"/>
+              <a:t>s2 </a:t>
+            </a:r>
+            <a:r>
+              <a:rPr kumimoji="1" lang="ja-JP" altLang="en-US" dirty="0"/>
+              <a:t>はクローン</a:t>
+            </a:r>
+            <a:r>
+              <a:rPr lang="ja-JP" altLang="en-US" dirty="0"/>
+              <a:t>されたオブジェクトなので </a:t>
+            </a:r>
+            <a:r>
+              <a:rPr lang="en-US" altLang="ja-JP" dirty="0"/>
+              <a:t>s1 </a:t>
+            </a:r>
+            <a:r>
+              <a:rPr lang="ja-JP" altLang="en-US" dirty="0"/>
+              <a:t>に影響を与えない．</a:t>
+            </a:r>
+            <a:endParaRPr kumimoji="1" lang="ja-JP" altLang="en-US" dirty="0"/>
+          </a:p>
+        </p:txBody>
+      </p:sp>
+      <p:sp>
+        <p:nvSpPr>
+          <p:cNvPr id="3" name="コンテンツ プレースホルダー 2">
+            <a:extLst>
+              <a:ext uri="{FF2B5EF4-FFF2-40B4-BE49-F238E27FC236}">
+                <a16:creationId xmlns:a16="http://schemas.microsoft.com/office/drawing/2014/main" id="{394513AD-795F-5962-D494-7B33050F39E9}"/>
+              </a:ext>
+            </a:extLst>
+          </p:cNvPr>
+          <p:cNvSpPr>
+            <a:spLocks noGrp="1"/>
+          </p:cNvSpPr>
+          <p:nvPr>
+            <p:ph sz="half" idx="2"/>
+          </p:nvPr>
+        </p:nvSpPr>
+        <p:spPr/>
+        <p:txBody>
+          <a:bodyPr>
+            <a:noAutofit/>
+          </a:bodyPr>
+          <a:lstStyle/>
+          <a:p>
+            <a:endParaRPr kumimoji="1" lang="en-US" altLang="ja-JP" dirty="0"/>
+          </a:p>
+          <a:p>
+            <a:endParaRPr lang="en-US" altLang="ja-JP" dirty="0"/>
+          </a:p>
+          <a:p>
+            <a:endParaRPr kumimoji="1" lang="en-US" altLang="ja-JP" dirty="0"/>
+          </a:p>
+          <a:p>
+            <a:endParaRPr lang="en-US" altLang="ja-JP" dirty="0"/>
+          </a:p>
+          <a:p>
+            <a:endParaRPr kumimoji="1" lang="en-US" altLang="ja-JP" dirty="0"/>
+          </a:p>
+          <a:p>
+            <a:endParaRPr lang="en-US" altLang="ja-JP" dirty="0"/>
+          </a:p>
+          <a:p>
+            <a:endParaRPr kumimoji="1" lang="en-US" altLang="ja-JP" dirty="0"/>
+          </a:p>
+          <a:p>
+            <a:endParaRPr lang="en-US" altLang="ja-JP" dirty="0"/>
+          </a:p>
+          <a:p>
+            <a:endParaRPr kumimoji="1" lang="en-US" altLang="ja-JP" dirty="0"/>
+          </a:p>
+          <a:p>
+            <a:endParaRPr lang="en-US" altLang="ja-JP" dirty="0"/>
+          </a:p>
+          <a:p>
+            <a:r>
+              <a:rPr kumimoji="1" lang="en-US" altLang="ja-JP" dirty="0"/>
+              <a:t>Python</a:t>
+            </a:r>
+            <a:r>
+              <a:rPr kumimoji="1" lang="ja-JP" altLang="en-US" dirty="0"/>
+              <a:t>では，</a:t>
+            </a:r>
+            <a:r>
+              <a:rPr kumimoji="1" lang="en-US" altLang="ja-JP" dirty="0"/>
+              <a:t>s2 = s1 </a:t>
+            </a:r>
+            <a:r>
+              <a:rPr kumimoji="1" lang="ja-JP" altLang="en-US" dirty="0"/>
+              <a:t>としても同じオブジェクトへの参照をコピーするだけで，元のオブジェクトがミュータブルだと </a:t>
+            </a:r>
+            <a:r>
+              <a:rPr kumimoji="1" lang="en-US" altLang="ja-JP" dirty="0"/>
+              <a:t>s2[0] </a:t>
+            </a:r>
+            <a:r>
+              <a:rPr kumimoji="1" lang="ja-JP" altLang="en-US" dirty="0"/>
+              <a:t>の変更が </a:t>
+            </a:r>
+            <a:r>
+              <a:rPr kumimoji="1" lang="en-US" altLang="ja-JP" dirty="0"/>
+              <a:t>s1[0] </a:t>
+            </a:r>
+            <a:r>
+              <a:rPr kumimoji="1" lang="ja-JP" altLang="en-US" dirty="0"/>
+              <a:t>にも影響を与えてしまう．</a:t>
+            </a:r>
+            <a:br>
+              <a:rPr kumimoji="1" lang="en-US" altLang="ja-JP" dirty="0"/>
+            </a:br>
+            <a:r>
+              <a:rPr kumimoji="1" lang="en-US" altLang="ja-JP" dirty="0"/>
+              <a:t>copy</a:t>
+            </a:r>
+            <a:r>
+              <a:rPr kumimoji="1" lang="ja-JP" altLang="en-US" dirty="0"/>
+              <a:t>モジュールの</a:t>
+            </a:r>
+            <a:r>
+              <a:rPr kumimoji="1" lang="en-US" altLang="ja-JP" dirty="0" err="1"/>
+              <a:t>deepcopy</a:t>
+            </a:r>
+            <a:r>
+              <a:rPr kumimoji="1" lang="ja-JP" altLang="en-US" dirty="0"/>
+              <a:t>を実行することで，コンテナオブジェクトとその各要素</a:t>
+            </a:r>
+            <a:r>
+              <a:rPr lang="ja-JP" altLang="en-US" dirty="0"/>
+              <a:t>を，新オブジェクトとして</a:t>
+            </a:r>
+            <a:r>
+              <a:rPr kumimoji="1" lang="ja-JP" altLang="en-US" dirty="0"/>
+              <a:t>再帰的にコピーする．</a:t>
+            </a:r>
+          </a:p>
+        </p:txBody>
+      </p:sp>
+      <p:sp>
+        <p:nvSpPr>
+          <p:cNvPr id="4" name="タイトル 3">
+            <a:extLst>
+              <a:ext uri="{FF2B5EF4-FFF2-40B4-BE49-F238E27FC236}">
+                <a16:creationId xmlns:a16="http://schemas.microsoft.com/office/drawing/2014/main" id="{1FB4F15F-B89C-CD33-128F-C59890C10677}"/>
+              </a:ext>
+            </a:extLst>
+          </p:cNvPr>
+          <p:cNvSpPr>
+            <a:spLocks noGrp="1"/>
+          </p:cNvSpPr>
+          <p:nvPr>
+            <p:ph type="title"/>
+          </p:nvPr>
+        </p:nvSpPr>
+        <p:spPr/>
+        <p:txBody>
+          <a:bodyPr/>
+          <a:lstStyle/>
+          <a:p>
+            <a:r>
+              <a:rPr lang="ja-JP" altLang="en-US" dirty="0"/>
+              <a:t>例</a:t>
+            </a:r>
+            <a:r>
+              <a:rPr lang="en-US" altLang="ja-JP" dirty="0">
+                <a:latin typeface="+mj-lt"/>
+              </a:rPr>
+              <a:t>3.4.2 </a:t>
+            </a:r>
+            <a:r>
+              <a:rPr lang="ja-JP" altLang="en-US" dirty="0">
+                <a:latin typeface="+mj-lt"/>
+              </a:rPr>
+              <a:t>クローン</a:t>
+            </a:r>
+            <a:endParaRPr kumimoji="1" lang="ja-JP" altLang="en-US" dirty="0"/>
+          </a:p>
+        </p:txBody>
+      </p:sp>
+      <p:pic>
+        <p:nvPicPr>
+          <p:cNvPr id="6" name="図 5">
+            <a:extLst>
+              <a:ext uri="{FF2B5EF4-FFF2-40B4-BE49-F238E27FC236}">
+                <a16:creationId xmlns:a16="http://schemas.microsoft.com/office/drawing/2014/main" id="{0B47C23F-38E6-3D69-225E-C8107B40203A}"/>
+              </a:ext>
+            </a:extLst>
+          </p:cNvPr>
+          <p:cNvPicPr>
+            <a:picLocks noChangeAspect="1"/>
+          </p:cNvPicPr>
+          <p:nvPr/>
+        </p:nvPicPr>
+        <p:blipFill>
+          <a:blip r:embed="rId3"/>
+          <a:stretch>
+            <a:fillRect/>
+          </a:stretch>
+        </p:blipFill>
+        <p:spPr>
+          <a:xfrm>
+            <a:off x="345590" y="1050216"/>
+            <a:ext cx="5062667" cy="2596497"/>
+          </a:xfrm>
+          <a:prstGeom prst="rect">
+            <a:avLst/>
+          </a:prstGeom>
+        </p:spPr>
+      </p:pic>
+      <p:pic>
+        <p:nvPicPr>
+          <p:cNvPr id="12" name="図 11">
+            <a:extLst>
+              <a:ext uri="{FF2B5EF4-FFF2-40B4-BE49-F238E27FC236}">
+                <a16:creationId xmlns:a16="http://schemas.microsoft.com/office/drawing/2014/main" id="{27D270FD-F143-F900-EE46-A847F2F70BA1}"/>
+              </a:ext>
+            </a:extLst>
+          </p:cNvPr>
+          <p:cNvPicPr>
+            <a:picLocks noChangeAspect="1"/>
+          </p:cNvPicPr>
+          <p:nvPr/>
+        </p:nvPicPr>
+        <p:blipFill>
+          <a:blip r:embed="rId4"/>
+          <a:stretch>
+            <a:fillRect/>
+          </a:stretch>
+        </p:blipFill>
+        <p:spPr>
+          <a:xfrm>
+            <a:off x="345591" y="3767254"/>
+            <a:ext cx="2123362" cy="630574"/>
+          </a:xfrm>
+          <a:prstGeom prst="rect">
+            <a:avLst/>
+          </a:prstGeom>
+        </p:spPr>
+      </p:pic>
+      <p:pic>
+        <p:nvPicPr>
+          <p:cNvPr id="14" name="図 13">
+            <a:extLst>
+              <a:ext uri="{FF2B5EF4-FFF2-40B4-BE49-F238E27FC236}">
+                <a16:creationId xmlns:a16="http://schemas.microsoft.com/office/drawing/2014/main" id="{F25A3630-A773-5808-A8ED-9D59D2BB9827}"/>
+              </a:ext>
+            </a:extLst>
+          </p:cNvPr>
+          <p:cNvPicPr>
+            <a:picLocks noChangeAspect="1"/>
+          </p:cNvPicPr>
+          <p:nvPr/>
+        </p:nvPicPr>
+        <p:blipFill>
+          <a:blip r:embed="rId5"/>
+          <a:stretch>
+            <a:fillRect/>
+          </a:stretch>
+        </p:blipFill>
+        <p:spPr>
+          <a:xfrm>
+            <a:off x="6172199" y="1050216"/>
+            <a:ext cx="3891146" cy="2629153"/>
+          </a:xfrm>
+          <a:prstGeom prst="rect">
+            <a:avLst/>
+          </a:prstGeom>
+        </p:spPr>
+      </p:pic>
+      <p:pic>
+        <p:nvPicPr>
+          <p:cNvPr id="15" name="図 14">
+            <a:extLst>
+              <a:ext uri="{FF2B5EF4-FFF2-40B4-BE49-F238E27FC236}">
+                <a16:creationId xmlns:a16="http://schemas.microsoft.com/office/drawing/2014/main" id="{84701FA9-CE2A-E9EC-631F-1E0B354AFFC3}"/>
+              </a:ext>
+            </a:extLst>
+          </p:cNvPr>
+          <p:cNvPicPr>
+            <a:picLocks noChangeAspect="1"/>
+          </p:cNvPicPr>
+          <p:nvPr/>
+        </p:nvPicPr>
+        <p:blipFill>
+          <a:blip r:embed="rId4"/>
+          <a:stretch>
+            <a:fillRect/>
+          </a:stretch>
+        </p:blipFill>
+        <p:spPr>
+          <a:xfrm>
+            <a:off x="6172199" y="3767253"/>
+            <a:ext cx="2123362" cy="630574"/>
+          </a:xfrm>
+          <a:prstGeom prst="rect">
+            <a:avLst/>
+          </a:prstGeom>
+        </p:spPr>
+      </p:pic>
+    </p:spTree>
+    <p:extLst>
+      <p:ext uri="{BB962C8B-B14F-4D97-AF65-F5344CB8AC3E}">
+        <p14:creationId xmlns:p14="http://schemas.microsoft.com/office/powerpoint/2010/main" val="3659683350"/>
+      </p:ext>
+    </p:extLst>
+  </p:cSld>
+  <p:clrMapOvr>
+    <a:masterClrMapping/>
+  </p:clrMapOvr>
+</p:sld>
+</file>
+
+<file path=ppt/slides/slide12.xml><?xml version="1.0" encoding="utf-8"?>
+<p:sld xmlns:a="http://schemas.openxmlformats.org/drawingml/2006/main" xmlns:r="http://schemas.openxmlformats.org/officeDocument/2006/relationships" xmlns:p="http://schemas.openxmlformats.org/presentationml/2006/main">
+  <p:cSld>
+    <p:spTree>
+      <p:nvGrpSpPr>
+        <p:cNvPr id="1" name=""/>
+        <p:cNvGrpSpPr/>
+        <p:nvPr/>
+      </p:nvGrpSpPr>
+      <p:grpSpPr>
+        <a:xfrm>
+          <a:off x="0" y="0"/>
+          <a:ext cx="0" cy="0"/>
+          <a:chOff x="0" y="0"/>
+          <a:chExt cx="0" cy="0"/>
+        </a:xfrm>
+      </p:grpSpPr>
+      <p:sp>
+        <p:nvSpPr>
+          <p:cNvPr id="2" name="コンテンツ プレースホルダー 1">
+            <a:extLst>
+              <a:ext uri="{FF2B5EF4-FFF2-40B4-BE49-F238E27FC236}">
+                <a16:creationId xmlns:a16="http://schemas.microsoft.com/office/drawing/2014/main" id="{6BBDA335-195F-A684-DDB1-07C9C520DA8F}"/>
+              </a:ext>
+            </a:extLst>
+          </p:cNvPr>
+          <p:cNvSpPr>
+            <a:spLocks noGrp="1"/>
+          </p:cNvSpPr>
+          <p:nvPr>
+            <p:ph sz="half" idx="1"/>
+          </p:nvPr>
+        </p:nvSpPr>
+        <p:spPr/>
+        <p:txBody>
+          <a:bodyPr/>
+          <a:lstStyle/>
+          <a:p>
+            <a:endParaRPr kumimoji="1" lang="ja-JP" altLang="en-US"/>
+          </a:p>
+        </p:txBody>
+      </p:sp>
+      <p:sp>
+        <p:nvSpPr>
+          <p:cNvPr id="3" name="コンテンツ プレースホルダー 2">
+            <a:extLst>
+              <a:ext uri="{FF2B5EF4-FFF2-40B4-BE49-F238E27FC236}">
+                <a16:creationId xmlns:a16="http://schemas.microsoft.com/office/drawing/2014/main" id="{EC743711-25C7-3AB1-DFAA-0BDFDFE452C4}"/>
+              </a:ext>
+            </a:extLst>
+          </p:cNvPr>
+          <p:cNvSpPr>
+            <a:spLocks noGrp="1"/>
+          </p:cNvSpPr>
+          <p:nvPr>
+            <p:ph sz="half" idx="2"/>
+          </p:nvPr>
+        </p:nvSpPr>
+        <p:spPr/>
+        <p:txBody>
+          <a:bodyPr/>
+          <a:lstStyle/>
+          <a:p>
+            <a:endParaRPr kumimoji="1" lang="en-US" altLang="ja-JP" dirty="0"/>
+          </a:p>
+          <a:p>
+            <a:endParaRPr lang="en-US" altLang="ja-JP" dirty="0"/>
+          </a:p>
+          <a:p>
+            <a:endParaRPr kumimoji="1" lang="en-US" altLang="ja-JP" dirty="0"/>
+          </a:p>
+          <a:p>
+            <a:endParaRPr lang="en-US" altLang="ja-JP" dirty="0"/>
+          </a:p>
+          <a:p>
+            <a:endParaRPr kumimoji="1" lang="en-US" altLang="ja-JP" dirty="0"/>
+          </a:p>
+          <a:p>
+            <a:endParaRPr lang="en-US" altLang="ja-JP" dirty="0"/>
+          </a:p>
+          <a:p>
+            <a:endParaRPr kumimoji="1" lang="en-US" altLang="ja-JP" dirty="0"/>
+          </a:p>
+          <a:p>
+            <a:endParaRPr lang="en-US" altLang="ja-JP" dirty="0"/>
+          </a:p>
+          <a:p>
+            <a:endParaRPr kumimoji="1" lang="en-US" altLang="ja-JP" dirty="0"/>
+          </a:p>
+          <a:p>
+            <a:endParaRPr lang="en-US" altLang="ja-JP" dirty="0"/>
+          </a:p>
+          <a:p>
+            <a:endParaRPr kumimoji="1" lang="en-US" altLang="ja-JP" dirty="0"/>
+          </a:p>
+          <a:p>
+            <a:r>
+              <a:rPr lang="en-US" altLang="ja-JP" dirty="0"/>
+              <a:t>Python</a:t>
+            </a:r>
+            <a:r>
+              <a:rPr lang="ja-JP" altLang="en-US" dirty="0"/>
+              <a:t>では，グローバル変数を使用する際は宣言する必要がある．また，イミュータブルな値の，破壊的代入による値の変更を禁止する記述は簡単には書けない</a:t>
+            </a:r>
+            <a:r>
+              <a:rPr lang="en-US" altLang="ja-JP" dirty="0"/>
+              <a:t>.</a:t>
+            </a:r>
+            <a:endParaRPr kumimoji="1" lang="ja-JP" altLang="en-US" dirty="0"/>
+          </a:p>
+        </p:txBody>
+      </p:sp>
+      <p:sp>
+        <p:nvSpPr>
+          <p:cNvPr id="4" name="タイトル 3">
+            <a:extLst>
+              <a:ext uri="{FF2B5EF4-FFF2-40B4-BE49-F238E27FC236}">
+                <a16:creationId xmlns:a16="http://schemas.microsoft.com/office/drawing/2014/main" id="{61B2AB04-F088-B46D-8D8C-EF1870253F8C}"/>
+              </a:ext>
+            </a:extLst>
+          </p:cNvPr>
+          <p:cNvSpPr>
+            <a:spLocks noGrp="1"/>
+          </p:cNvSpPr>
+          <p:nvPr>
+            <p:ph type="title"/>
+          </p:nvPr>
+        </p:nvSpPr>
+        <p:spPr/>
+        <p:txBody>
+          <a:bodyPr/>
+          <a:lstStyle/>
+          <a:p>
+            <a:r>
+              <a:rPr lang="ja-JP" altLang="en-US" dirty="0"/>
+              <a:t>例</a:t>
+            </a:r>
+            <a:r>
+              <a:rPr lang="en-US" altLang="ja-JP" dirty="0">
+                <a:latin typeface="+mj-lt"/>
+              </a:rPr>
+              <a:t>3.5.1 </a:t>
+            </a:r>
+            <a:r>
+              <a:rPr lang="ja-JP" altLang="en-US" dirty="0">
+                <a:latin typeface="+mj-lt"/>
+              </a:rPr>
+              <a:t>定数，グローバル変数</a:t>
+            </a:r>
+            <a:endParaRPr kumimoji="1" lang="ja-JP" altLang="en-US" dirty="0"/>
+          </a:p>
+        </p:txBody>
+      </p:sp>
+      <p:pic>
+        <p:nvPicPr>
+          <p:cNvPr id="8" name="図 7">
+            <a:extLst>
+              <a:ext uri="{FF2B5EF4-FFF2-40B4-BE49-F238E27FC236}">
+                <a16:creationId xmlns:a16="http://schemas.microsoft.com/office/drawing/2014/main" id="{CA3A517A-B371-46E9-04B1-A88DDBE717C4}"/>
+              </a:ext>
+            </a:extLst>
+          </p:cNvPr>
+          <p:cNvPicPr>
+            <a:picLocks noChangeAspect="1"/>
+          </p:cNvPicPr>
+          <p:nvPr/>
+        </p:nvPicPr>
+        <p:blipFill>
+          <a:blip r:embed="rId2"/>
+          <a:stretch>
+            <a:fillRect/>
+          </a:stretch>
+        </p:blipFill>
+        <p:spPr>
+          <a:xfrm>
+            <a:off x="345589" y="1050216"/>
+            <a:ext cx="5412011" cy="4305555"/>
+          </a:xfrm>
+          <a:prstGeom prst="rect">
+            <a:avLst/>
+          </a:prstGeom>
+        </p:spPr>
+      </p:pic>
+      <p:pic>
+        <p:nvPicPr>
+          <p:cNvPr id="10" name="図 9">
+            <a:extLst>
+              <a:ext uri="{FF2B5EF4-FFF2-40B4-BE49-F238E27FC236}">
+                <a16:creationId xmlns:a16="http://schemas.microsoft.com/office/drawing/2014/main" id="{7D1C1B9C-711F-F2B8-C6D0-30302B2C6AA4}"/>
+              </a:ext>
+            </a:extLst>
+          </p:cNvPr>
+          <p:cNvPicPr>
+            <a:picLocks noChangeAspect="1"/>
+          </p:cNvPicPr>
+          <p:nvPr/>
+        </p:nvPicPr>
+        <p:blipFill>
+          <a:blip r:embed="rId3"/>
+          <a:stretch>
+            <a:fillRect/>
+          </a:stretch>
+        </p:blipFill>
+        <p:spPr>
+          <a:xfrm>
+            <a:off x="345589" y="5453281"/>
+            <a:ext cx="1980623" cy="642719"/>
+          </a:xfrm>
+          <a:prstGeom prst="rect">
+            <a:avLst/>
+          </a:prstGeom>
+        </p:spPr>
+      </p:pic>
+      <p:pic>
+        <p:nvPicPr>
+          <p:cNvPr id="12" name="図 11">
+            <a:extLst>
+              <a:ext uri="{FF2B5EF4-FFF2-40B4-BE49-F238E27FC236}">
+                <a16:creationId xmlns:a16="http://schemas.microsoft.com/office/drawing/2014/main" id="{AA608F34-1385-84C6-0E75-7D0C3E94F3D2}"/>
+              </a:ext>
+            </a:extLst>
+          </p:cNvPr>
+          <p:cNvPicPr>
+            <a:picLocks noChangeAspect="1"/>
+          </p:cNvPicPr>
+          <p:nvPr/>
+        </p:nvPicPr>
+        <p:blipFill>
+          <a:blip r:embed="rId4"/>
+          <a:stretch>
+            <a:fillRect/>
+          </a:stretch>
+        </p:blipFill>
+        <p:spPr>
+          <a:xfrm>
+            <a:off x="6161314" y="1050215"/>
+            <a:ext cx="3433069" cy="3195213"/>
+          </a:xfrm>
+          <a:prstGeom prst="rect">
+            <a:avLst/>
+          </a:prstGeom>
+        </p:spPr>
+      </p:pic>
+      <p:pic>
+        <p:nvPicPr>
+          <p:cNvPr id="13" name="図 12">
+            <a:extLst>
+              <a:ext uri="{FF2B5EF4-FFF2-40B4-BE49-F238E27FC236}">
+                <a16:creationId xmlns:a16="http://schemas.microsoft.com/office/drawing/2014/main" id="{E9F883D8-AEFD-F8B4-1918-95F437488495}"/>
+              </a:ext>
+            </a:extLst>
+          </p:cNvPr>
+          <p:cNvPicPr>
+            <a:picLocks noChangeAspect="1"/>
+          </p:cNvPicPr>
+          <p:nvPr/>
+        </p:nvPicPr>
+        <p:blipFill>
+          <a:blip r:embed="rId3"/>
+          <a:stretch>
+            <a:fillRect/>
+          </a:stretch>
+        </p:blipFill>
+        <p:spPr>
+          <a:xfrm>
+            <a:off x="6172200" y="4330276"/>
+            <a:ext cx="1980623" cy="642719"/>
+          </a:xfrm>
+          <a:prstGeom prst="rect">
+            <a:avLst/>
+          </a:prstGeom>
+        </p:spPr>
+      </p:pic>
+    </p:spTree>
+    <p:extLst>
+      <p:ext uri="{BB962C8B-B14F-4D97-AF65-F5344CB8AC3E}">
+        <p14:creationId xmlns:p14="http://schemas.microsoft.com/office/powerpoint/2010/main" val="360122842"/>
+      </p:ext>
+    </p:extLst>
+  </p:cSld>
+  <p:clrMapOvr>
+    <a:masterClrMapping/>
+  </p:clrMapOvr>
+</p:sld>
+</file>
+
+<file path=ppt/slides/slide13.xml><?xml version="1.0" encoding="utf-8"?>
+<p:sld xmlns:a="http://schemas.openxmlformats.org/drawingml/2006/main" xmlns:r="http://schemas.openxmlformats.org/officeDocument/2006/relationships" xmlns:p="http://schemas.openxmlformats.org/presentationml/2006/main">
+  <p:cSld>
+    <p:spTree>
+      <p:nvGrpSpPr>
+        <p:cNvPr id="1" name="">
+          <a:extLst>
+            <a:ext uri="{FF2B5EF4-FFF2-40B4-BE49-F238E27FC236}">
+              <a16:creationId xmlns:a16="http://schemas.microsoft.com/office/drawing/2014/main" id="{4C09DC6C-7CD1-59ED-4766-C13CF2A8E5FC}"/>
+            </a:ext>
+          </a:extLst>
+        </p:cNvPr>
+        <p:cNvGrpSpPr/>
+        <p:nvPr/>
+      </p:nvGrpSpPr>
+      <p:grpSpPr>
+        <a:xfrm>
+          <a:off x="0" y="0"/>
+          <a:ext cx="0" cy="0"/>
+          <a:chOff x="0" y="0"/>
+          <a:chExt cx="0" cy="0"/>
+        </a:xfrm>
+      </p:grpSpPr>
+      <p:sp>
+        <p:nvSpPr>
+          <p:cNvPr id="2" name="コンテンツ プレースホルダー 1">
+            <a:extLst>
+              <a:ext uri="{FF2B5EF4-FFF2-40B4-BE49-F238E27FC236}">
+                <a16:creationId xmlns:a16="http://schemas.microsoft.com/office/drawing/2014/main" id="{4540C57A-10D2-935E-18B7-642F5DE58B9A}"/>
+              </a:ext>
+            </a:extLst>
+          </p:cNvPr>
+          <p:cNvSpPr>
+            <a:spLocks noGrp="1"/>
+          </p:cNvSpPr>
+          <p:nvPr>
+            <p:ph sz="half" idx="1"/>
+          </p:nvPr>
+        </p:nvSpPr>
+        <p:spPr/>
+        <p:txBody>
+          <a:bodyPr/>
+          <a:lstStyle/>
+          <a:p>
+            <a:endParaRPr kumimoji="1" lang="ja-JP" altLang="en-US"/>
+          </a:p>
+        </p:txBody>
+      </p:sp>
+      <p:sp>
+        <p:nvSpPr>
+          <p:cNvPr id="3" name="コンテンツ プレースホルダー 2">
+            <a:extLst>
+              <a:ext uri="{FF2B5EF4-FFF2-40B4-BE49-F238E27FC236}">
+                <a16:creationId xmlns:a16="http://schemas.microsoft.com/office/drawing/2014/main" id="{867B9906-05C6-B399-C203-3D0484869739}"/>
+              </a:ext>
+            </a:extLst>
+          </p:cNvPr>
+          <p:cNvSpPr>
+            <a:spLocks noGrp="1"/>
+          </p:cNvSpPr>
+          <p:nvPr>
+            <p:ph sz="half" idx="2"/>
+          </p:nvPr>
+        </p:nvSpPr>
+        <p:spPr/>
+        <p:txBody>
+          <a:bodyPr/>
+          <a:lstStyle/>
+          <a:p>
+            <a:endParaRPr kumimoji="1" lang="ja-JP" altLang="en-US" dirty="0"/>
+          </a:p>
+        </p:txBody>
+      </p:sp>
+      <p:sp>
+        <p:nvSpPr>
+          <p:cNvPr id="4" name="タイトル 3">
+            <a:extLst>
+              <a:ext uri="{FF2B5EF4-FFF2-40B4-BE49-F238E27FC236}">
+                <a16:creationId xmlns:a16="http://schemas.microsoft.com/office/drawing/2014/main" id="{8CDCD751-F68C-FC4C-931D-F22D6067C409}"/>
+              </a:ext>
+            </a:extLst>
+          </p:cNvPr>
+          <p:cNvSpPr>
+            <a:spLocks noGrp="1"/>
+          </p:cNvSpPr>
+          <p:nvPr>
+            <p:ph type="title"/>
+          </p:nvPr>
+        </p:nvSpPr>
+        <p:spPr/>
+        <p:txBody>
+          <a:bodyPr>
+            <a:normAutofit/>
+          </a:bodyPr>
+          <a:lstStyle/>
+          <a:p>
+            <a:r>
+              <a:rPr lang="ja-JP" altLang="en-US" dirty="0"/>
+              <a:t>例</a:t>
+            </a:r>
+            <a:r>
+              <a:rPr lang="en-US" altLang="ja-JP" dirty="0">
+                <a:latin typeface="+mj-lt"/>
+              </a:rPr>
+              <a:t>3.5.2 Python</a:t>
+            </a:r>
+            <a:r>
+              <a:rPr lang="ja-JP" altLang="en-US" dirty="0">
+                <a:latin typeface="+mj-lt"/>
+              </a:rPr>
+              <a:t>におけるクラスを利用した値の変更の抑制</a:t>
+            </a:r>
+            <a:endParaRPr kumimoji="1" lang="ja-JP" altLang="en-US" dirty="0"/>
+          </a:p>
+        </p:txBody>
+      </p:sp>
+      <p:pic>
+        <p:nvPicPr>
+          <p:cNvPr id="6" name="図 5">
+            <a:extLst>
+              <a:ext uri="{FF2B5EF4-FFF2-40B4-BE49-F238E27FC236}">
+                <a16:creationId xmlns:a16="http://schemas.microsoft.com/office/drawing/2014/main" id="{230BAFF9-E0F3-E6CE-9E9D-7A23065B9EAC}"/>
+              </a:ext>
+            </a:extLst>
+          </p:cNvPr>
+          <p:cNvPicPr>
+            <a:picLocks noChangeAspect="1"/>
+          </p:cNvPicPr>
+          <p:nvPr/>
+        </p:nvPicPr>
+        <p:blipFill>
+          <a:blip r:embed="rId2"/>
+          <a:stretch>
+            <a:fillRect/>
+          </a:stretch>
+        </p:blipFill>
+        <p:spPr>
+          <a:xfrm>
+            <a:off x="345590" y="1050217"/>
+            <a:ext cx="9364467" cy="5750792"/>
+          </a:xfrm>
+          <a:prstGeom prst="rect">
+            <a:avLst/>
+          </a:prstGeom>
+        </p:spPr>
+      </p:pic>
+    </p:spTree>
+    <p:extLst>
+      <p:ext uri="{BB962C8B-B14F-4D97-AF65-F5344CB8AC3E}">
+        <p14:creationId xmlns:p14="http://schemas.microsoft.com/office/powerpoint/2010/main" val="1772633377"/>
+      </p:ext>
+    </p:extLst>
+  </p:cSld>
+  <p:clrMapOvr>
+    <a:masterClrMapping/>
+  </p:clrMapOvr>
+</p:sld>
+</file>
+
+<file path=ppt/slides/slide14.xml><?xml version="1.0" encoding="utf-8"?>
+<p:sld xmlns:a="http://schemas.openxmlformats.org/drawingml/2006/main" xmlns:r="http://schemas.openxmlformats.org/officeDocument/2006/relationships" xmlns:p="http://schemas.openxmlformats.org/presentationml/2006/main">
+  <p:cSld>
+    <p:spTree>
+      <p:nvGrpSpPr>
+        <p:cNvPr id="1" name=""/>
+        <p:cNvGrpSpPr/>
+        <p:nvPr/>
+      </p:nvGrpSpPr>
+      <p:grpSpPr>
+        <a:xfrm>
+          <a:off x="0" y="0"/>
+          <a:ext cx="0" cy="0"/>
+          <a:chOff x="0" y="0"/>
+          <a:chExt cx="0" cy="0"/>
+        </a:xfrm>
+      </p:grpSpPr>
+      <p:sp>
+        <p:nvSpPr>
+          <p:cNvPr id="2" name="タイトル 1">
+            <a:extLst>
+              <a:ext uri="{FF2B5EF4-FFF2-40B4-BE49-F238E27FC236}">
+                <a16:creationId xmlns:a16="http://schemas.microsoft.com/office/drawing/2014/main" id="{561FD6B8-BDB4-5852-5C64-DCC799D6FEE6}"/>
+              </a:ext>
+            </a:extLst>
+          </p:cNvPr>
+          <p:cNvSpPr>
+            <a:spLocks noGrp="1"/>
+          </p:cNvSpPr>
+          <p:nvPr>
+            <p:ph type="title"/>
+          </p:nvPr>
+        </p:nvSpPr>
+        <p:spPr/>
+        <p:txBody>
+          <a:bodyPr/>
+          <a:lstStyle/>
+          <a:p>
+            <a:r>
+              <a:rPr kumimoji="1" lang="en-US" altLang="ja-JP" dirty="0"/>
+              <a:t>4. </a:t>
+            </a:r>
+            <a:r>
+              <a:rPr kumimoji="1" lang="ja-JP" altLang="en-US" dirty="0"/>
+              <a:t>結論・考察</a:t>
+            </a:r>
+          </a:p>
+        </p:txBody>
+      </p:sp>
+      <p:sp>
+        <p:nvSpPr>
+          <p:cNvPr id="3" name="コンテンツ プレースホルダー 2">
+            <a:extLst>
+              <a:ext uri="{FF2B5EF4-FFF2-40B4-BE49-F238E27FC236}">
+                <a16:creationId xmlns:a16="http://schemas.microsoft.com/office/drawing/2014/main" id="{9FA67429-B276-4428-494D-372F9E71E4DC}"/>
+              </a:ext>
+            </a:extLst>
+          </p:cNvPr>
+          <p:cNvSpPr>
+            <a:spLocks noGrp="1"/>
+          </p:cNvSpPr>
+          <p:nvPr>
+            <p:ph idx="1"/>
+          </p:nvPr>
+        </p:nvSpPr>
+        <p:spPr/>
+        <p:txBody>
+          <a:bodyPr/>
+          <a:lstStyle/>
+          <a:p>
+            <a:endParaRPr kumimoji="1" lang="ja-JP" altLang="en-US"/>
+          </a:p>
+        </p:txBody>
+      </p:sp>
+    </p:spTree>
+    <p:extLst>
+      <p:ext uri="{BB962C8B-B14F-4D97-AF65-F5344CB8AC3E}">
+        <p14:creationId xmlns:p14="http://schemas.microsoft.com/office/powerpoint/2010/main" val="983243167"/>
+      </p:ext>
+    </p:extLst>
+  </p:cSld>
+  <p:clrMapOvr>
+    <a:masterClrMapping/>
+  </p:clrMapOvr>
+</p:sld>
+</file>
+
+<file path=ppt/slides/slide15.xml><?xml version="1.0" encoding="utf-8"?>
+<p:sld xmlns:a="http://schemas.openxmlformats.org/drawingml/2006/main" xmlns:r="http://schemas.openxmlformats.org/officeDocument/2006/relationships" xmlns:p="http://schemas.openxmlformats.org/presentationml/2006/main">
+  <p:cSld>
+    <p:spTree>
+      <p:nvGrpSpPr>
+        <p:cNvPr id="1" name=""/>
+        <p:cNvGrpSpPr/>
+        <p:nvPr/>
+      </p:nvGrpSpPr>
+      <p:grpSpPr>
+        <a:xfrm>
+          <a:off x="0" y="0"/>
+          <a:ext cx="0" cy="0"/>
+          <a:chOff x="0" y="0"/>
+          <a:chExt cx="0" cy="0"/>
+        </a:xfrm>
+      </p:grpSpPr>
+      <p:sp>
+        <p:nvSpPr>
+          <p:cNvPr id="2" name="タイトル 1">
+            <a:extLst>
+              <a:ext uri="{FF2B5EF4-FFF2-40B4-BE49-F238E27FC236}">
+                <a16:creationId xmlns:a16="http://schemas.microsoft.com/office/drawing/2014/main" id="{574B2A28-C893-3BE7-F4A9-100E832691FB}"/>
+              </a:ext>
+            </a:extLst>
+          </p:cNvPr>
+          <p:cNvSpPr>
+            <a:spLocks noGrp="1"/>
+          </p:cNvSpPr>
+          <p:nvPr>
+            <p:ph type="title"/>
+          </p:nvPr>
+        </p:nvSpPr>
+        <p:spPr/>
+        <p:txBody>
+          <a:bodyPr/>
+          <a:lstStyle/>
+          <a:p>
+            <a:r>
+              <a:rPr kumimoji="1" lang="en-US" altLang="ja-JP" dirty="0"/>
+              <a:t>5. </a:t>
+            </a:r>
+            <a:r>
+              <a:rPr kumimoji="1" lang="ja-JP" altLang="en-US" dirty="0"/>
+              <a:t>今後の展望</a:t>
+            </a:r>
+          </a:p>
+        </p:txBody>
+      </p:sp>
+      <p:sp>
+        <p:nvSpPr>
+          <p:cNvPr id="3" name="コンテンツ プレースホルダー 2">
+            <a:extLst>
+              <a:ext uri="{FF2B5EF4-FFF2-40B4-BE49-F238E27FC236}">
+                <a16:creationId xmlns:a16="http://schemas.microsoft.com/office/drawing/2014/main" id="{03ABB999-E82A-4799-AE42-4294AA0EF983}"/>
+              </a:ext>
+            </a:extLst>
+          </p:cNvPr>
+          <p:cNvSpPr>
+            <a:spLocks noGrp="1"/>
+          </p:cNvSpPr>
+          <p:nvPr>
+            <p:ph idx="1"/>
+          </p:nvPr>
+        </p:nvSpPr>
+        <p:spPr/>
+        <p:txBody>
+          <a:bodyPr/>
+          <a:lstStyle/>
+          <a:p>
+            <a:endParaRPr kumimoji="1" lang="ja-JP" altLang="en-US"/>
+          </a:p>
+        </p:txBody>
+      </p:sp>
+    </p:spTree>
+    <p:extLst>
+      <p:ext uri="{BB962C8B-B14F-4D97-AF65-F5344CB8AC3E}">
+        <p14:creationId xmlns:p14="http://schemas.microsoft.com/office/powerpoint/2010/main" val="671118784"/>
+      </p:ext>
+    </p:extLst>
+  </p:cSld>
+  <p:clrMapOvr>
+    <a:masterClrMapping/>
+  </p:clrMapOvr>
+</p:sld>
+</file>
+
 <file path=ppt/slides/slide2.xml><?xml version="1.0" encoding="utf-8"?>
 <p:sld xmlns:a="http://schemas.openxmlformats.org/drawingml/2006/main" xmlns:r="http://schemas.openxmlformats.org/officeDocument/2006/relationships" xmlns:p="http://schemas.openxmlformats.org/presentationml/2006/main">
   <p:cSld>
@@ -5176,20 +7041,20 @@
               <a:rPr kumimoji="1" lang="ja-JP" altLang="en-US" dirty="0"/>
               <a:t>は使用可能．</a:t>
             </a:r>
-            <a:br>
-              <a:rPr kumimoji="1" lang="en-US" altLang="ja-JP" dirty="0"/>
-            </a:br>
+            <a:endParaRPr kumimoji="1" lang="en-US" altLang="ja-JP" dirty="0"/>
+          </a:p>
+          <a:p>
             <a:r>
               <a:rPr lang="en-US" altLang="ja-JP" dirty="0"/>
               <a:t>“s2”</a:t>
             </a:r>
             <a:r>
               <a:rPr kumimoji="1" lang="ja-JP" altLang="en-US" dirty="0"/>
-              <a:t>は静的領域に保存されており，ライフタイムはプログラムが終了するまで（最大：</a:t>
+              <a:t>は静的領域に保存されており，ライフタイムはプログラムが終了するまで（</a:t>
             </a:r>
             <a:r>
               <a:rPr kumimoji="1" lang="en-US" altLang="ja-JP" dirty="0"/>
-              <a:t>static</a:t>
+              <a:t>’static</a:t>
             </a:r>
             <a:r>
               <a:rPr kumimoji="1" lang="ja-JP" altLang="en-US" dirty="0"/>
@@ -5246,60 +7111,65 @@
             </a:r>
             <a:r>
               <a:rPr kumimoji="1" lang="ja-JP" altLang="en-US" dirty="0"/>
-              <a:t>では，ポインタは存在しないので，オブジェクトを複製するしかない．</a:t>
-            </a:r>
-            <a:endParaRPr kumimoji="1" lang="en-US" altLang="ja-JP" dirty="0"/>
-          </a:p>
-          <a:p>
+              <a:t>では，参照型は存在しないので，</a:t>
+            </a:r>
+            <a:r>
+              <a:rPr kumimoji="1" lang="en-US" altLang="ja-JP" dirty="0"/>
+              <a:t>s2</a:t>
+            </a:r>
+            <a:r>
+              <a:rPr kumimoji="1" lang="ja-JP" altLang="en-US" dirty="0"/>
+              <a:t>のコピー</a:t>
+            </a:r>
+            <a:r>
+              <a:rPr kumimoji="1" lang="en-US" altLang="ja-JP" dirty="0"/>
+              <a:t>s21</a:t>
+            </a:r>
+            <a:r>
+              <a:rPr kumimoji="1" lang="ja-JP" altLang="en-US" dirty="0"/>
+              <a:t>を作成する．この場合，</a:t>
+            </a:r>
+            <a:r>
+              <a:rPr kumimoji="1" lang="en-US" altLang="ja-JP" dirty="0"/>
+              <a:t>s2, s21 </a:t>
+            </a:r>
+            <a:r>
+              <a:rPr kumimoji="1" lang="ja-JP" altLang="en-US" dirty="0"/>
+              <a:t>のオブジェクト</a:t>
+            </a:r>
+            <a:r>
+              <a:rPr kumimoji="1" lang="en-US" altLang="ja-JP" dirty="0"/>
+              <a:t>id</a:t>
+            </a:r>
+            <a:r>
+              <a:rPr kumimoji="1" lang="ja-JP" altLang="en-US" dirty="0"/>
+              <a:t>は同じであり，</a:t>
+            </a:r>
+            <a:r>
+              <a:rPr kumimoji="1" lang="en-US" altLang="ja-JP" dirty="0"/>
+              <a:t>s2, s21</a:t>
+            </a:r>
+            <a:r>
+              <a:rPr kumimoji="1" lang="ja-JP" altLang="en-US" dirty="0"/>
+              <a:t>は同じメモリ領域を指している．</a:t>
+            </a:r>
+            <a:r>
+              <a:rPr lang="en-US" altLang="ja-JP" dirty="0"/>
+              <a:t>”s2”</a:t>
+            </a:r>
+            <a:r>
+              <a:rPr lang="ja-JP" altLang="en-US" dirty="0"/>
+              <a:t>オブジェクトが解放されるのはプログラム終了時であり，</a:t>
+            </a:r>
             <a:r>
               <a:rPr lang="en-US" altLang="ja-JP" dirty="0"/>
               <a:t>Rust</a:t>
             </a:r>
             <a:r>
               <a:rPr lang="ja-JP" altLang="en-US" dirty="0"/>
-              <a:t>では</a:t>
-            </a:r>
-            <a:r>
-              <a:rPr lang="en-US" altLang="ja-JP" dirty="0"/>
-              <a:t>1</a:t>
-            </a:r>
-            <a:r>
-              <a:rPr lang="ja-JP" altLang="en-US" dirty="0"/>
-              <a:t>つのメモリを指す</a:t>
-            </a:r>
-            <a:r>
-              <a:rPr lang="en-US" altLang="ja-JP" dirty="0"/>
-              <a:t>2</a:t>
-            </a:r>
-            <a:r>
-              <a:rPr lang="ja-JP" altLang="en-US" dirty="0"/>
-              <a:t>つのポインタができているのに対し，</a:t>
-            </a:r>
-            <a:r>
-              <a:rPr lang="en-US" altLang="ja-JP" dirty="0"/>
-              <a:t>Python</a:t>
-            </a:r>
-            <a:r>
-              <a:rPr lang="ja-JP" altLang="en-US" dirty="0"/>
-              <a:t>では</a:t>
-            </a:r>
-            <a:r>
-              <a:rPr lang="en-US" altLang="ja-JP" dirty="0"/>
-              <a:t>2</a:t>
-            </a:r>
-            <a:r>
-              <a:rPr lang="ja-JP" altLang="en-US" dirty="0"/>
-              <a:t>つのオブジェクトができてしまっている．使用するメモリ領域は結局</a:t>
-            </a:r>
-            <a:r>
-              <a:rPr lang="en-US" altLang="ja-JP" dirty="0"/>
-              <a:t>2</a:t>
-            </a:r>
-            <a:r>
-              <a:rPr lang="ja-JP" altLang="en-US"/>
-              <a:t>倍になってしまう？</a:t>
-            </a:r>
-            <a:endParaRPr kumimoji="1" lang="ja-JP" altLang="en-US" dirty="0"/>
+              <a:t>と挙動の違いはない．</a:t>
+            </a:r>
+            <a:endParaRPr kumimoji="1" lang="en-US" altLang="ja-JP" dirty="0"/>
           </a:p>
         </p:txBody>
       </p:sp>
@@ -5436,10 +7306,10 @@
       </p:grpSpPr>
       <p:sp>
         <p:nvSpPr>
-          <p:cNvPr id="2" name="タイトル 1">
-            <a:extLst>
-              <a:ext uri="{FF2B5EF4-FFF2-40B4-BE49-F238E27FC236}">
-                <a16:creationId xmlns:a16="http://schemas.microsoft.com/office/drawing/2014/main" id="{561FD6B8-BDB4-5852-5C64-DCC799D6FEE6}"/>
+          <p:cNvPr id="2" name="コンテンツ プレースホルダー 1">
+            <a:extLst>
+              <a:ext uri="{FF2B5EF4-FFF2-40B4-BE49-F238E27FC236}">
+                <a16:creationId xmlns:a16="http://schemas.microsoft.com/office/drawing/2014/main" id="{4D9D4629-BE97-A267-98D8-E7571923340D}"/>
               </a:ext>
             </a:extLst>
           </p:cNvPr>
@@ -5447,7 +7317,7 @@
             <a:spLocks noGrp="1"/>
           </p:cNvSpPr>
           <p:nvPr>
-            <p:ph type="title"/>
+            <p:ph sz="half" idx="1"/>
           </p:nvPr>
         </p:nvSpPr>
         <p:spPr/>
@@ -5455,23 +7325,103 @@
           <a:bodyPr/>
           <a:lstStyle/>
           <a:p>
+            <a:endParaRPr kumimoji="1" lang="en-US" altLang="ja-JP" dirty="0"/>
+          </a:p>
+          <a:p>
+            <a:endParaRPr lang="en-US" altLang="ja-JP" dirty="0"/>
+          </a:p>
+          <a:p>
+            <a:endParaRPr kumimoji="1" lang="en-US" altLang="ja-JP" dirty="0"/>
+          </a:p>
+          <a:p>
+            <a:endParaRPr lang="en-US" altLang="ja-JP" dirty="0"/>
+          </a:p>
+          <a:p>
+            <a:endParaRPr kumimoji="1" lang="en-US" altLang="ja-JP" dirty="0"/>
+          </a:p>
+          <a:p>
+            <a:endParaRPr lang="en-US" altLang="ja-JP" dirty="0"/>
+          </a:p>
+          <a:p>
+            <a:endParaRPr kumimoji="1" lang="en-US" altLang="ja-JP" dirty="0"/>
+          </a:p>
+          <a:p>
+            <a:endParaRPr lang="en-US" altLang="ja-JP" dirty="0"/>
+          </a:p>
+          <a:p>
+            <a:endParaRPr kumimoji="1" lang="en-US" altLang="ja-JP" dirty="0"/>
+          </a:p>
+          <a:p>
             <a:r>
               <a:rPr kumimoji="1" lang="en-US" altLang="ja-JP" dirty="0"/>
-              <a:t>4. </a:t>
-            </a:r>
-            <a:r>
-              <a:rPr kumimoji="1" lang="ja-JP" altLang="en-US" dirty="0"/>
-              <a:t>結論・考察</a:t>
-            </a:r>
-          </a:p>
-        </p:txBody>
-      </p:sp>
-      <p:sp>
-        <p:nvSpPr>
-          <p:cNvPr id="3" name="コンテンツ プレースホルダー 2">
-            <a:extLst>
-              <a:ext uri="{FF2B5EF4-FFF2-40B4-BE49-F238E27FC236}">
-                <a16:creationId xmlns:a16="http://schemas.microsoft.com/office/drawing/2014/main" id="{9FA67429-B276-4428-494D-372F9E71E4DC}"/>
+              <a:t>Rust</a:t>
+            </a:r>
+            <a:r>
+              <a:rPr kumimoji="1" lang="ja-JP" altLang="en-US" dirty="0"/>
+              <a:t>における</a:t>
+            </a:r>
+            <a:r>
+              <a:rPr lang="ja-JP" altLang="en-US" dirty="0"/>
+              <a:t>ミュータブルなオブジェクトであるベクタ（≒リスト）</a:t>
+            </a:r>
+            <a:r>
+              <a:rPr lang="en-US" altLang="ja-JP" dirty="0"/>
+              <a:t>s1 </a:t>
+            </a:r>
+            <a:r>
+              <a:rPr lang="ja-JP" altLang="en-US" dirty="0"/>
+              <a:t>とその可変参照として</a:t>
+            </a:r>
+            <a:r>
+              <a:rPr lang="en-US" altLang="ja-JP" dirty="0"/>
+              <a:t>s2</a:t>
+            </a:r>
+            <a:r>
+              <a:rPr lang="ja-JP" altLang="en-US" dirty="0"/>
+              <a:t>を作る．ここで，</a:t>
+            </a:r>
+            <a:r>
+              <a:rPr lang="en-US" altLang="ja-JP" dirty="0"/>
+              <a:t>s2[0]</a:t>
+            </a:r>
+            <a:r>
+              <a:rPr lang="ja-JP" altLang="en-US" dirty="0"/>
+              <a:t> に</a:t>
+            </a:r>
+            <a:r>
+              <a:rPr lang="en-US" altLang="ja-JP" dirty="0"/>
+              <a:t>&amp;str </a:t>
+            </a:r>
+            <a:r>
+              <a:rPr lang="ja-JP" altLang="en-US" dirty="0"/>
+              <a:t>をプッシュすると，</a:t>
+            </a:r>
+            <a:r>
+              <a:rPr lang="en-US" altLang="ja-JP" dirty="0"/>
+              <a:t>s2[0] </a:t>
+            </a:r>
+            <a:r>
+              <a:rPr lang="ja-JP" altLang="en-US" dirty="0"/>
+              <a:t>および元の </a:t>
+            </a:r>
+            <a:r>
+              <a:rPr lang="en-US" altLang="ja-JP" dirty="0"/>
+              <a:t>s1[0] </a:t>
+            </a:r>
+            <a:r>
+              <a:rPr lang="ja-JP" altLang="en-US" dirty="0"/>
+              <a:t>も変更されている．</a:t>
+            </a:r>
+            <a:endParaRPr kumimoji="1" lang="ja-JP" altLang="en-US" dirty="0"/>
+          </a:p>
+        </p:txBody>
+      </p:sp>
+      <p:sp>
+        <p:nvSpPr>
+          <p:cNvPr id="4" name="タイトル 3">
+            <a:extLst>
+              <a:ext uri="{FF2B5EF4-FFF2-40B4-BE49-F238E27FC236}">
+                <a16:creationId xmlns:a16="http://schemas.microsoft.com/office/drawing/2014/main" id="{0CA7FBC6-F394-4A54-99CB-A6CC152B1B35}"/>
               </a:ext>
             </a:extLst>
           </p:cNvPr>
@@ -5479,7 +7429,7 @@
             <a:spLocks noGrp="1"/>
           </p:cNvSpPr>
           <p:nvPr>
-            <p:ph idx="1"/>
+            <p:ph type="title"/>
           </p:nvPr>
         </p:nvSpPr>
         <p:spPr/>
@@ -5487,14 +7437,246 @@
           <a:bodyPr/>
           <a:lstStyle/>
           <a:p>
-            <a:endParaRPr kumimoji="1" lang="ja-JP" altLang="en-US"/>
-          </a:p>
-        </p:txBody>
-      </p:sp>
+            <a:r>
+              <a:rPr lang="ja-JP" altLang="en-US" dirty="0"/>
+              <a:t>例</a:t>
+            </a:r>
+            <a:r>
+              <a:rPr lang="en-US" altLang="ja-JP" dirty="0">
+                <a:latin typeface="+mj-lt"/>
+              </a:rPr>
+              <a:t>3.3.1 </a:t>
+            </a:r>
+            <a:r>
+              <a:rPr lang="ja-JP" altLang="en-US" dirty="0">
+                <a:latin typeface="+mj-lt"/>
+              </a:rPr>
+              <a:t>可変借用</a:t>
+            </a:r>
+            <a:endParaRPr kumimoji="1" lang="ja-JP" altLang="en-US" dirty="0"/>
+          </a:p>
+        </p:txBody>
+      </p:sp>
+      <p:pic>
+        <p:nvPicPr>
+          <p:cNvPr id="8" name="図 7">
+            <a:extLst>
+              <a:ext uri="{FF2B5EF4-FFF2-40B4-BE49-F238E27FC236}">
+                <a16:creationId xmlns:a16="http://schemas.microsoft.com/office/drawing/2014/main" id="{FB58F2E4-3911-51EC-5EED-51B66B399377}"/>
+              </a:ext>
+            </a:extLst>
+          </p:cNvPr>
+          <p:cNvPicPr>
+            <a:picLocks noChangeAspect="1"/>
+          </p:cNvPicPr>
+          <p:nvPr/>
+        </p:nvPicPr>
+        <p:blipFill>
+          <a:blip r:embed="rId2"/>
+          <a:stretch>
+            <a:fillRect/>
+          </a:stretch>
+        </p:blipFill>
+        <p:spPr>
+          <a:xfrm>
+            <a:off x="345592" y="1081675"/>
+            <a:ext cx="5537646" cy="2249354"/>
+          </a:xfrm>
+          <a:prstGeom prst="rect">
+            <a:avLst/>
+          </a:prstGeom>
+        </p:spPr>
+      </p:pic>
+      <p:pic>
+        <p:nvPicPr>
+          <p:cNvPr id="10" name="図 9">
+            <a:extLst>
+              <a:ext uri="{FF2B5EF4-FFF2-40B4-BE49-F238E27FC236}">
+                <a16:creationId xmlns:a16="http://schemas.microsoft.com/office/drawing/2014/main" id="{BA9C2FF0-5AD7-31B4-7920-8E94A663E0D8}"/>
+              </a:ext>
+            </a:extLst>
+          </p:cNvPr>
+          <p:cNvPicPr>
+            <a:picLocks noChangeAspect="1"/>
+          </p:cNvPicPr>
+          <p:nvPr/>
+        </p:nvPicPr>
+        <p:blipFill>
+          <a:blip r:embed="rId3"/>
+          <a:stretch>
+            <a:fillRect/>
+          </a:stretch>
+        </p:blipFill>
+        <p:spPr>
+          <a:xfrm>
+            <a:off x="6172199" y="1081675"/>
+            <a:ext cx="3655001" cy="1998982"/>
+          </a:xfrm>
+          <a:prstGeom prst="rect">
+            <a:avLst/>
+          </a:prstGeom>
+        </p:spPr>
+      </p:pic>
+      <p:pic>
+        <p:nvPicPr>
+          <p:cNvPr id="12" name="図 11">
+            <a:extLst>
+              <a:ext uri="{FF2B5EF4-FFF2-40B4-BE49-F238E27FC236}">
+                <a16:creationId xmlns:a16="http://schemas.microsoft.com/office/drawing/2014/main" id="{5D9554A0-9ECC-0DBE-59DA-FC84ED7F32EC}"/>
+              </a:ext>
+            </a:extLst>
+          </p:cNvPr>
+          <p:cNvPicPr>
+            <a:picLocks noChangeAspect="1"/>
+          </p:cNvPicPr>
+          <p:nvPr/>
+        </p:nvPicPr>
+        <p:blipFill>
+          <a:blip r:embed="rId4"/>
+          <a:stretch>
+            <a:fillRect/>
+          </a:stretch>
+        </p:blipFill>
+        <p:spPr>
+          <a:xfrm>
+            <a:off x="345592" y="3526972"/>
+            <a:ext cx="2353085" cy="598714"/>
+          </a:xfrm>
+          <a:prstGeom prst="rect">
+            <a:avLst/>
+          </a:prstGeom>
+        </p:spPr>
+      </p:pic>
+      <p:sp>
+        <p:nvSpPr>
+          <p:cNvPr id="16" name="コンテンツ プレースホルダー 15">
+            <a:extLst>
+              <a:ext uri="{FF2B5EF4-FFF2-40B4-BE49-F238E27FC236}">
+                <a16:creationId xmlns:a16="http://schemas.microsoft.com/office/drawing/2014/main" id="{9E316D46-E16D-43AF-5D9C-61E38B1D1E09}"/>
+              </a:ext>
+            </a:extLst>
+          </p:cNvPr>
+          <p:cNvSpPr>
+            <a:spLocks noGrp="1"/>
+          </p:cNvSpPr>
+          <p:nvPr>
+            <p:ph sz="half" idx="2"/>
+          </p:nvPr>
+        </p:nvSpPr>
+        <p:spPr/>
+        <p:txBody>
+          <a:bodyPr/>
+          <a:lstStyle/>
+          <a:p>
+            <a:endParaRPr lang="en-US" altLang="ja-JP" dirty="0"/>
+          </a:p>
+          <a:p>
+            <a:endParaRPr lang="en-US" altLang="ja-JP" dirty="0"/>
+          </a:p>
+          <a:p>
+            <a:endParaRPr lang="en-US" altLang="ja-JP" dirty="0"/>
+          </a:p>
+          <a:p>
+            <a:endParaRPr lang="en-US" altLang="ja-JP" dirty="0"/>
+          </a:p>
+          <a:p>
+            <a:endParaRPr lang="en-US" altLang="ja-JP" dirty="0"/>
+          </a:p>
+          <a:p>
+            <a:endParaRPr lang="en-US" altLang="ja-JP" dirty="0"/>
+          </a:p>
+          <a:p>
+            <a:endParaRPr lang="en-US" altLang="ja-JP" dirty="0"/>
+          </a:p>
+          <a:p>
+            <a:endParaRPr lang="en-US" altLang="ja-JP" dirty="0"/>
+          </a:p>
+          <a:p>
+            <a:endParaRPr lang="en-US" altLang="ja-JP" dirty="0"/>
+          </a:p>
+          <a:p>
+            <a:r>
+              <a:rPr lang="en-US" altLang="ja-JP" dirty="0"/>
+              <a:t>Python</a:t>
+            </a:r>
+            <a:r>
+              <a:rPr lang="ja-JP" altLang="en-US" dirty="0"/>
+              <a:t>でも，</a:t>
+            </a:r>
+            <a:r>
+              <a:rPr lang="en-US" altLang="ja-JP" dirty="0"/>
+              <a:t>s2[0] </a:t>
+            </a:r>
+            <a:r>
+              <a:rPr lang="ja-JP" altLang="en-US" dirty="0"/>
+              <a:t>に</a:t>
+            </a:r>
+            <a:r>
+              <a:rPr lang="en-US" altLang="ja-JP" dirty="0"/>
+              <a:t>String</a:t>
+            </a:r>
+            <a:r>
+              <a:rPr lang="ja-JP" altLang="en-US" dirty="0"/>
+              <a:t>をプッシュすると，</a:t>
+            </a:r>
+            <a:r>
+              <a:rPr lang="en-US" altLang="ja-JP" dirty="0"/>
+              <a:t>s2[0] </a:t>
+            </a:r>
+            <a:r>
+              <a:rPr lang="ja-JP" altLang="en-US" dirty="0"/>
+              <a:t>だけでなく元の </a:t>
+            </a:r>
+            <a:r>
+              <a:rPr lang="en-US" altLang="ja-JP" dirty="0"/>
+              <a:t>s1[0] </a:t>
+            </a:r>
+            <a:r>
+              <a:rPr lang="ja-JP" altLang="en-US" dirty="0"/>
+              <a:t>も変更されている</a:t>
+            </a:r>
+            <a:r>
+              <a:rPr lang="en-US" altLang="ja-JP" dirty="0"/>
+              <a:t>.</a:t>
+            </a:r>
+            <a:endParaRPr lang="ja-JP" altLang="en-US" dirty="0"/>
+          </a:p>
+        </p:txBody>
+      </p:sp>
+      <p:pic>
+        <p:nvPicPr>
+          <p:cNvPr id="17" name="図 16">
+            <a:extLst>
+              <a:ext uri="{FF2B5EF4-FFF2-40B4-BE49-F238E27FC236}">
+                <a16:creationId xmlns:a16="http://schemas.microsoft.com/office/drawing/2014/main" id="{0B9DE0E5-1B05-6F8E-9F89-1F9B035C62F2}"/>
+              </a:ext>
+            </a:extLst>
+          </p:cNvPr>
+          <p:cNvPicPr>
+            <a:picLocks noChangeAspect="1"/>
+          </p:cNvPicPr>
+          <p:nvPr/>
+        </p:nvPicPr>
+        <p:blipFill>
+          <a:blip r:embed="rId4"/>
+          <a:stretch>
+            <a:fillRect/>
+          </a:stretch>
+        </p:blipFill>
+        <p:spPr>
+          <a:xfrm>
+            <a:off x="6172199" y="3526972"/>
+            <a:ext cx="2353085" cy="598714"/>
+          </a:xfrm>
+          <a:prstGeom prst="rect">
+            <a:avLst/>
+          </a:prstGeom>
+        </p:spPr>
+      </p:pic>
     </p:spTree>
     <p:extLst>
       <p:ext uri="{BB962C8B-B14F-4D97-AF65-F5344CB8AC3E}">
-        <p14:creationId xmlns:p14="http://schemas.microsoft.com/office/powerpoint/2010/main" val="983243167"/>
+        <p14:creationId xmlns:p14="http://schemas.microsoft.com/office/powerpoint/2010/main" val="4093633025"/>
       </p:ext>
     </p:extLst>
   </p:cSld>
@@ -5523,10 +7705,10 @@
       </p:grpSpPr>
       <p:sp>
         <p:nvSpPr>
-          <p:cNvPr id="2" name="タイトル 1">
-            <a:extLst>
-              <a:ext uri="{FF2B5EF4-FFF2-40B4-BE49-F238E27FC236}">
-                <a16:creationId xmlns:a16="http://schemas.microsoft.com/office/drawing/2014/main" id="{574B2A28-C893-3BE7-F4A9-100E832691FB}"/>
+          <p:cNvPr id="2" name="コンテンツ プレースホルダー 1">
+            <a:extLst>
+              <a:ext uri="{FF2B5EF4-FFF2-40B4-BE49-F238E27FC236}">
+                <a16:creationId xmlns:a16="http://schemas.microsoft.com/office/drawing/2014/main" id="{6BA8D900-B7CD-9699-6D82-D09858C8C123}"/>
               </a:ext>
             </a:extLst>
           </p:cNvPr>
@@ -5534,7 +7716,7 @@
             <a:spLocks noGrp="1"/>
           </p:cNvSpPr>
           <p:nvPr>
-            <p:ph type="title"/>
+            <p:ph sz="half" idx="1"/>
           </p:nvPr>
         </p:nvSpPr>
         <p:spPr/>
@@ -5542,13 +7724,48 @@
           <a:bodyPr/>
           <a:lstStyle/>
           <a:p>
+            <a:endParaRPr kumimoji="1" lang="en-US" altLang="ja-JP" dirty="0"/>
+          </a:p>
+          <a:p>
+            <a:endParaRPr lang="en-US" altLang="ja-JP" dirty="0"/>
+          </a:p>
+          <a:p>
+            <a:endParaRPr kumimoji="1" lang="en-US" altLang="ja-JP" dirty="0"/>
+          </a:p>
+          <a:p>
+            <a:endParaRPr lang="en-US" altLang="ja-JP" dirty="0"/>
+          </a:p>
+          <a:p>
+            <a:endParaRPr kumimoji="1" lang="en-US" altLang="ja-JP" dirty="0"/>
+          </a:p>
+          <a:p>
+            <a:endParaRPr lang="en-US" altLang="ja-JP" dirty="0"/>
+          </a:p>
+          <a:p>
+            <a:endParaRPr kumimoji="1" lang="en-US" altLang="ja-JP" dirty="0"/>
+          </a:p>
+          <a:p>
+            <a:endParaRPr lang="en-US" altLang="ja-JP" dirty="0"/>
+          </a:p>
+          <a:p>
+            <a:endParaRPr kumimoji="1" lang="en-US" altLang="ja-JP" dirty="0"/>
+          </a:p>
+          <a:p>
             <a:r>
               <a:rPr kumimoji="1" lang="en-US" altLang="ja-JP" dirty="0"/>
-              <a:t>5. </a:t>
-            </a:r>
-            <a:r>
-              <a:rPr kumimoji="1" lang="ja-JP" altLang="en-US" dirty="0"/>
-              <a:t>今後の展望</a:t>
+              <a:t>String </a:t>
+            </a:r>
+            <a:r>
+              <a:rPr kumimoji="1" lang="ja-JP" altLang="en-US" dirty="0"/>
+              <a:t>は </a:t>
+            </a:r>
+            <a:r>
+              <a:rPr kumimoji="1" lang="en-US" altLang="ja-JP" dirty="0"/>
+              <a:t>Rust </a:t>
+            </a:r>
+            <a:r>
+              <a:rPr kumimoji="1" lang="ja-JP" altLang="en-US" dirty="0"/>
+              <a:t>ではミュータブルである．</a:t>
             </a:r>
           </a:p>
         </p:txBody>
@@ -5558,7 +7775,7 @@
           <p:cNvPr id="3" name="コンテンツ プレースホルダー 2">
             <a:extLst>
               <a:ext uri="{FF2B5EF4-FFF2-40B4-BE49-F238E27FC236}">
-                <a16:creationId xmlns:a16="http://schemas.microsoft.com/office/drawing/2014/main" id="{03ABB999-E82A-4799-AE42-4294AA0EF983}"/>
+                <a16:creationId xmlns:a16="http://schemas.microsoft.com/office/drawing/2014/main" id="{C747654B-ACFD-F299-9010-1A1B3E6A63CE}"/>
               </a:ext>
             </a:extLst>
           </p:cNvPr>
@@ -5566,7 +7783,128 @@
             <a:spLocks noGrp="1"/>
           </p:cNvSpPr>
           <p:nvPr>
-            <p:ph idx="1"/>
+            <p:ph sz="half" idx="2"/>
+          </p:nvPr>
+        </p:nvSpPr>
+        <p:spPr/>
+        <p:txBody>
+          <a:bodyPr>
+            <a:noAutofit/>
+          </a:bodyPr>
+          <a:lstStyle/>
+          <a:p>
+            <a:endParaRPr kumimoji="1" lang="en-US" altLang="ja-JP" dirty="0"/>
+          </a:p>
+          <a:p>
+            <a:endParaRPr lang="en-US" altLang="ja-JP" dirty="0"/>
+          </a:p>
+          <a:p>
+            <a:endParaRPr kumimoji="1" lang="en-US" altLang="ja-JP" dirty="0"/>
+          </a:p>
+          <a:p>
+            <a:endParaRPr lang="en-US" altLang="ja-JP" dirty="0"/>
+          </a:p>
+          <a:p>
+            <a:endParaRPr kumimoji="1" lang="en-US" altLang="ja-JP" dirty="0"/>
+          </a:p>
+          <a:p>
+            <a:endParaRPr lang="en-US" altLang="ja-JP" dirty="0"/>
+          </a:p>
+          <a:p>
+            <a:endParaRPr kumimoji="1" lang="en-US" altLang="ja-JP" dirty="0"/>
+          </a:p>
+          <a:p>
+            <a:endParaRPr lang="en-US" altLang="ja-JP" dirty="0"/>
+          </a:p>
+          <a:p>
+            <a:endParaRPr kumimoji="1" lang="en-US" altLang="ja-JP" dirty="0"/>
+          </a:p>
+          <a:p>
+            <a:r>
+              <a:rPr lang="en-US" altLang="ja-JP" dirty="0"/>
+              <a:t>String </a:t>
+            </a:r>
+            <a:r>
+              <a:rPr lang="ja-JP" altLang="en-US" dirty="0"/>
+              <a:t>は </a:t>
+            </a:r>
+            <a:r>
+              <a:rPr lang="en-US" altLang="ja-JP" dirty="0"/>
+              <a:t>Python </a:t>
+            </a:r>
+            <a:r>
+              <a:rPr lang="ja-JP" altLang="en-US" dirty="0"/>
+              <a:t>ではイミュータブルであり，</a:t>
+            </a:r>
+            <a:r>
+              <a:rPr lang="en-US" altLang="ja-JP" dirty="0"/>
+              <a:t>s2 </a:t>
+            </a:r>
+            <a:r>
+              <a:rPr lang="ja-JP" altLang="en-US" dirty="0"/>
+              <a:t>に </a:t>
+            </a:r>
+            <a:r>
+              <a:rPr lang="en-US" altLang="ja-JP" dirty="0"/>
+              <a:t>String </a:t>
+            </a:r>
+            <a:r>
+              <a:rPr lang="ja-JP" altLang="en-US" dirty="0"/>
+              <a:t>をプッシュした時点で別のオブジェクトになってしまう．</a:t>
+            </a:r>
+            <a:endParaRPr lang="en-US" altLang="ja-JP" dirty="0"/>
+          </a:p>
+          <a:p>
+            <a:r>
+              <a:rPr lang="en-US" altLang="ja-JP" dirty="0"/>
+              <a:t>Rust</a:t>
+            </a:r>
+            <a:r>
+              <a:rPr lang="ja-JP" altLang="en-US" dirty="0"/>
+              <a:t>ではミュータブルで，</a:t>
+            </a:r>
+            <a:r>
+              <a:rPr lang="en-US" altLang="ja-JP" dirty="0"/>
+              <a:t>Python</a:t>
+            </a:r>
+            <a:r>
+              <a:rPr lang="ja-JP" altLang="en-US" dirty="0"/>
+              <a:t>ではイミュータブルであるような型（数，文字列，タプル）では，同様の問題が発生する．</a:t>
+            </a:r>
+            <a:r>
+              <a:rPr lang="en-US" altLang="ja-JP" dirty="0"/>
+              <a:t> </a:t>
+            </a:r>
+            <a:r>
+              <a:rPr lang="ja-JP" altLang="en-US" dirty="0"/>
+              <a:t>変換を実現するには</a:t>
+            </a:r>
+            <a:r>
+              <a:rPr lang="en-US" altLang="ja-JP" dirty="0"/>
+              <a:t>Python</a:t>
+            </a:r>
+            <a:r>
+              <a:rPr lang="ja-JP" altLang="en-US" dirty="0"/>
+              <a:t>上でミュータブルな数・文字列・タプルを作るか，それに準ずる機能を実現しなければならない</a:t>
+            </a:r>
+            <a:endParaRPr kumimoji="1" lang="ja-JP" altLang="en-US" dirty="0"/>
+          </a:p>
+        </p:txBody>
+      </p:sp>
+      <p:sp>
+        <p:nvSpPr>
+          <p:cNvPr id="4" name="タイトル 3">
+            <a:extLst>
+              <a:ext uri="{FF2B5EF4-FFF2-40B4-BE49-F238E27FC236}">
+                <a16:creationId xmlns:a16="http://schemas.microsoft.com/office/drawing/2014/main" id="{572F1470-AB3A-55CF-BC1D-B8B3F255A24C}"/>
+              </a:ext>
+            </a:extLst>
+          </p:cNvPr>
+          <p:cNvSpPr>
+            <a:spLocks noGrp="1"/>
+          </p:cNvSpPr>
+          <p:nvPr>
+            <p:ph type="title"/>
           </p:nvPr>
         </p:nvSpPr>
         <p:spPr/>
@@ -5574,14 +7912,150 @@
           <a:bodyPr/>
           <a:lstStyle/>
           <a:p>
-            <a:endParaRPr kumimoji="1" lang="ja-JP" altLang="en-US"/>
-          </a:p>
-        </p:txBody>
-      </p:sp>
+            <a:r>
+              <a:rPr lang="ja-JP" altLang="en-US" dirty="0"/>
+              <a:t>例</a:t>
+            </a:r>
+            <a:r>
+              <a:rPr lang="en-US" altLang="ja-JP" dirty="0">
+                <a:latin typeface="+mj-lt"/>
+              </a:rPr>
+              <a:t>3.3.2 </a:t>
+            </a:r>
+            <a:r>
+              <a:rPr lang="ja-JP" altLang="en-US" dirty="0">
+                <a:latin typeface="+mj-lt"/>
+              </a:rPr>
+              <a:t>可変借用（変換できない例）</a:t>
+            </a:r>
+            <a:endParaRPr kumimoji="1" lang="ja-JP" altLang="en-US" dirty="0"/>
+          </a:p>
+        </p:txBody>
+      </p:sp>
+      <p:pic>
+        <p:nvPicPr>
+          <p:cNvPr id="6" name="図 5">
+            <a:extLst>
+              <a:ext uri="{FF2B5EF4-FFF2-40B4-BE49-F238E27FC236}">
+                <a16:creationId xmlns:a16="http://schemas.microsoft.com/office/drawing/2014/main" id="{F3C3EB65-1406-77F9-BB6A-D890C037BFE9}"/>
+              </a:ext>
+            </a:extLst>
+          </p:cNvPr>
+          <p:cNvPicPr>
+            <a:picLocks noChangeAspect="1"/>
+          </p:cNvPicPr>
+          <p:nvPr/>
+        </p:nvPicPr>
+        <p:blipFill>
+          <a:blip r:embed="rId2"/>
+          <a:stretch>
+            <a:fillRect/>
+          </a:stretch>
+        </p:blipFill>
+        <p:spPr>
+          <a:xfrm>
+            <a:off x="345589" y="1050216"/>
+            <a:ext cx="4953225" cy="2378783"/>
+          </a:xfrm>
+          <a:prstGeom prst="rect">
+            <a:avLst/>
+          </a:prstGeom>
+        </p:spPr>
+      </p:pic>
+      <p:pic>
+        <p:nvPicPr>
+          <p:cNvPr id="8" name="図 7">
+            <a:extLst>
+              <a:ext uri="{FF2B5EF4-FFF2-40B4-BE49-F238E27FC236}">
+                <a16:creationId xmlns:a16="http://schemas.microsoft.com/office/drawing/2014/main" id="{C9F0EFE2-3DD9-E424-2990-5C2B7EA6B578}"/>
+              </a:ext>
+            </a:extLst>
+          </p:cNvPr>
+          <p:cNvPicPr>
+            <a:picLocks noChangeAspect="1"/>
+          </p:cNvPicPr>
+          <p:nvPr/>
+        </p:nvPicPr>
+        <p:blipFill>
+          <a:blip r:embed="rId3"/>
+          <a:stretch>
+            <a:fillRect/>
+          </a:stretch>
+        </p:blipFill>
+        <p:spPr>
+          <a:xfrm>
+            <a:off x="6172200" y="1050216"/>
+            <a:ext cx="3522922" cy="2139298"/>
+          </a:xfrm>
+          <a:prstGeom prst="rect">
+            <a:avLst/>
+          </a:prstGeom>
+        </p:spPr>
+      </p:pic>
+      <p:pic>
+        <p:nvPicPr>
+          <p:cNvPr id="10" name="図 9">
+            <a:extLst>
+              <a:ext uri="{FF2B5EF4-FFF2-40B4-BE49-F238E27FC236}">
+                <a16:creationId xmlns:a16="http://schemas.microsoft.com/office/drawing/2014/main" id="{0417484D-95E8-71E0-67FA-EABED3E10836}"/>
+              </a:ext>
+            </a:extLst>
+          </p:cNvPr>
+          <p:cNvPicPr>
+            <a:picLocks noChangeAspect="1"/>
+          </p:cNvPicPr>
+          <p:nvPr/>
+        </p:nvPicPr>
+        <p:blipFill>
+          <a:blip r:embed="rId4"/>
+          <a:stretch>
+            <a:fillRect/>
+          </a:stretch>
+        </p:blipFill>
+        <p:spPr>
+          <a:xfrm>
+            <a:off x="6172200" y="3474693"/>
+            <a:ext cx="1981200" cy="618336"/>
+          </a:xfrm>
+          <a:prstGeom prst="rect">
+            <a:avLst/>
+          </a:prstGeom>
+        </p:spPr>
+      </p:pic>
+      <p:pic>
+        <p:nvPicPr>
+          <p:cNvPr id="12" name="図 11">
+            <a:extLst>
+              <a:ext uri="{FF2B5EF4-FFF2-40B4-BE49-F238E27FC236}">
+                <a16:creationId xmlns:a16="http://schemas.microsoft.com/office/drawing/2014/main" id="{F07BF5BE-2ED8-81E1-DCA2-943FB2FC5483}"/>
+              </a:ext>
+            </a:extLst>
+          </p:cNvPr>
+          <p:cNvPicPr>
+            <a:picLocks noChangeAspect="1"/>
+          </p:cNvPicPr>
+          <p:nvPr/>
+        </p:nvPicPr>
+        <p:blipFill>
+          <a:blip r:embed="rId5"/>
+          <a:stretch>
+            <a:fillRect/>
+          </a:stretch>
+        </p:blipFill>
+        <p:spPr>
+          <a:xfrm>
+            <a:off x="345589" y="3428999"/>
+            <a:ext cx="2031148" cy="664030"/>
+          </a:xfrm>
+          <a:prstGeom prst="rect">
+            <a:avLst/>
+          </a:prstGeom>
+        </p:spPr>
+      </p:pic>
     </p:spTree>
     <p:extLst>
       <p:ext uri="{BB962C8B-B14F-4D97-AF65-F5344CB8AC3E}">
-        <p14:creationId xmlns:p14="http://schemas.microsoft.com/office/powerpoint/2010/main" val="671118784"/>
+        <p14:creationId xmlns:p14="http://schemas.microsoft.com/office/powerpoint/2010/main" val="4283314331"/>
       </p:ext>
     </p:extLst>
   </p:cSld>
@@ -6105,4 +8579,319 @@
     </a:ext>
   </a:extLst>
 </a:theme>
+</file>
+
+<file path=ppt/theme/theme3.xml><?xml version="1.0" encoding="utf-8"?>
+<a:theme xmlns:a="http://schemas.openxmlformats.org/drawingml/2006/main" name="Office テーマ">
+  <a:themeElements>
+    <a:clrScheme name="Office">
+      <a:dk1>
+        <a:sysClr val="windowText" lastClr="000000"/>
+      </a:dk1>
+      <a:lt1>
+        <a:sysClr val="window" lastClr="FFFFFF"/>
+      </a:lt1>
+      <a:dk2>
+        <a:srgbClr val="0E2841"/>
+      </a:dk2>
+      <a:lt2>
+        <a:srgbClr val="E8E8E8"/>
+      </a:lt2>
+      <a:accent1>
+        <a:srgbClr val="156082"/>
+      </a:accent1>
+      <a:accent2>
+        <a:srgbClr val="E97132"/>
+      </a:accent2>
+      <a:accent3>
+        <a:srgbClr val="196B24"/>
+      </a:accent3>
+      <a:accent4>
+        <a:srgbClr val="0F9ED5"/>
+      </a:accent4>
+      <a:accent5>
+        <a:srgbClr val="A02B93"/>
+      </a:accent5>
+      <a:accent6>
+        <a:srgbClr val="4EA72E"/>
+      </a:accent6>
+      <a:hlink>
+        <a:srgbClr val="467886"/>
+      </a:hlink>
+      <a:folHlink>
+        <a:srgbClr val="96607D"/>
+      </a:folHlink>
+    </a:clrScheme>
+    <a:fontScheme name="Office">
+      <a:majorFont>
+        <a:latin typeface="游ゴシック Light" panose="02110004020202020204"/>
+        <a:ea typeface=""/>
+        <a:cs typeface=""/>
+        <a:font script="Jpan" typeface="游ゴシック Light"/>
+        <a:font script="Hang" typeface="맑은 고딕"/>
+        <a:font script="Hans" typeface="等线 Light"/>
+        <a:font script="Hant" typeface="新細明體"/>
+        <a:font script="Arab" typeface="Times New Roman"/>
+        <a:font script="Hebr" typeface="Times New Roman"/>
+        <a:font script="Thai" typeface="Angsana New"/>
+        <a:font script="Ethi" typeface="Nyala"/>
+        <a:font script="Beng" typeface="Vrinda"/>
+        <a:font script="Gujr" typeface="Shruti"/>
+        <a:font script="Khmr" typeface="MoolBoran"/>
+        <a:font script="Knda" typeface="Tunga"/>
+        <a:font script="Guru" typeface="Raavi"/>
+        <a:font script="Cans" typeface="Euphemia"/>
+        <a:font script="Cher" typeface="Plantagenet Cherokee"/>
+        <a:font script="Yiii" typeface="Microsoft Yi Baiti"/>
+        <a:font script="Tibt" typeface="Microsoft Himalaya"/>
+        <a:font script="Thaa" typeface="MV Boli"/>
+        <a:font script="Deva" typeface="Mangal"/>
+        <a:font script="Telu" typeface="Gautami"/>
+        <a:font script="Taml" typeface="Latha"/>
+        <a:font script="Syrc" typeface="Estrangelo Edessa"/>
+        <a:font script="Orya" typeface="Kalinga"/>
+        <a:font script="Mlym" typeface="Kartika"/>
+        <a:font script="Laoo" typeface="DokChampa"/>
+        <a:font script="Sinh" typeface="Iskoola Pota"/>
+        <a:font script="Mong" typeface="Mongolian Baiti"/>
+        <a:font script="Viet" typeface="Times New Roman"/>
+        <a:font script="Uigh" typeface="Microsoft Uighur"/>
+        <a:font script="Geor" typeface="Sylfaen"/>
+        <a:font script="Armn" typeface="Arial"/>
+        <a:font script="Bugi" typeface="Leelawadee UI"/>
+        <a:font script="Bopo" typeface="Microsoft JhengHei"/>
+        <a:font script="Java" typeface="Javanese Text"/>
+        <a:font script="Lisu" typeface="Segoe UI"/>
+        <a:font script="Mymr" typeface="Myanmar Text"/>
+        <a:font script="Nkoo" typeface="Ebrima"/>
+        <a:font script="Olck" typeface="Nirmala UI"/>
+        <a:font script="Osma" typeface="Ebrima"/>
+        <a:font script="Phag" typeface="Phagspa"/>
+        <a:font script="Syrn" typeface="Estrangelo Edessa"/>
+        <a:font script="Syrj" typeface="Estrangelo Edessa"/>
+        <a:font script="Syre" typeface="Estrangelo Edessa"/>
+        <a:font script="Sora" typeface="Nirmala UI"/>
+        <a:font script="Tale" typeface="Microsoft Tai Le"/>
+        <a:font script="Talu" typeface="Microsoft New Tai Lue"/>
+        <a:font script="Tfng" typeface="Ebrima"/>
+      </a:majorFont>
+      <a:minorFont>
+        <a:latin typeface="游ゴシック" panose="02110004020202020204"/>
+        <a:ea typeface=""/>
+        <a:cs typeface=""/>
+        <a:font script="Jpan" typeface="游ゴシック"/>
+        <a:font script="Hang" typeface="맑은 고딕"/>
+        <a:font script="Hans" typeface="等线"/>
+        <a:font script="Hant" typeface="新細明體"/>
+        <a:font script="Arab" typeface="Arial"/>
+        <a:font script="Hebr" typeface="Arial"/>
+        <a:font script="Thai" typeface="Cordia New"/>
+        <a:font script="Ethi" typeface="Nyala"/>
+        <a:font script="Beng" typeface="Vrinda"/>
+        <a:font script="Gujr" typeface="Shruti"/>
+        <a:font script="Khmr" typeface="DaunPenh"/>
+        <a:font script="Knda" typeface="Tunga"/>
+        <a:font script="Guru" typeface="Raavi"/>
+        <a:font script="Cans" typeface="Euphemia"/>
+        <a:font script="Cher" typeface="Plantagenet Cherokee"/>
+        <a:font script="Yiii" typeface="Microsoft Yi Baiti"/>
+        <a:font script="Tibt" typeface="Microsoft Himalaya"/>
+        <a:font script="Thaa" typeface="MV Boli"/>
+        <a:font script="Deva" typeface="Mangal"/>
+        <a:font script="Telu" typeface="Gautami"/>
+        <a:font script="Taml" typeface="Latha"/>
+        <a:font script="Syrc" typeface="Estrangelo Edessa"/>
+        <a:font script="Orya" typeface="Kalinga"/>
+        <a:font script="Mlym" typeface="Kartika"/>
+        <a:font script="Laoo" typeface="DokChampa"/>
+        <a:font script="Sinh" typeface="Iskoola Pota"/>
+        <a:font script="Mong" typeface="Mongolian Baiti"/>
+        <a:font script="Viet" typeface="Arial"/>
+        <a:font script="Uigh" typeface="Microsoft Uighur"/>
+        <a:font script="Geor" typeface="Sylfaen"/>
+        <a:font script="Armn" typeface="Arial"/>
+        <a:font script="Bugi" typeface="Leelawadee UI"/>
+        <a:font script="Bopo" typeface="Microsoft JhengHei"/>
+        <a:font script="Java" typeface="Javanese Text"/>
+        <a:font script="Lisu" typeface="Segoe UI"/>
+        <a:font script="Mymr" typeface="Myanmar Text"/>
+        <a:font script="Nkoo" typeface="Ebrima"/>
+        <a:font script="Olck" typeface="Nirmala UI"/>
+        <a:font script="Osma" typeface="Ebrima"/>
+        <a:font script="Phag" typeface="Phagspa"/>
+        <a:font script="Syrn" typeface="Estrangelo Edessa"/>
+        <a:font script="Syrj" typeface="Estrangelo Edessa"/>
+        <a:font script="Syre" typeface="Estrangelo Edessa"/>
+        <a:font script="Sora" typeface="Nirmala UI"/>
+        <a:font script="Tale" typeface="Microsoft Tai Le"/>
+        <a:font script="Talu" typeface="Microsoft New Tai Lue"/>
+        <a:font script="Tfng" typeface="Ebrima"/>
+      </a:minorFont>
+    </a:fontScheme>
+    <a:fmtScheme name="Office">
+      <a:fillStyleLst>
+        <a:solidFill>
+          <a:schemeClr val="phClr"/>
+        </a:solidFill>
+        <a:gradFill rotWithShape="1">
+          <a:gsLst>
+            <a:gs pos="0">
+              <a:schemeClr val="phClr">
+                <a:lumMod val="110000"/>
+                <a:satMod val="105000"/>
+                <a:tint val="67000"/>
+              </a:schemeClr>
+            </a:gs>
+            <a:gs pos="50000">
+              <a:schemeClr val="phClr">
+                <a:lumMod val="105000"/>
+                <a:satMod val="103000"/>
+                <a:tint val="73000"/>
+              </a:schemeClr>
+            </a:gs>
+            <a:gs pos="100000">
+              <a:schemeClr val="phClr">
+                <a:lumMod val="105000"/>
+                <a:satMod val="109000"/>
+                <a:tint val="81000"/>
+              </a:schemeClr>
+            </a:gs>
+          </a:gsLst>
+          <a:lin ang="5400000" scaled="0"/>
+        </a:gradFill>
+        <a:gradFill rotWithShape="1">
+          <a:gsLst>
+            <a:gs pos="0">
+              <a:schemeClr val="phClr">
+                <a:satMod val="103000"/>
+                <a:lumMod val="102000"/>
+                <a:tint val="94000"/>
+              </a:schemeClr>
+            </a:gs>
+            <a:gs pos="50000">
+              <a:schemeClr val="phClr">
+                <a:satMod val="110000"/>
+                <a:lumMod val="100000"/>
+                <a:shade val="100000"/>
+              </a:schemeClr>
+            </a:gs>
+            <a:gs pos="100000">
+              <a:schemeClr val="phClr">
+                <a:lumMod val="99000"/>
+                <a:satMod val="120000"/>
+                <a:shade val="78000"/>
+              </a:schemeClr>
+            </a:gs>
+          </a:gsLst>
+          <a:lin ang="5400000" scaled="0"/>
+        </a:gradFill>
+      </a:fillStyleLst>
+      <a:lnStyleLst>
+        <a:ln w="12700" cap="flat" cmpd="sng" algn="ctr">
+          <a:solidFill>
+            <a:schemeClr val="phClr"/>
+          </a:solidFill>
+          <a:prstDash val="solid"/>
+          <a:miter lim="800000"/>
+        </a:ln>
+        <a:ln w="19050" cap="flat" cmpd="sng" algn="ctr">
+          <a:solidFill>
+            <a:schemeClr val="phClr"/>
+          </a:solidFill>
+          <a:prstDash val="solid"/>
+          <a:miter lim="800000"/>
+        </a:ln>
+        <a:ln w="25400" cap="flat" cmpd="sng" algn="ctr">
+          <a:solidFill>
+            <a:schemeClr val="phClr"/>
+          </a:solidFill>
+          <a:prstDash val="solid"/>
+          <a:miter lim="800000"/>
+        </a:ln>
+      </a:lnStyleLst>
+      <a:effectStyleLst>
+        <a:effectStyle>
+          <a:effectLst/>
+        </a:effectStyle>
+        <a:effectStyle>
+          <a:effectLst/>
+        </a:effectStyle>
+        <a:effectStyle>
+          <a:effectLst>
+            <a:outerShdw blurRad="57150" dist="19050" dir="5400000" algn="ctr" rotWithShape="0">
+              <a:srgbClr val="000000">
+                <a:alpha val="63000"/>
+              </a:srgbClr>
+            </a:outerShdw>
+          </a:effectLst>
+        </a:effectStyle>
+      </a:effectStyleLst>
+      <a:bgFillStyleLst>
+        <a:solidFill>
+          <a:schemeClr val="phClr"/>
+        </a:solidFill>
+        <a:solidFill>
+          <a:schemeClr val="phClr">
+            <a:tint val="95000"/>
+            <a:satMod val="170000"/>
+          </a:schemeClr>
+        </a:solidFill>
+        <a:gradFill rotWithShape="1">
+          <a:gsLst>
+            <a:gs pos="0">
+              <a:schemeClr val="phClr">
+                <a:tint val="93000"/>
+                <a:satMod val="150000"/>
+                <a:shade val="98000"/>
+                <a:lumMod val="102000"/>
+              </a:schemeClr>
+            </a:gs>
+            <a:gs pos="50000">
+              <a:schemeClr val="phClr">
+                <a:tint val="98000"/>
+                <a:satMod val="130000"/>
+                <a:shade val="90000"/>
+                <a:lumMod val="103000"/>
+              </a:schemeClr>
+            </a:gs>
+            <a:gs pos="100000">
+              <a:schemeClr val="phClr">
+                <a:shade val="63000"/>
+                <a:satMod val="120000"/>
+              </a:schemeClr>
+            </a:gs>
+          </a:gsLst>
+          <a:lin ang="5400000" scaled="0"/>
+        </a:gradFill>
+      </a:bgFillStyleLst>
+    </a:fmtScheme>
+  </a:themeElements>
+  <a:objectDefaults>
+    <a:lnDef>
+      <a:spPr/>
+      <a:bodyPr/>
+      <a:lstStyle/>
+      <a:style>
+        <a:lnRef idx="2">
+          <a:schemeClr val="accent1"/>
+        </a:lnRef>
+        <a:fillRef idx="0">
+          <a:schemeClr val="accent1"/>
+        </a:fillRef>
+        <a:effectRef idx="1">
+          <a:schemeClr val="accent1"/>
+        </a:effectRef>
+        <a:fontRef idx="minor">
+          <a:schemeClr val="tx1"/>
+        </a:fontRef>
+      </a:style>
+    </a:lnDef>
+  </a:objectDefaults>
+  <a:extraClrSchemeLst/>
+  <a:extLst>
+    <a:ext uri="{05A4C25C-085E-4340-85A3-A5531E510DB2}">
+      <thm15:themeFamily xmlns:thm15="http://schemas.microsoft.com/office/thememl/2012/main" name="Office Theme" id="{2E142A2C-CD16-42D6-873A-C26D2A0506FA}" vid="{1BDDFF52-6CD6-40A5-AB3C-68EB2F1E4D0A}"/>
+    </a:ext>
+  </a:extLst>
+</a:theme>
 </file>
--- a/研究室関連/ゼミ/2025.01.29ゼミ.pptx
+++ b/研究室関連/ゼミ/2025.01.29ゼミ.pptx
@@ -5,10 +5,10 @@
     <p:sldMasterId id="2147483671" r:id="rId1"/>
   </p:sldMasterIdLst>
   <p:notesMasterIdLst>
-    <p:notesMasterId r:id="rId17"/>
+    <p:notesMasterId r:id="rId25"/>
   </p:notesMasterIdLst>
   <p:handoutMasterIdLst>
-    <p:handoutMasterId r:id="rId18"/>
+    <p:handoutMasterId r:id="rId26"/>
   </p:handoutMasterIdLst>
   <p:sldIdLst>
     <p:sldId id="256" r:id="rId2"/>
@@ -24,8 +24,16 @@
     <p:sldId id="271" r:id="rId12"/>
     <p:sldId id="272" r:id="rId13"/>
     <p:sldId id="273" r:id="rId14"/>
-    <p:sldId id="261" r:id="rId15"/>
-    <p:sldId id="262" r:id="rId16"/>
+    <p:sldId id="274" r:id="rId15"/>
+    <p:sldId id="275" r:id="rId16"/>
+    <p:sldId id="276" r:id="rId17"/>
+    <p:sldId id="277" r:id="rId18"/>
+    <p:sldId id="278" r:id="rId19"/>
+    <p:sldId id="279" r:id="rId20"/>
+    <p:sldId id="280" r:id="rId21"/>
+    <p:sldId id="281" r:id="rId22"/>
+    <p:sldId id="261" r:id="rId23"/>
+    <p:sldId id="262" r:id="rId24"/>
   </p:sldIdLst>
   <p:sldSz cx="12192000" cy="6858000"/>
   <p:notesSz cx="6858000" cy="9144000"/>
@@ -229,7 +237,7 @@
           <a:p>
             <a:fld id="{002B35ED-074F-4DA6-B0D2-0863611FB16F}" type="datetimeFigureOut">
               <a:rPr kumimoji="1" lang="ja-JP" altLang="en-US" smtClean="0"/>
-              <a:t>2025/1/13</a:t>
+              <a:t>2025/1/15</a:t>
             </a:fld>
             <a:endParaRPr kumimoji="1" lang="ja-JP" altLang="en-US"/>
           </a:p>
@@ -406,7 +414,7 @@
           <a:p>
             <a:fld id="{EA70C340-299C-4781-988E-A898ED653456}" type="datetimeFigureOut">
               <a:rPr kumimoji="1" lang="ja-JP" altLang="en-US" smtClean="0"/>
-              <a:t>2025/1/13</a:t>
+              <a:t>2025/1/15</a:t>
             </a:fld>
             <a:endParaRPr kumimoji="1" lang="ja-JP" altLang="en-US"/>
           </a:p>
@@ -789,6 +797,90 @@
 </p:notes>
 </file>
 
+<file path=ppt/notesSlides/notesSlide2.xml><?xml version="1.0" encoding="utf-8"?>
+<p:notes xmlns:a="http://schemas.openxmlformats.org/drawingml/2006/main" xmlns:r="http://schemas.openxmlformats.org/officeDocument/2006/relationships" xmlns:p="http://schemas.openxmlformats.org/presentationml/2006/main">
+  <p:cSld>
+    <p:spTree>
+      <p:nvGrpSpPr>
+        <p:cNvPr id="1" name=""/>
+        <p:cNvGrpSpPr/>
+        <p:nvPr/>
+      </p:nvGrpSpPr>
+      <p:grpSpPr>
+        <a:xfrm>
+          <a:off x="0" y="0"/>
+          <a:ext cx="0" cy="0"/>
+          <a:chOff x="0" y="0"/>
+          <a:chExt cx="0" cy="0"/>
+        </a:xfrm>
+      </p:grpSpPr>
+      <p:sp>
+        <p:nvSpPr>
+          <p:cNvPr id="2" name="スライド イメージ プレースホルダー 1"/>
+          <p:cNvSpPr>
+            <a:spLocks noGrp="1" noRot="1" noChangeAspect="1"/>
+          </p:cNvSpPr>
+          <p:nvPr>
+            <p:ph type="sldImg"/>
+          </p:nvPr>
+        </p:nvSpPr>
+        <p:spPr/>
+      </p:sp>
+      <p:sp>
+        <p:nvSpPr>
+          <p:cNvPr id="3" name="ノート プレースホルダー 2"/>
+          <p:cNvSpPr>
+            <a:spLocks noGrp="1"/>
+          </p:cNvSpPr>
+          <p:nvPr>
+            <p:ph type="body" idx="1"/>
+          </p:nvPr>
+        </p:nvSpPr>
+        <p:spPr/>
+        <p:txBody>
+          <a:bodyPr/>
+          <a:lstStyle/>
+          <a:p>
+            <a:endParaRPr kumimoji="1" lang="ja-JP" altLang="en-US" dirty="0"/>
+          </a:p>
+        </p:txBody>
+      </p:sp>
+      <p:sp>
+        <p:nvSpPr>
+          <p:cNvPr id="4" name="スライド番号プレースホルダー 3"/>
+          <p:cNvSpPr>
+            <a:spLocks noGrp="1"/>
+          </p:cNvSpPr>
+          <p:nvPr>
+            <p:ph type="sldNum" sz="quarter" idx="5"/>
+          </p:nvPr>
+        </p:nvSpPr>
+        <p:spPr/>
+        <p:txBody>
+          <a:bodyPr/>
+          <a:lstStyle/>
+          <a:p>
+            <a:fld id="{2F9EBCB4-0A42-4558-9051-AB6B1EB0A39E}" type="slidenum">
+              <a:rPr kumimoji="1" lang="ja-JP" altLang="en-US" smtClean="0"/>
+              <a:t>18</a:t>
+            </a:fld>
+            <a:endParaRPr kumimoji="1" lang="ja-JP" altLang="en-US"/>
+          </a:p>
+        </p:txBody>
+      </p:sp>
+    </p:spTree>
+    <p:extLst>
+      <p:ext uri="{BB962C8B-B14F-4D97-AF65-F5344CB8AC3E}">
+        <p14:creationId xmlns:p14="http://schemas.microsoft.com/office/powerpoint/2010/main" val="3024481356"/>
+      </p:ext>
+    </p:extLst>
+  </p:cSld>
+  <p:clrMapOvr>
+    <a:masterClrMapping/>
+  </p:clrMapOvr>
+</p:notes>
+</file>
+
 <file path=ppt/slideLayouts/slideLayout1.xml><?xml version="1.0" encoding="utf-8"?>
 <p:sldLayout xmlns:a="http://schemas.openxmlformats.org/drawingml/2006/main" xmlns:r="http://schemas.openxmlformats.org/officeDocument/2006/relationships" xmlns:p="http://schemas.openxmlformats.org/presentationml/2006/main" type="title" preserve="1">
   <p:cSld name="タイトル スライド">
@@ -1252,7 +1344,7 @@
           <a:p>
             <a:fld id="{E8CAF464-15F3-4BB4-BD7F-4E96634389B9}" type="datetime1">
               <a:rPr kumimoji="1" lang="ja-JP" altLang="en-US" smtClean="0"/>
-              <a:t>2025/1/13</a:t>
+              <a:t>2025/1/15</a:t>
             </a:fld>
             <a:endParaRPr kumimoji="1" lang="ja-JP" altLang="en-US"/>
           </a:p>
@@ -2042,7 +2134,7 @@
           <a:p>
             <a:fld id="{B4C738A0-993E-4FF2-A9D3-F8A25E5BED3D}" type="datetime1">
               <a:rPr kumimoji="1" lang="ja-JP" altLang="en-US" smtClean="0"/>
-              <a:t>2025/1/13</a:t>
+              <a:t>2025/1/15</a:t>
             </a:fld>
             <a:endParaRPr kumimoji="1" lang="ja-JP" altLang="en-US"/>
           </a:p>
@@ -3122,7 +3214,7 @@
           <a:p>
             <a:fld id="{80FBE12C-66DD-425F-87DA-45FA71D4B14C}" type="datetime1">
               <a:rPr kumimoji="1" lang="ja-JP" altLang="en-US" smtClean="0"/>
-              <a:t>2025/1/13</a:t>
+              <a:t>2025/1/15</a:t>
             </a:fld>
             <a:endParaRPr kumimoji="1" lang="ja-JP" altLang="en-US"/>
           </a:p>
@@ -3254,7 +3346,7 @@
           <a:p>
             <a:fld id="{5D337AB5-68CF-4C9A-84F0-CEB8B3F3804F}" type="datetime1">
               <a:rPr kumimoji="1" lang="ja-JP" altLang="en-US" smtClean="0"/>
-              <a:t>2025/1/13</a:t>
+              <a:t>2025/1/15</a:t>
             </a:fld>
             <a:endParaRPr kumimoji="1" lang="ja-JP" altLang="en-US"/>
           </a:p>
@@ -3358,7 +3450,7 @@
           <a:p>
             <a:fld id="{0224F364-07F3-46C8-84AA-302D169C9924}" type="datetime1">
               <a:rPr kumimoji="1" lang="ja-JP" altLang="en-US" smtClean="0"/>
-              <a:t>2025/1/13</a:t>
+              <a:t>2025/1/15</a:t>
             </a:fld>
             <a:endParaRPr kumimoji="1" lang="ja-JP" altLang="en-US"/>
           </a:p>
@@ -3692,7 +3784,7 @@
           <a:p>
             <a:fld id="{C98F773C-6196-4130-BAF3-BF8645CB42FA}" type="datetime1">
               <a:rPr kumimoji="1" lang="ja-JP" altLang="en-US" smtClean="0"/>
-              <a:t>2025/1/13</a:t>
+              <a:t>2025/1/15</a:t>
             </a:fld>
             <a:endParaRPr kumimoji="1" lang="ja-JP" altLang="en-US"/>
           </a:p>
@@ -3971,7 +4063,7 @@
           <a:p>
             <a:fld id="{E4883AD5-0DE6-4DC7-9375-A23AA371A5C4}" type="datetime1">
               <a:rPr kumimoji="1" lang="ja-JP" altLang="en-US" smtClean="0"/>
-              <a:t>2025/1/13</a:t>
+              <a:t>2025/1/15</a:t>
             </a:fld>
             <a:endParaRPr kumimoji="1" lang="ja-JP" altLang="en-US"/>
           </a:p>
@@ -4539,7 +4631,7 @@
             </a:br>
             <a:r>
               <a:rPr lang="en-US" altLang="ja-JP" sz="4000" dirty="0"/>
-              <a:t>Python</a:t>
+              <a:t>Rust</a:t>
             </a:r>
             <a:r>
               <a:rPr lang="ja-JP" altLang="en-US" sz="4000" dirty="0"/>
@@ -4547,7 +4639,7 @@
             </a:r>
             <a:r>
               <a:rPr lang="en-US" altLang="ja-JP" sz="4000" dirty="0"/>
-              <a:t>Rust</a:t>
+              <a:t>Python</a:t>
             </a:r>
             <a:r>
               <a:rPr lang="ja-JP" altLang="en-US" sz="4000" dirty="0"/>
@@ -4555,7 +4647,7 @@
             </a:r>
             <a:r>
               <a:rPr lang="en-US" altLang="ja-JP" sz="4000" dirty="0"/>
-              <a:t>Python</a:t>
+              <a:t>Rust</a:t>
             </a:r>
             <a:r>
               <a:rPr lang="ja-JP" altLang="en-US" sz="4000" dirty="0"/>
@@ -4563,7 +4655,7 @@
             </a:r>
             <a:r>
               <a:rPr lang="en-US" altLang="ja-JP" sz="4000" dirty="0"/>
-              <a:t>Rust </a:t>
+              <a:t>Python </a:t>
             </a:r>
             <a:r>
               <a:rPr lang="ja-JP" altLang="en-US" sz="4000" dirty="0"/>
@@ -5213,7 +5305,7 @@
             </a:r>
             <a:r>
               <a:rPr kumimoji="1" lang="ja-JP" altLang="en-US" dirty="0"/>
-              <a:t>再帰的にコピーする．</a:t>
+              <a:t>再帰的にコピーできる．</a:t>
             </a:r>
           </a:p>
         </p:txBody>
@@ -5856,18 +5948,18 @@
       </p:grpSpPr>
       <p:sp>
         <p:nvSpPr>
-          <p:cNvPr id="2" name="タイトル 1">
-            <a:extLst>
-              <a:ext uri="{FF2B5EF4-FFF2-40B4-BE49-F238E27FC236}">
-                <a16:creationId xmlns:a16="http://schemas.microsoft.com/office/drawing/2014/main" id="{561FD6B8-BDB4-5852-5C64-DCC799D6FEE6}"/>
-              </a:ext>
-            </a:extLst>
-          </p:cNvPr>
-          <p:cNvSpPr>
-            <a:spLocks noGrp="1"/>
-          </p:cNvSpPr>
-          <p:nvPr>
-            <p:ph type="title"/>
+          <p:cNvPr id="2" name="コンテンツ プレースホルダー 1">
+            <a:extLst>
+              <a:ext uri="{FF2B5EF4-FFF2-40B4-BE49-F238E27FC236}">
+                <a16:creationId xmlns:a16="http://schemas.microsoft.com/office/drawing/2014/main" id="{FCBBE281-A559-B26C-B333-76B08F6FD92A}"/>
+              </a:ext>
+            </a:extLst>
+          </p:cNvPr>
+          <p:cNvSpPr>
+            <a:spLocks noGrp="1"/>
+          </p:cNvSpPr>
+          <p:nvPr>
+            <p:ph sz="half" idx="1"/>
           </p:nvPr>
         </p:nvSpPr>
         <p:spPr/>
@@ -5875,14 +5967,105 @@
           <a:bodyPr/>
           <a:lstStyle/>
           <a:p>
+            <a:endParaRPr kumimoji="1" lang="en-US" altLang="ja-JP" dirty="0"/>
+          </a:p>
+          <a:p>
+            <a:endParaRPr lang="en-US" altLang="ja-JP" dirty="0"/>
+          </a:p>
+          <a:p>
+            <a:endParaRPr kumimoji="1" lang="en-US" altLang="ja-JP" dirty="0"/>
+          </a:p>
+          <a:p>
+            <a:endParaRPr lang="en-US" altLang="ja-JP" dirty="0"/>
+          </a:p>
+          <a:p>
+            <a:endParaRPr kumimoji="1" lang="en-US" altLang="ja-JP" dirty="0"/>
+          </a:p>
+          <a:p>
+            <a:endParaRPr lang="en-US" altLang="ja-JP" dirty="0"/>
+          </a:p>
+          <a:p>
             <a:r>
               <a:rPr kumimoji="1" lang="en-US" altLang="ja-JP" dirty="0"/>
-              <a:t>4. </a:t>
-            </a:r>
-            <a:r>
-              <a:rPr kumimoji="1" lang="ja-JP" altLang="en-US" dirty="0"/>
-              <a:t>結論・考察</a:t>
-            </a:r>
+              <a:t>Rust </a:t>
+            </a:r>
+            <a:r>
+              <a:rPr kumimoji="1" lang="ja-JP" altLang="en-US" dirty="0"/>
+              <a:t>ではスコープ</a:t>
+            </a:r>
+            <a:r>
+              <a:rPr lang="ja-JP" altLang="en-US" dirty="0"/>
+              <a:t>を波括弧で記述できる．</a:t>
+            </a:r>
+            <a:endParaRPr lang="en-US" altLang="ja-JP" dirty="0"/>
+          </a:p>
+          <a:p>
+            <a:r>
+              <a:rPr kumimoji="1" lang="en-US" altLang="ja-JP" dirty="0"/>
+              <a:t>s11 </a:t>
+            </a:r>
+            <a:r>
+              <a:rPr kumimoji="1" lang="ja-JP" altLang="en-US" dirty="0"/>
+              <a:t>はデータ </a:t>
+            </a:r>
+            <a:r>
+              <a:rPr kumimoji="1" lang="en-US" altLang="ja-JP" dirty="0"/>
+              <a:t>String::from(“s1”) </a:t>
+            </a:r>
+            <a:r>
+              <a:rPr kumimoji="1" lang="ja-JP" altLang="en-US" dirty="0"/>
+              <a:t>の所有権を</a:t>
+            </a:r>
+            <a:r>
+              <a:rPr kumimoji="1" lang="en-US" altLang="ja-JP" dirty="0"/>
+              <a:t>5</a:t>
+            </a:r>
+            <a:r>
+              <a:rPr kumimoji="1" lang="ja-JP" altLang="en-US" dirty="0"/>
+              <a:t>行目で受け取るため，</a:t>
+            </a:r>
+            <a:r>
+              <a:rPr kumimoji="1" lang="en-US" altLang="ja-JP" dirty="0"/>
+              <a:t>s1</a:t>
+            </a:r>
+            <a:r>
+              <a:rPr kumimoji="1" lang="ja-JP" altLang="en-US" dirty="0"/>
+              <a:t>は使用不可となる</a:t>
+            </a:r>
+            <a:r>
+              <a:rPr kumimoji="1" lang="en-US" altLang="ja-JP" dirty="0"/>
+              <a:t>.</a:t>
+            </a:r>
+          </a:p>
+          <a:p>
+            <a:r>
+              <a:rPr lang="en-US" altLang="ja-JP" dirty="0"/>
+              <a:t>7</a:t>
+            </a:r>
+            <a:r>
+              <a:rPr lang="ja-JP" altLang="en-US" dirty="0"/>
+              <a:t>行目で</a:t>
+            </a:r>
+            <a:r>
+              <a:rPr lang="en-US" altLang="ja-JP" dirty="0"/>
+              <a:t>s11</a:t>
+            </a:r>
+            <a:r>
+              <a:rPr lang="ja-JP" altLang="en-US" dirty="0"/>
+              <a:t>はスコープを抜けるため使用不可となり，これにより </a:t>
+            </a:r>
+            <a:r>
+              <a:rPr kumimoji="1" lang="en-US" altLang="ja-JP" dirty="0"/>
+              <a:t>String::from(“s1”) </a:t>
+            </a:r>
+            <a:r>
+              <a:rPr kumimoji="1" lang="ja-JP" altLang="en-US" dirty="0"/>
+              <a:t>のデータは解放される．</a:t>
+            </a:r>
+            <a:endParaRPr kumimoji="1" lang="en-US" altLang="ja-JP" dirty="0"/>
+          </a:p>
+          <a:p>
+            <a:endParaRPr kumimoji="1" lang="ja-JP" altLang="en-US" dirty="0"/>
           </a:p>
         </p:txBody>
       </p:sp>
@@ -5891,15 +6074,15 @@
           <p:cNvPr id="3" name="コンテンツ プレースホルダー 2">
             <a:extLst>
               <a:ext uri="{FF2B5EF4-FFF2-40B4-BE49-F238E27FC236}">
-                <a16:creationId xmlns:a16="http://schemas.microsoft.com/office/drawing/2014/main" id="{9FA67429-B276-4428-494D-372F9E71E4DC}"/>
-              </a:ext>
-            </a:extLst>
-          </p:cNvPr>
-          <p:cNvSpPr>
-            <a:spLocks noGrp="1"/>
-          </p:cNvSpPr>
-          <p:nvPr>
-            <p:ph idx="1"/>
+                <a16:creationId xmlns:a16="http://schemas.microsoft.com/office/drawing/2014/main" id="{24320AC9-53FB-9EB9-C03E-4B0DEEA00109}"/>
+              </a:ext>
+            </a:extLst>
+          </p:cNvPr>
+          <p:cNvSpPr>
+            <a:spLocks noGrp="1"/>
+          </p:cNvSpPr>
+          <p:nvPr>
+            <p:ph sz="half" idx="2"/>
           </p:nvPr>
         </p:nvSpPr>
         <p:spPr/>
@@ -5907,14 +6090,209 @@
           <a:bodyPr/>
           <a:lstStyle/>
           <a:p>
-            <a:endParaRPr kumimoji="1" lang="ja-JP" altLang="en-US"/>
-          </a:p>
-        </p:txBody>
-      </p:sp>
+            <a:endParaRPr kumimoji="1" lang="en-US" altLang="ja-JP" dirty="0"/>
+          </a:p>
+          <a:p>
+            <a:endParaRPr lang="en-US" altLang="ja-JP" dirty="0"/>
+          </a:p>
+          <a:p>
+            <a:endParaRPr kumimoji="1" lang="en-US" altLang="ja-JP" dirty="0"/>
+          </a:p>
+          <a:p>
+            <a:endParaRPr lang="en-US" altLang="ja-JP" dirty="0"/>
+          </a:p>
+          <a:p>
+            <a:endParaRPr kumimoji="1" lang="en-US" altLang="ja-JP" dirty="0"/>
+          </a:p>
+          <a:p>
+            <a:endParaRPr lang="en-US" altLang="ja-JP" dirty="0"/>
+          </a:p>
+          <a:p>
+            <a:r>
+              <a:rPr kumimoji="1" lang="en-US" altLang="ja-JP" dirty="0"/>
+              <a:t>Python </a:t>
+            </a:r>
+            <a:r>
+              <a:rPr kumimoji="1" lang="ja-JP" altLang="en-US" dirty="0"/>
+              <a:t>では関数を用いてスコープを再現する方法があるが，</a:t>
+            </a:r>
+            <a:r>
+              <a:rPr kumimoji="1" lang="en-US" altLang="ja-JP" dirty="0"/>
+              <a:t>s1 </a:t>
+            </a:r>
+            <a:r>
+              <a:rPr kumimoji="1" lang="ja-JP" altLang="en-US" dirty="0"/>
+              <a:t>の解放のタイミング</a:t>
+            </a:r>
+            <a:r>
+              <a:rPr lang="ja-JP" altLang="en-US" dirty="0"/>
+              <a:t>が</a:t>
+            </a:r>
+            <a:r>
+              <a:rPr lang="en-US" altLang="ja-JP" dirty="0"/>
+              <a:t>Rust</a:t>
+            </a:r>
+            <a:r>
+              <a:rPr lang="ja-JP" altLang="en-US" dirty="0"/>
+              <a:t>と比べて遅れてしまっている．今回は</a:t>
+            </a:r>
+            <a:r>
+              <a:rPr lang="en-US" altLang="ja-JP" dirty="0"/>
+              <a:t> s11 </a:t>
+            </a:r>
+            <a:r>
+              <a:rPr lang="ja-JP" altLang="en-US" dirty="0"/>
+              <a:t>は </a:t>
+            </a:r>
+            <a:r>
+              <a:rPr lang="en-US" altLang="ja-JP" dirty="0"/>
+              <a:t>s1 </a:t>
+            </a:r>
+            <a:r>
+              <a:rPr lang="ja-JP" altLang="en-US" dirty="0"/>
+              <a:t>のコピーであるため，新たなオブジェクトを生成するわけではない．しかし，例えばこの後スコープ内で</a:t>
+            </a:r>
+            <a:r>
+              <a:rPr lang="en-US" altLang="ja-JP" dirty="0"/>
+              <a:t>s11</a:t>
+            </a:r>
+            <a:r>
+              <a:rPr lang="ja-JP" altLang="en-US" dirty="0"/>
+              <a:t>の値を変更すると，</a:t>
+            </a:r>
+            <a:r>
+              <a:rPr lang="en-US" altLang="ja-JP" dirty="0"/>
+              <a:t>s1 </a:t>
+            </a:r>
+            <a:r>
+              <a:rPr lang="ja-JP" altLang="en-US" dirty="0"/>
+              <a:t>と</a:t>
+            </a:r>
+            <a:r>
+              <a:rPr lang="en-US" altLang="ja-JP" dirty="0"/>
+              <a:t> s11 </a:t>
+            </a:r>
+            <a:r>
+              <a:rPr lang="ja-JP" altLang="en-US" dirty="0"/>
+              <a:t>はそれぞれ別のデータを保持することになるため，</a:t>
+            </a:r>
+            <a:r>
+              <a:rPr lang="en-US" altLang="ja-JP" dirty="0"/>
+              <a:t>Rust </a:t>
+            </a:r>
+            <a:r>
+              <a:rPr lang="ja-JP" altLang="en-US" dirty="0"/>
+              <a:t>より多くのメモリ領域を必要とすることになる．これはメモリ管理を模倣するという点では大きな問題である．</a:t>
+            </a:r>
+            <a:endParaRPr kumimoji="1" lang="ja-JP" altLang="en-US" dirty="0"/>
+          </a:p>
+        </p:txBody>
+      </p:sp>
+      <p:sp>
+        <p:nvSpPr>
+          <p:cNvPr id="4" name="タイトル 3">
+            <a:extLst>
+              <a:ext uri="{FF2B5EF4-FFF2-40B4-BE49-F238E27FC236}">
+                <a16:creationId xmlns:a16="http://schemas.microsoft.com/office/drawing/2014/main" id="{687C9341-E0F2-7F2D-F479-AD3A9C7887F2}"/>
+              </a:ext>
+            </a:extLst>
+          </p:cNvPr>
+          <p:cNvSpPr>
+            <a:spLocks noGrp="1"/>
+          </p:cNvSpPr>
+          <p:nvPr>
+            <p:ph type="title"/>
+          </p:nvPr>
+        </p:nvSpPr>
+        <p:spPr/>
+        <p:txBody>
+          <a:bodyPr/>
+          <a:lstStyle/>
+          <a:p>
+            <a:r>
+              <a:rPr lang="ja-JP" altLang="en-US" dirty="0"/>
+              <a:t>例</a:t>
+            </a:r>
+            <a:r>
+              <a:rPr lang="en-US" altLang="ja-JP" dirty="0">
+                <a:latin typeface="+mj-lt"/>
+              </a:rPr>
+              <a:t>3.6.1 </a:t>
+            </a:r>
+            <a:r>
+              <a:rPr lang="ja-JP" altLang="en-US" dirty="0">
+                <a:latin typeface="+mj-lt"/>
+              </a:rPr>
+              <a:t>スコープ</a:t>
+            </a:r>
+            <a:endParaRPr kumimoji="1" lang="ja-JP" altLang="en-US" dirty="0"/>
+          </a:p>
+        </p:txBody>
+      </p:sp>
+      <p:pic>
+        <p:nvPicPr>
+          <p:cNvPr id="6" name="図 5">
+            <a:extLst>
+              <a:ext uri="{FF2B5EF4-FFF2-40B4-BE49-F238E27FC236}">
+                <a16:creationId xmlns:a16="http://schemas.microsoft.com/office/drawing/2014/main" id="{E75199E4-2EE1-6727-5C76-31905D9E02F8}"/>
+              </a:ext>
+            </a:extLst>
+          </p:cNvPr>
+          <p:cNvPicPr>
+            <a:picLocks noChangeAspect="1"/>
+          </p:cNvPicPr>
+          <p:nvPr/>
+        </p:nvPicPr>
+        <p:blipFill>
+          <a:blip r:embed="rId2"/>
+          <a:stretch>
+            <a:fillRect/>
+          </a:stretch>
+        </p:blipFill>
+        <p:spPr>
+          <a:xfrm>
+            <a:off x="345590" y="1050217"/>
+            <a:ext cx="3764592" cy="2055666"/>
+          </a:xfrm>
+          <a:prstGeom prst="rect">
+            <a:avLst/>
+          </a:prstGeom>
+        </p:spPr>
+      </p:pic>
+      <p:pic>
+        <p:nvPicPr>
+          <p:cNvPr id="10" name="図 9">
+            <a:extLst>
+              <a:ext uri="{FF2B5EF4-FFF2-40B4-BE49-F238E27FC236}">
+                <a16:creationId xmlns:a16="http://schemas.microsoft.com/office/drawing/2014/main" id="{3484D2F7-BCB1-41C9-5DDF-FDC08B4CBB35}"/>
+              </a:ext>
+            </a:extLst>
+          </p:cNvPr>
+          <p:cNvPicPr>
+            <a:picLocks noChangeAspect="1"/>
+          </p:cNvPicPr>
+          <p:nvPr/>
+        </p:nvPicPr>
+        <p:blipFill>
+          <a:blip r:embed="rId3"/>
+          <a:stretch>
+            <a:fillRect/>
+          </a:stretch>
+        </p:blipFill>
+        <p:spPr>
+          <a:xfrm>
+            <a:off x="6095998" y="1050217"/>
+            <a:ext cx="1860335" cy="1982725"/>
+          </a:xfrm>
+          <a:prstGeom prst="rect">
+            <a:avLst/>
+          </a:prstGeom>
+        </p:spPr>
+      </p:pic>
     </p:spTree>
     <p:extLst>
       <p:ext uri="{BB962C8B-B14F-4D97-AF65-F5344CB8AC3E}">
-        <p14:creationId xmlns:p14="http://schemas.microsoft.com/office/powerpoint/2010/main" val="983243167"/>
+        <p14:creationId xmlns:p14="http://schemas.microsoft.com/office/powerpoint/2010/main" val="392653162"/>
       </p:ext>
     </p:extLst>
   </p:cSld>
@@ -5925,6 +6303,263 @@
 </file>
 
 <file path=ppt/slides/slide15.xml><?xml version="1.0" encoding="utf-8"?>
+<p:sld xmlns:a="http://schemas.openxmlformats.org/drawingml/2006/main" xmlns:r="http://schemas.openxmlformats.org/officeDocument/2006/relationships" xmlns:p="http://schemas.openxmlformats.org/presentationml/2006/main">
+  <p:cSld>
+    <p:spTree>
+      <p:nvGrpSpPr>
+        <p:cNvPr id="1" name="">
+          <a:extLst>
+            <a:ext uri="{FF2B5EF4-FFF2-40B4-BE49-F238E27FC236}">
+              <a16:creationId xmlns:a16="http://schemas.microsoft.com/office/drawing/2014/main" id="{561418C4-7000-97D1-F0AD-0F89E8F0A63F}"/>
+            </a:ext>
+          </a:extLst>
+        </p:cNvPr>
+        <p:cNvGrpSpPr/>
+        <p:nvPr/>
+      </p:nvGrpSpPr>
+      <p:grpSpPr>
+        <a:xfrm>
+          <a:off x="0" y="0"/>
+          <a:ext cx="0" cy="0"/>
+          <a:chOff x="0" y="0"/>
+          <a:chExt cx="0" cy="0"/>
+        </a:xfrm>
+      </p:grpSpPr>
+      <p:sp>
+        <p:nvSpPr>
+          <p:cNvPr id="2" name="コンテンツ プレースホルダー 1">
+            <a:extLst>
+              <a:ext uri="{FF2B5EF4-FFF2-40B4-BE49-F238E27FC236}">
+                <a16:creationId xmlns:a16="http://schemas.microsoft.com/office/drawing/2014/main" id="{00573D04-6E64-87AC-1A1E-B9F580031618}"/>
+              </a:ext>
+            </a:extLst>
+          </p:cNvPr>
+          <p:cNvSpPr>
+            <a:spLocks noGrp="1"/>
+          </p:cNvSpPr>
+          <p:nvPr>
+            <p:ph sz="half" idx="1"/>
+          </p:nvPr>
+        </p:nvSpPr>
+        <p:spPr/>
+        <p:txBody>
+          <a:bodyPr/>
+          <a:lstStyle/>
+          <a:p>
+            <a:endParaRPr kumimoji="1" lang="en-US" altLang="ja-JP" dirty="0"/>
+          </a:p>
+          <a:p>
+            <a:endParaRPr lang="en-US" altLang="ja-JP" dirty="0"/>
+          </a:p>
+          <a:p>
+            <a:endParaRPr kumimoji="1" lang="en-US" altLang="ja-JP" dirty="0"/>
+          </a:p>
+          <a:p>
+            <a:endParaRPr lang="en-US" altLang="ja-JP" dirty="0"/>
+          </a:p>
+          <a:p>
+            <a:endParaRPr kumimoji="1" lang="en-US" altLang="ja-JP" dirty="0"/>
+          </a:p>
+          <a:p>
+            <a:endParaRPr lang="en-US" altLang="ja-JP" dirty="0"/>
+          </a:p>
+          <a:p>
+            <a:endParaRPr kumimoji="1" lang="ja-JP" altLang="en-US" dirty="0"/>
+          </a:p>
+        </p:txBody>
+      </p:sp>
+      <p:sp>
+        <p:nvSpPr>
+          <p:cNvPr id="3" name="コンテンツ プレースホルダー 2">
+            <a:extLst>
+              <a:ext uri="{FF2B5EF4-FFF2-40B4-BE49-F238E27FC236}">
+                <a16:creationId xmlns:a16="http://schemas.microsoft.com/office/drawing/2014/main" id="{9A61D432-E13B-1569-74E7-61263A26B1BE}"/>
+              </a:ext>
+            </a:extLst>
+          </p:cNvPr>
+          <p:cNvSpPr>
+            <a:spLocks noGrp="1"/>
+          </p:cNvSpPr>
+          <p:nvPr>
+            <p:ph sz="half" idx="2"/>
+          </p:nvPr>
+        </p:nvSpPr>
+        <p:spPr/>
+        <p:txBody>
+          <a:bodyPr/>
+          <a:lstStyle/>
+          <a:p>
+            <a:endParaRPr kumimoji="1" lang="en-US" altLang="ja-JP" dirty="0"/>
+          </a:p>
+          <a:p>
+            <a:endParaRPr lang="en-US" altLang="ja-JP" dirty="0"/>
+          </a:p>
+          <a:p>
+            <a:endParaRPr kumimoji="1" lang="en-US" altLang="ja-JP" dirty="0"/>
+          </a:p>
+          <a:p>
+            <a:endParaRPr lang="en-US" altLang="ja-JP" dirty="0"/>
+          </a:p>
+          <a:p>
+            <a:endParaRPr kumimoji="1" lang="en-US" altLang="ja-JP" dirty="0"/>
+          </a:p>
+          <a:p>
+            <a:endParaRPr lang="en-US" altLang="ja-JP" dirty="0"/>
+          </a:p>
+          <a:p>
+            <a:endParaRPr kumimoji="1" lang="en-US" altLang="ja-JP" dirty="0"/>
+          </a:p>
+          <a:p>
+            <a:endParaRPr lang="en-US" altLang="ja-JP" dirty="0"/>
+          </a:p>
+          <a:p>
+            <a:endParaRPr lang="en-US" altLang="ja-JP" dirty="0"/>
+          </a:p>
+          <a:p>
+            <a:r>
+              <a:rPr lang="en-US" altLang="ja-JP" dirty="0"/>
+              <a:t>https://docs.python.org/ja/3/library/contextlib.html</a:t>
+            </a:r>
+          </a:p>
+          <a:p>
+            <a:r>
+              <a:rPr lang="en-US" altLang="ja-JP" dirty="0" err="1"/>
+              <a:t>nullcontext</a:t>
+            </a:r>
+            <a:r>
+              <a:rPr lang="ja-JP" altLang="en-US" dirty="0"/>
+              <a:t> を使用したコンテキストマネージャでもスコープを作ることができる．これを使用したスコープの模倣のほうがより </a:t>
+            </a:r>
+            <a:r>
+              <a:rPr lang="en-US" altLang="ja-JP" dirty="0"/>
+              <a:t>Rust </a:t>
+            </a:r>
+            <a:r>
+              <a:rPr lang="ja-JP" altLang="en-US" dirty="0"/>
+              <a:t>に近いメモリ管理を実現できる</a:t>
+            </a:r>
+            <a:r>
+              <a:rPr lang="en-US" altLang="ja-JP" dirty="0"/>
+              <a:t>.</a:t>
+            </a:r>
+          </a:p>
+        </p:txBody>
+      </p:sp>
+      <p:sp>
+        <p:nvSpPr>
+          <p:cNvPr id="4" name="タイトル 3">
+            <a:extLst>
+              <a:ext uri="{FF2B5EF4-FFF2-40B4-BE49-F238E27FC236}">
+                <a16:creationId xmlns:a16="http://schemas.microsoft.com/office/drawing/2014/main" id="{6892991A-F94A-6E5D-C35F-81467651F1F9}"/>
+              </a:ext>
+            </a:extLst>
+          </p:cNvPr>
+          <p:cNvSpPr>
+            <a:spLocks noGrp="1"/>
+          </p:cNvSpPr>
+          <p:nvPr>
+            <p:ph type="title"/>
+          </p:nvPr>
+        </p:nvSpPr>
+        <p:spPr/>
+        <p:txBody>
+          <a:bodyPr/>
+          <a:lstStyle/>
+          <a:p>
+            <a:r>
+              <a:rPr lang="ja-JP" altLang="en-US" dirty="0"/>
+              <a:t>例</a:t>
+            </a:r>
+            <a:r>
+              <a:rPr lang="en-US" altLang="ja-JP" dirty="0">
+                <a:latin typeface="+mj-lt"/>
+              </a:rPr>
+              <a:t>3.6.2 </a:t>
+            </a:r>
+            <a:r>
+              <a:rPr lang="ja-JP" altLang="en-US" dirty="0">
+                <a:latin typeface="+mj-lt"/>
+              </a:rPr>
+              <a:t>スコープ</a:t>
+            </a:r>
+            <a:endParaRPr kumimoji="1" lang="ja-JP" altLang="en-US" dirty="0"/>
+          </a:p>
+        </p:txBody>
+      </p:sp>
+      <p:pic>
+        <p:nvPicPr>
+          <p:cNvPr id="6" name="図 5">
+            <a:extLst>
+              <a:ext uri="{FF2B5EF4-FFF2-40B4-BE49-F238E27FC236}">
+                <a16:creationId xmlns:a16="http://schemas.microsoft.com/office/drawing/2014/main" id="{BDC31A64-A5AA-65DA-E58F-9EC09786F2A4}"/>
+              </a:ext>
+            </a:extLst>
+          </p:cNvPr>
+          <p:cNvPicPr>
+            <a:picLocks noChangeAspect="1"/>
+          </p:cNvPicPr>
+          <p:nvPr/>
+        </p:nvPicPr>
+        <p:blipFill>
+          <a:blip r:embed="rId2"/>
+          <a:stretch>
+            <a:fillRect/>
+          </a:stretch>
+        </p:blipFill>
+        <p:spPr>
+          <a:xfrm>
+            <a:off x="345590" y="1050217"/>
+            <a:ext cx="3764592" cy="2055666"/>
+          </a:xfrm>
+          <a:prstGeom prst="rect">
+            <a:avLst/>
+          </a:prstGeom>
+        </p:spPr>
+      </p:pic>
+      <p:pic>
+        <p:nvPicPr>
+          <p:cNvPr id="7" name="図 6">
+            <a:extLst>
+              <a:ext uri="{FF2B5EF4-FFF2-40B4-BE49-F238E27FC236}">
+                <a16:creationId xmlns:a16="http://schemas.microsoft.com/office/drawing/2014/main" id="{8B64DA70-69CB-57DA-D8DE-478B2F292133}"/>
+              </a:ext>
+            </a:extLst>
+          </p:cNvPr>
+          <p:cNvPicPr>
+            <a:picLocks noChangeAspect="1"/>
+          </p:cNvPicPr>
+          <p:nvPr/>
+        </p:nvPicPr>
+        <p:blipFill>
+          <a:blip r:embed="rId3"/>
+          <a:stretch>
+            <a:fillRect/>
+          </a:stretch>
+        </p:blipFill>
+        <p:spPr>
+          <a:xfrm>
+            <a:off x="6172200" y="1117481"/>
+            <a:ext cx="5152084" cy="2921119"/>
+          </a:xfrm>
+          <a:prstGeom prst="rect">
+            <a:avLst/>
+          </a:prstGeom>
+        </p:spPr>
+      </p:pic>
+    </p:spTree>
+    <p:extLst>
+      <p:ext uri="{BB962C8B-B14F-4D97-AF65-F5344CB8AC3E}">
+        <p14:creationId xmlns:p14="http://schemas.microsoft.com/office/powerpoint/2010/main" val="847651823"/>
+      </p:ext>
+    </p:extLst>
+  </p:cSld>
+  <p:clrMapOvr>
+    <a:masterClrMapping/>
+  </p:clrMapOvr>
+</p:sld>
+</file>
+
+<file path=ppt/slides/slide16.xml><?xml version="1.0" encoding="utf-8"?>
 <p:sld xmlns:a="http://schemas.openxmlformats.org/drawingml/2006/main" xmlns:r="http://schemas.openxmlformats.org/officeDocument/2006/relationships" xmlns:p="http://schemas.openxmlformats.org/presentationml/2006/main">
   <p:cSld>
     <p:spTree>
@@ -5943,18 +6578,18 @@
       </p:grpSpPr>
       <p:sp>
         <p:nvSpPr>
-          <p:cNvPr id="2" name="タイトル 1">
-            <a:extLst>
-              <a:ext uri="{FF2B5EF4-FFF2-40B4-BE49-F238E27FC236}">
-                <a16:creationId xmlns:a16="http://schemas.microsoft.com/office/drawing/2014/main" id="{574B2A28-C893-3BE7-F4A9-100E832691FB}"/>
-              </a:ext>
-            </a:extLst>
-          </p:cNvPr>
-          <p:cNvSpPr>
-            <a:spLocks noGrp="1"/>
-          </p:cNvSpPr>
-          <p:nvPr>
-            <p:ph type="title"/>
+          <p:cNvPr id="2" name="コンテンツ プレースホルダー 1">
+            <a:extLst>
+              <a:ext uri="{FF2B5EF4-FFF2-40B4-BE49-F238E27FC236}">
+                <a16:creationId xmlns:a16="http://schemas.microsoft.com/office/drawing/2014/main" id="{C2467CB4-5388-90F9-913A-369213E5F953}"/>
+              </a:ext>
+            </a:extLst>
+          </p:cNvPr>
+          <p:cNvSpPr>
+            <a:spLocks noGrp="1"/>
+          </p:cNvSpPr>
+          <p:nvPr>
+            <p:ph sz="half" idx="1"/>
           </p:nvPr>
         </p:nvSpPr>
         <p:spPr/>
@@ -5962,14 +6597,88 @@
           <a:bodyPr/>
           <a:lstStyle/>
           <a:p>
+            <a:endParaRPr kumimoji="1" lang="en-US" altLang="ja-JP" dirty="0"/>
+          </a:p>
+          <a:p>
+            <a:endParaRPr lang="en-US" altLang="ja-JP" dirty="0"/>
+          </a:p>
+          <a:p>
+            <a:endParaRPr kumimoji="1" lang="en-US" altLang="ja-JP" dirty="0"/>
+          </a:p>
+          <a:p>
+            <a:endParaRPr lang="en-US" altLang="ja-JP" dirty="0"/>
+          </a:p>
+          <a:p>
+            <a:endParaRPr kumimoji="1" lang="en-US" altLang="ja-JP" dirty="0"/>
+          </a:p>
+          <a:p>
+            <a:endParaRPr lang="en-US" altLang="ja-JP" dirty="0"/>
+          </a:p>
+          <a:p>
+            <a:endParaRPr kumimoji="1" lang="en-US" altLang="ja-JP" dirty="0"/>
+          </a:p>
+          <a:p>
+            <a:r>
+              <a:rPr kumimoji="1" lang="en-US" altLang="ja-JP" dirty="0" err="1"/>
+              <a:t>outer_ref</a:t>
+            </a:r>
             <a:r>
               <a:rPr kumimoji="1" lang="en-US" altLang="ja-JP" dirty="0"/>
-              <a:t>5. </a:t>
-            </a:r>
-            <a:r>
-              <a:rPr kumimoji="1" lang="ja-JP" altLang="en-US" dirty="0"/>
-              <a:t>今後の展望</a:t>
-            </a:r>
+              <a:t> </a:t>
+            </a:r>
+            <a:r>
+              <a:rPr kumimoji="1" lang="ja-JP" altLang="en-US" dirty="0"/>
+              <a:t>は </a:t>
+            </a:r>
+            <a:r>
+              <a:rPr kumimoji="1" lang="en-US" altLang="ja-JP" dirty="0"/>
+              <a:t>main</a:t>
+            </a:r>
+            <a:r>
+              <a:rPr kumimoji="1" lang="ja-JP" altLang="en-US" dirty="0"/>
+              <a:t>関数のスコープ内をライフタイムとするように定義されているが，</a:t>
+            </a:r>
+            <a:r>
+              <a:rPr lang="en-US" altLang="ja-JP" dirty="0"/>
+              <a:t>5</a:t>
+            </a:r>
+            <a:r>
+              <a:rPr kumimoji="1" lang="ja-JP" altLang="en-US" dirty="0"/>
+              <a:t>行目の</a:t>
+            </a:r>
+            <a:r>
+              <a:rPr lang="ja-JP" altLang="en-US" dirty="0"/>
+              <a:t>，内側の変数への参照により，</a:t>
+            </a:r>
+            <a:r>
+              <a:rPr lang="en-US" altLang="ja-JP" dirty="0" err="1"/>
+              <a:t>outer_ref</a:t>
+            </a:r>
+            <a:r>
+              <a:rPr lang="en-US" altLang="ja-JP" dirty="0"/>
+              <a:t> </a:t>
+            </a:r>
+            <a:r>
+              <a:rPr lang="ja-JP" altLang="en-US" dirty="0"/>
+              <a:t>のライフタイムは</a:t>
+            </a:r>
+            <a:r>
+              <a:rPr kumimoji="1" lang="en-US" altLang="ja-JP" dirty="0"/>
+              <a:t>4 ~ 6 </a:t>
+            </a:r>
+            <a:r>
+              <a:rPr kumimoji="1" lang="ja-JP" altLang="en-US" dirty="0"/>
+              <a:t>行目のスコープ</a:t>
+            </a:r>
+            <a:r>
+              <a:rPr lang="ja-JP" altLang="en-US" dirty="0"/>
+              <a:t>に圧縮されている</a:t>
+            </a:r>
+            <a:r>
+              <a:rPr lang="en-US" altLang="ja-JP" dirty="0"/>
+              <a:t>.</a:t>
+            </a:r>
+            <a:endParaRPr kumimoji="1" lang="ja-JP" altLang="en-US" dirty="0"/>
           </a:p>
         </p:txBody>
       </p:sp>
@@ -5978,15 +6687,15 @@
           <p:cNvPr id="3" name="コンテンツ プレースホルダー 2">
             <a:extLst>
               <a:ext uri="{FF2B5EF4-FFF2-40B4-BE49-F238E27FC236}">
-                <a16:creationId xmlns:a16="http://schemas.microsoft.com/office/drawing/2014/main" id="{03ABB999-E82A-4799-AE42-4294AA0EF983}"/>
-              </a:ext>
-            </a:extLst>
-          </p:cNvPr>
-          <p:cNvSpPr>
-            <a:spLocks noGrp="1"/>
-          </p:cNvSpPr>
-          <p:nvPr>
-            <p:ph idx="1"/>
+                <a16:creationId xmlns:a16="http://schemas.microsoft.com/office/drawing/2014/main" id="{EE1C62ED-6CB7-FED5-BB90-1CA5E4396F06}"/>
+              </a:ext>
+            </a:extLst>
+          </p:cNvPr>
+          <p:cNvSpPr>
+            <a:spLocks noGrp="1"/>
+          </p:cNvSpPr>
+          <p:nvPr>
+            <p:ph sz="half" idx="2"/>
           </p:nvPr>
         </p:nvSpPr>
         <p:spPr/>
@@ -5994,14 +6703,733 @@
           <a:bodyPr/>
           <a:lstStyle/>
           <a:p>
-            <a:endParaRPr kumimoji="1" lang="ja-JP" altLang="en-US"/>
-          </a:p>
-        </p:txBody>
-      </p:sp>
+            <a:endParaRPr kumimoji="1" lang="en-US" altLang="ja-JP" dirty="0"/>
+          </a:p>
+          <a:p>
+            <a:endParaRPr lang="en-US" altLang="ja-JP" dirty="0"/>
+          </a:p>
+          <a:p>
+            <a:endParaRPr kumimoji="1" lang="en-US" altLang="ja-JP" dirty="0"/>
+          </a:p>
+          <a:p>
+            <a:endParaRPr lang="en-US" altLang="ja-JP" dirty="0"/>
+          </a:p>
+          <a:p>
+            <a:endParaRPr kumimoji="1" lang="en-US" altLang="ja-JP" dirty="0"/>
+          </a:p>
+          <a:p>
+            <a:endParaRPr lang="en-US" altLang="ja-JP" dirty="0"/>
+          </a:p>
+          <a:p>
+            <a:endParaRPr kumimoji="1" lang="en-US" altLang="ja-JP" dirty="0"/>
+          </a:p>
+          <a:p>
+            <a:r>
+              <a:rPr lang="en-US" altLang="ja-JP" dirty="0"/>
+              <a:t>Python </a:t>
+            </a:r>
+            <a:r>
+              <a:rPr lang="ja-JP" altLang="en-US" dirty="0"/>
+              <a:t>では，データはライフタイムではなく参照カウントにより管理されており，長生き </a:t>
+            </a:r>
+            <a:r>
+              <a:rPr lang="en-US" altLang="ja-JP" dirty="0"/>
+              <a:t>/ </a:t>
+            </a:r>
+            <a:r>
+              <a:rPr lang="ja-JP" altLang="en-US" dirty="0"/>
+              <a:t>短命 という概念はない．そのため，</a:t>
+            </a:r>
+            <a:r>
+              <a:rPr lang="en-US" altLang="ja-JP" dirty="0"/>
+              <a:t>Rust </a:t>
+            </a:r>
+            <a:r>
+              <a:rPr lang="ja-JP" altLang="en-US" dirty="0"/>
+              <a:t>プログラムではいつ解放されるかを判断し，適切な位置に </a:t>
+            </a:r>
+            <a:r>
+              <a:rPr lang="en-US" altLang="ja-JP" dirty="0"/>
+              <a:t>del </a:t>
+            </a:r>
+            <a:r>
+              <a:rPr lang="ja-JP" altLang="en-US" dirty="0"/>
+              <a:t>を挿入することが必要である</a:t>
+            </a:r>
+            <a:r>
+              <a:rPr lang="en-US" altLang="ja-JP" dirty="0"/>
+              <a:t>.</a:t>
+            </a:r>
+            <a:endParaRPr kumimoji="1" lang="ja-JP" altLang="en-US" dirty="0"/>
+          </a:p>
+        </p:txBody>
+      </p:sp>
+      <p:sp>
+        <p:nvSpPr>
+          <p:cNvPr id="4" name="タイトル 3">
+            <a:extLst>
+              <a:ext uri="{FF2B5EF4-FFF2-40B4-BE49-F238E27FC236}">
+                <a16:creationId xmlns:a16="http://schemas.microsoft.com/office/drawing/2014/main" id="{32B0D37E-29EB-B130-10F3-EA6208164357}"/>
+              </a:ext>
+            </a:extLst>
+          </p:cNvPr>
+          <p:cNvSpPr>
+            <a:spLocks noGrp="1"/>
+          </p:cNvSpPr>
+          <p:nvPr>
+            <p:ph type="title"/>
+          </p:nvPr>
+        </p:nvSpPr>
+        <p:spPr/>
+        <p:txBody>
+          <a:bodyPr/>
+          <a:lstStyle/>
+          <a:p>
+            <a:r>
+              <a:rPr lang="ja-JP" altLang="en-US" dirty="0"/>
+              <a:t>例</a:t>
+            </a:r>
+            <a:r>
+              <a:rPr lang="en-US" altLang="ja-JP" dirty="0">
+                <a:latin typeface="+mj-lt"/>
+              </a:rPr>
+              <a:t>3.7 </a:t>
+            </a:r>
+            <a:r>
+              <a:rPr lang="ja-JP" altLang="en-US" dirty="0">
+                <a:latin typeface="+mj-lt"/>
+              </a:rPr>
+              <a:t>ライフタイム</a:t>
+            </a:r>
+            <a:endParaRPr kumimoji="1" lang="ja-JP" altLang="en-US" dirty="0"/>
+          </a:p>
+        </p:txBody>
+      </p:sp>
+      <p:pic>
+        <p:nvPicPr>
+          <p:cNvPr id="14" name="図 13">
+            <a:extLst>
+              <a:ext uri="{FF2B5EF4-FFF2-40B4-BE49-F238E27FC236}">
+                <a16:creationId xmlns:a16="http://schemas.microsoft.com/office/drawing/2014/main" id="{84B1B7EE-AFA4-00D3-2943-5D6D71BFB9C2}"/>
+              </a:ext>
+            </a:extLst>
+          </p:cNvPr>
+          <p:cNvPicPr>
+            <a:picLocks noChangeAspect="1"/>
+          </p:cNvPicPr>
+          <p:nvPr/>
+        </p:nvPicPr>
+        <p:blipFill>
+          <a:blip r:embed="rId2"/>
+          <a:stretch>
+            <a:fillRect/>
+          </a:stretch>
+        </p:blipFill>
+        <p:spPr>
+          <a:xfrm>
+            <a:off x="345590" y="1050217"/>
+            <a:ext cx="5793888" cy="1682097"/>
+          </a:xfrm>
+          <a:prstGeom prst="rect">
+            <a:avLst/>
+          </a:prstGeom>
+        </p:spPr>
+      </p:pic>
+      <p:pic>
+        <p:nvPicPr>
+          <p:cNvPr id="16" name="図 15">
+            <a:extLst>
+              <a:ext uri="{FF2B5EF4-FFF2-40B4-BE49-F238E27FC236}">
+                <a16:creationId xmlns:a16="http://schemas.microsoft.com/office/drawing/2014/main" id="{EDD681B0-A741-9723-59D8-D8EE3EC7A199}"/>
+              </a:ext>
+            </a:extLst>
+          </p:cNvPr>
+          <p:cNvPicPr>
+            <a:picLocks noChangeAspect="1"/>
+          </p:cNvPicPr>
+          <p:nvPr/>
+        </p:nvPicPr>
+        <p:blipFill>
+          <a:blip r:embed="rId3"/>
+          <a:stretch>
+            <a:fillRect/>
+          </a:stretch>
+        </p:blipFill>
+        <p:spPr>
+          <a:xfrm>
+            <a:off x="6172199" y="1050217"/>
+            <a:ext cx="4310743" cy="2552176"/>
+          </a:xfrm>
+          <a:prstGeom prst="rect">
+            <a:avLst/>
+          </a:prstGeom>
+        </p:spPr>
+      </p:pic>
     </p:spTree>
     <p:extLst>
       <p:ext uri="{BB962C8B-B14F-4D97-AF65-F5344CB8AC3E}">
-        <p14:creationId xmlns:p14="http://schemas.microsoft.com/office/powerpoint/2010/main" val="671118784"/>
+        <p14:creationId xmlns:p14="http://schemas.microsoft.com/office/powerpoint/2010/main" val="1596615582"/>
+      </p:ext>
+    </p:extLst>
+  </p:cSld>
+  <p:clrMapOvr>
+    <a:masterClrMapping/>
+  </p:clrMapOvr>
+</p:sld>
+</file>
+
+<file path=ppt/slides/slide17.xml><?xml version="1.0" encoding="utf-8"?>
+<p:sld xmlns:a="http://schemas.openxmlformats.org/drawingml/2006/main" xmlns:r="http://schemas.openxmlformats.org/officeDocument/2006/relationships" xmlns:p="http://schemas.openxmlformats.org/presentationml/2006/main">
+  <p:cSld>
+    <p:spTree>
+      <p:nvGrpSpPr>
+        <p:cNvPr id="1" name=""/>
+        <p:cNvGrpSpPr/>
+        <p:nvPr/>
+      </p:nvGrpSpPr>
+      <p:grpSpPr>
+        <a:xfrm>
+          <a:off x="0" y="0"/>
+          <a:ext cx="0" cy="0"/>
+          <a:chOff x="0" y="0"/>
+          <a:chExt cx="0" cy="0"/>
+        </a:xfrm>
+      </p:grpSpPr>
+      <p:sp>
+        <p:nvSpPr>
+          <p:cNvPr id="2" name="コンテンツ プレースホルダー 1">
+            <a:extLst>
+              <a:ext uri="{FF2B5EF4-FFF2-40B4-BE49-F238E27FC236}">
+                <a16:creationId xmlns:a16="http://schemas.microsoft.com/office/drawing/2014/main" id="{70845E29-8587-094F-59C0-3F2880BDCEF8}"/>
+              </a:ext>
+            </a:extLst>
+          </p:cNvPr>
+          <p:cNvSpPr>
+            <a:spLocks noGrp="1"/>
+          </p:cNvSpPr>
+          <p:nvPr>
+            <p:ph sz="half" idx="1"/>
+          </p:nvPr>
+        </p:nvSpPr>
+        <p:spPr/>
+        <p:txBody>
+          <a:bodyPr/>
+          <a:lstStyle/>
+          <a:p>
+            <a:endParaRPr kumimoji="1" lang="ja-JP" altLang="en-US"/>
+          </a:p>
+        </p:txBody>
+      </p:sp>
+      <p:sp>
+        <p:nvSpPr>
+          <p:cNvPr id="3" name="コンテンツ プレースホルダー 2">
+            <a:extLst>
+              <a:ext uri="{FF2B5EF4-FFF2-40B4-BE49-F238E27FC236}">
+                <a16:creationId xmlns:a16="http://schemas.microsoft.com/office/drawing/2014/main" id="{14AB6571-E4A0-983C-F240-F89DBF1BC16E}"/>
+              </a:ext>
+            </a:extLst>
+          </p:cNvPr>
+          <p:cNvSpPr>
+            <a:spLocks noGrp="1"/>
+          </p:cNvSpPr>
+          <p:nvPr>
+            <p:ph sz="half" idx="2"/>
+          </p:nvPr>
+        </p:nvSpPr>
+        <p:spPr/>
+        <p:txBody>
+          <a:bodyPr/>
+          <a:lstStyle/>
+          <a:p>
+            <a:endParaRPr kumimoji="1" lang="ja-JP" altLang="en-US"/>
+          </a:p>
+        </p:txBody>
+      </p:sp>
+      <p:sp>
+        <p:nvSpPr>
+          <p:cNvPr id="4" name="タイトル 3">
+            <a:extLst>
+              <a:ext uri="{FF2B5EF4-FFF2-40B4-BE49-F238E27FC236}">
+                <a16:creationId xmlns:a16="http://schemas.microsoft.com/office/drawing/2014/main" id="{F4AC627D-BBEA-8C17-FA82-86490F9F615E}"/>
+              </a:ext>
+            </a:extLst>
+          </p:cNvPr>
+          <p:cNvSpPr>
+            <a:spLocks noGrp="1"/>
+          </p:cNvSpPr>
+          <p:nvPr>
+            <p:ph type="title"/>
+          </p:nvPr>
+        </p:nvSpPr>
+        <p:spPr/>
+        <p:txBody>
+          <a:bodyPr/>
+          <a:lstStyle/>
+          <a:p>
+            <a:r>
+              <a:rPr lang="ja-JP" altLang="en-US" dirty="0"/>
+              <a:t>例</a:t>
+            </a:r>
+            <a:r>
+              <a:rPr lang="en-US" altLang="ja-JP" dirty="0">
+                <a:latin typeface="+mj-lt"/>
+              </a:rPr>
+              <a:t>3.8.1 </a:t>
+            </a:r>
+            <a:r>
+              <a:rPr lang="en-US" altLang="ja-JP" dirty="0" err="1">
+                <a:latin typeface="+mj-lt"/>
+              </a:rPr>
+              <a:t>Rc</a:t>
+            </a:r>
+            <a:endParaRPr kumimoji="1" lang="ja-JP" altLang="en-US" dirty="0"/>
+          </a:p>
+        </p:txBody>
+      </p:sp>
+      <p:pic>
+        <p:nvPicPr>
+          <p:cNvPr id="6" name="図 5">
+            <a:extLst>
+              <a:ext uri="{FF2B5EF4-FFF2-40B4-BE49-F238E27FC236}">
+                <a16:creationId xmlns:a16="http://schemas.microsoft.com/office/drawing/2014/main" id="{07E692AE-1FBF-F9AE-A0E1-BE4104D5BDF8}"/>
+              </a:ext>
+            </a:extLst>
+          </p:cNvPr>
+          <p:cNvPicPr>
+            <a:picLocks noChangeAspect="1"/>
+          </p:cNvPicPr>
+          <p:nvPr/>
+        </p:nvPicPr>
+        <p:blipFill>
+          <a:blip r:embed="rId2"/>
+          <a:stretch>
+            <a:fillRect/>
+          </a:stretch>
+        </p:blipFill>
+        <p:spPr>
+          <a:xfrm>
+            <a:off x="6095997" y="1050217"/>
+            <a:ext cx="5753083" cy="2738012"/>
+          </a:xfrm>
+          <a:prstGeom prst="rect">
+            <a:avLst/>
+          </a:prstGeom>
+        </p:spPr>
+      </p:pic>
+      <p:pic>
+        <p:nvPicPr>
+          <p:cNvPr id="8" name="図 7">
+            <a:extLst>
+              <a:ext uri="{FF2B5EF4-FFF2-40B4-BE49-F238E27FC236}">
+                <a16:creationId xmlns:a16="http://schemas.microsoft.com/office/drawing/2014/main" id="{03A1D38C-2473-4E55-7CD9-6E44F860E2E9}"/>
+              </a:ext>
+            </a:extLst>
+          </p:cNvPr>
+          <p:cNvPicPr>
+            <a:picLocks noChangeAspect="1"/>
+          </p:cNvPicPr>
+          <p:nvPr/>
+        </p:nvPicPr>
+        <p:blipFill>
+          <a:blip r:embed="rId3"/>
+          <a:stretch>
+            <a:fillRect/>
+          </a:stretch>
+        </p:blipFill>
+        <p:spPr>
+          <a:xfrm>
+            <a:off x="242211" y="1050216"/>
+            <a:ext cx="5853786" cy="2237269"/>
+          </a:xfrm>
+          <a:prstGeom prst="rect">
+            <a:avLst/>
+          </a:prstGeom>
+        </p:spPr>
+      </p:pic>
+    </p:spTree>
+    <p:extLst>
+      <p:ext uri="{BB962C8B-B14F-4D97-AF65-F5344CB8AC3E}">
+        <p14:creationId xmlns:p14="http://schemas.microsoft.com/office/powerpoint/2010/main" val="1328953796"/>
+      </p:ext>
+    </p:extLst>
+  </p:cSld>
+  <p:clrMapOvr>
+    <a:masterClrMapping/>
+  </p:clrMapOvr>
+</p:sld>
+</file>
+
+<file path=ppt/slides/slide18.xml><?xml version="1.0" encoding="utf-8"?>
+<p:sld xmlns:a="http://schemas.openxmlformats.org/drawingml/2006/main" xmlns:r="http://schemas.openxmlformats.org/officeDocument/2006/relationships" xmlns:p="http://schemas.openxmlformats.org/presentationml/2006/main">
+  <p:cSld>
+    <p:spTree>
+      <p:nvGrpSpPr>
+        <p:cNvPr id="1" name="">
+          <a:extLst>
+            <a:ext uri="{FF2B5EF4-FFF2-40B4-BE49-F238E27FC236}">
+              <a16:creationId xmlns:a16="http://schemas.microsoft.com/office/drawing/2014/main" id="{D3BDF3F9-7F60-F97B-4C81-CC021C7C8F15}"/>
+            </a:ext>
+          </a:extLst>
+        </p:cNvPr>
+        <p:cNvGrpSpPr/>
+        <p:nvPr/>
+      </p:nvGrpSpPr>
+      <p:grpSpPr>
+        <a:xfrm>
+          <a:off x="0" y="0"/>
+          <a:ext cx="0" cy="0"/>
+          <a:chOff x="0" y="0"/>
+          <a:chExt cx="0" cy="0"/>
+        </a:xfrm>
+      </p:grpSpPr>
+      <p:sp>
+        <p:nvSpPr>
+          <p:cNvPr id="2" name="コンテンツ プレースホルダー 1">
+            <a:extLst>
+              <a:ext uri="{FF2B5EF4-FFF2-40B4-BE49-F238E27FC236}">
+                <a16:creationId xmlns:a16="http://schemas.microsoft.com/office/drawing/2014/main" id="{92F04CF2-2A35-E349-F1D8-FC4C6A0DF549}"/>
+              </a:ext>
+            </a:extLst>
+          </p:cNvPr>
+          <p:cNvSpPr>
+            <a:spLocks noGrp="1"/>
+          </p:cNvSpPr>
+          <p:nvPr>
+            <p:ph sz="half" idx="1"/>
+          </p:nvPr>
+        </p:nvSpPr>
+        <p:spPr/>
+        <p:txBody>
+          <a:bodyPr/>
+          <a:lstStyle/>
+          <a:p>
+            <a:endParaRPr kumimoji="1" lang="ja-JP" altLang="en-US" dirty="0"/>
+          </a:p>
+        </p:txBody>
+      </p:sp>
+      <p:sp>
+        <p:nvSpPr>
+          <p:cNvPr id="3" name="コンテンツ プレースホルダー 2">
+            <a:extLst>
+              <a:ext uri="{FF2B5EF4-FFF2-40B4-BE49-F238E27FC236}">
+                <a16:creationId xmlns:a16="http://schemas.microsoft.com/office/drawing/2014/main" id="{D40EB33F-6C05-F1DC-CEC7-766135417B0A}"/>
+              </a:ext>
+            </a:extLst>
+          </p:cNvPr>
+          <p:cNvSpPr>
+            <a:spLocks noGrp="1"/>
+          </p:cNvSpPr>
+          <p:nvPr>
+            <p:ph sz="half" idx="2"/>
+          </p:nvPr>
+        </p:nvSpPr>
+        <p:spPr/>
+        <p:txBody>
+          <a:bodyPr/>
+          <a:lstStyle/>
+          <a:p>
+            <a:endParaRPr kumimoji="1" lang="ja-JP" altLang="en-US"/>
+          </a:p>
+        </p:txBody>
+      </p:sp>
+      <p:sp>
+        <p:nvSpPr>
+          <p:cNvPr id="4" name="タイトル 3">
+            <a:extLst>
+              <a:ext uri="{FF2B5EF4-FFF2-40B4-BE49-F238E27FC236}">
+                <a16:creationId xmlns:a16="http://schemas.microsoft.com/office/drawing/2014/main" id="{537DE0ED-49B6-914F-FC65-252C3C5D0105}"/>
+              </a:ext>
+            </a:extLst>
+          </p:cNvPr>
+          <p:cNvSpPr>
+            <a:spLocks noGrp="1"/>
+          </p:cNvSpPr>
+          <p:nvPr>
+            <p:ph type="title"/>
+          </p:nvPr>
+        </p:nvSpPr>
+        <p:spPr/>
+        <p:txBody>
+          <a:bodyPr/>
+          <a:lstStyle/>
+          <a:p>
+            <a:r>
+              <a:rPr lang="ja-JP" altLang="en-US" dirty="0"/>
+              <a:t>例</a:t>
+            </a:r>
+            <a:r>
+              <a:rPr lang="en-US" altLang="ja-JP" dirty="0">
+                <a:latin typeface="+mj-lt"/>
+              </a:rPr>
+              <a:t>3.8.2 </a:t>
+            </a:r>
+            <a:r>
+              <a:rPr lang="en-US" altLang="ja-JP" dirty="0" err="1">
+                <a:latin typeface="+mj-lt"/>
+              </a:rPr>
+              <a:t>Rc</a:t>
+            </a:r>
+            <a:r>
+              <a:rPr lang="ja-JP" altLang="en-US" dirty="0">
+                <a:latin typeface="+mj-lt"/>
+              </a:rPr>
+              <a:t> とスコープ</a:t>
+            </a:r>
+            <a:endParaRPr kumimoji="1" lang="ja-JP" altLang="en-US" dirty="0"/>
+          </a:p>
+        </p:txBody>
+      </p:sp>
+      <p:pic>
+        <p:nvPicPr>
+          <p:cNvPr id="7" name="図 6">
+            <a:extLst>
+              <a:ext uri="{FF2B5EF4-FFF2-40B4-BE49-F238E27FC236}">
+                <a16:creationId xmlns:a16="http://schemas.microsoft.com/office/drawing/2014/main" id="{39F6C55A-5CEE-D311-05FD-039034CDE34D}"/>
+              </a:ext>
+            </a:extLst>
+          </p:cNvPr>
+          <p:cNvPicPr>
+            <a:picLocks noChangeAspect="1"/>
+          </p:cNvPicPr>
+          <p:nvPr/>
+        </p:nvPicPr>
+        <p:blipFill>
+          <a:blip r:embed="rId3"/>
+          <a:stretch>
+            <a:fillRect/>
+          </a:stretch>
+        </p:blipFill>
+        <p:spPr>
+          <a:xfrm>
+            <a:off x="6172200" y="1050217"/>
+            <a:ext cx="5782602" cy="4327326"/>
+          </a:xfrm>
+          <a:prstGeom prst="rect">
+            <a:avLst/>
+          </a:prstGeom>
+        </p:spPr>
+      </p:pic>
+      <p:pic>
+        <p:nvPicPr>
+          <p:cNvPr id="10" name="図 9">
+            <a:extLst>
+              <a:ext uri="{FF2B5EF4-FFF2-40B4-BE49-F238E27FC236}">
+                <a16:creationId xmlns:a16="http://schemas.microsoft.com/office/drawing/2014/main" id="{767D81E4-17D1-2EAB-A6A2-D8F90290376F}"/>
+              </a:ext>
+            </a:extLst>
+          </p:cNvPr>
+          <p:cNvPicPr>
+            <a:picLocks noChangeAspect="1"/>
+          </p:cNvPicPr>
+          <p:nvPr/>
+        </p:nvPicPr>
+        <p:blipFill>
+          <a:blip r:embed="rId4"/>
+          <a:stretch>
+            <a:fillRect/>
+          </a:stretch>
+        </p:blipFill>
+        <p:spPr>
+          <a:xfrm>
+            <a:off x="54885" y="1050217"/>
+            <a:ext cx="6041115" cy="4653897"/>
+          </a:xfrm>
+          <a:prstGeom prst="rect">
+            <a:avLst/>
+          </a:prstGeom>
+        </p:spPr>
+      </p:pic>
+      <p:pic>
+        <p:nvPicPr>
+          <p:cNvPr id="12" name="図 11">
+            <a:extLst>
+              <a:ext uri="{FF2B5EF4-FFF2-40B4-BE49-F238E27FC236}">
+                <a16:creationId xmlns:a16="http://schemas.microsoft.com/office/drawing/2014/main" id="{DAE0C9BE-7C08-C976-7E62-872E8FCCFB78}"/>
+              </a:ext>
+            </a:extLst>
+          </p:cNvPr>
+          <p:cNvPicPr>
+            <a:picLocks noChangeAspect="1"/>
+          </p:cNvPicPr>
+          <p:nvPr/>
+        </p:nvPicPr>
+        <p:blipFill>
+          <a:blip r:embed="rId5"/>
+          <a:stretch>
+            <a:fillRect/>
+          </a:stretch>
+        </p:blipFill>
+        <p:spPr>
+          <a:xfrm>
+            <a:off x="54885" y="5807782"/>
+            <a:ext cx="3344110" cy="913692"/>
+          </a:xfrm>
+          <a:prstGeom prst="rect">
+            <a:avLst/>
+          </a:prstGeom>
+        </p:spPr>
+      </p:pic>
+      <p:pic>
+        <p:nvPicPr>
+          <p:cNvPr id="14" name="図 13">
+            <a:extLst>
+              <a:ext uri="{FF2B5EF4-FFF2-40B4-BE49-F238E27FC236}">
+                <a16:creationId xmlns:a16="http://schemas.microsoft.com/office/drawing/2014/main" id="{A538C820-D72A-E0B4-52AF-FAE00A42CA11}"/>
+              </a:ext>
+            </a:extLst>
+          </p:cNvPr>
+          <p:cNvPicPr>
+            <a:picLocks noChangeAspect="1"/>
+          </p:cNvPicPr>
+          <p:nvPr/>
+        </p:nvPicPr>
+        <p:blipFill>
+          <a:blip r:embed="rId6"/>
+          <a:stretch>
+            <a:fillRect/>
+          </a:stretch>
+        </p:blipFill>
+        <p:spPr>
+          <a:xfrm>
+            <a:off x="6172200" y="5807782"/>
+            <a:ext cx="3189864" cy="851839"/>
+          </a:xfrm>
+          <a:prstGeom prst="rect">
+            <a:avLst/>
+          </a:prstGeom>
+        </p:spPr>
+      </p:pic>
+    </p:spTree>
+    <p:extLst>
+      <p:ext uri="{BB962C8B-B14F-4D97-AF65-F5344CB8AC3E}">
+        <p14:creationId xmlns:p14="http://schemas.microsoft.com/office/powerpoint/2010/main" val="39013122"/>
+      </p:ext>
+    </p:extLst>
+  </p:cSld>
+  <p:clrMapOvr>
+    <a:masterClrMapping/>
+  </p:clrMapOvr>
+</p:sld>
+</file>
+
+<file path=ppt/slides/slide19.xml><?xml version="1.0" encoding="utf-8"?>
+<p:sld xmlns:a="http://schemas.openxmlformats.org/drawingml/2006/main" xmlns:r="http://schemas.openxmlformats.org/officeDocument/2006/relationships" xmlns:p="http://schemas.openxmlformats.org/presentationml/2006/main">
+  <p:cSld>
+    <p:spTree>
+      <p:nvGrpSpPr>
+        <p:cNvPr id="1" name=""/>
+        <p:cNvGrpSpPr/>
+        <p:nvPr/>
+      </p:nvGrpSpPr>
+      <p:grpSpPr>
+        <a:xfrm>
+          <a:off x="0" y="0"/>
+          <a:ext cx="0" cy="0"/>
+          <a:chOff x="0" y="0"/>
+          <a:chExt cx="0" cy="0"/>
+        </a:xfrm>
+      </p:grpSpPr>
+      <p:sp>
+        <p:nvSpPr>
+          <p:cNvPr id="2" name="コンテンツ プレースホルダー 1">
+            <a:extLst>
+              <a:ext uri="{FF2B5EF4-FFF2-40B4-BE49-F238E27FC236}">
+                <a16:creationId xmlns:a16="http://schemas.microsoft.com/office/drawing/2014/main" id="{BF5AD894-7D43-0DE2-DA81-D37EAD3B7DE6}"/>
+              </a:ext>
+            </a:extLst>
+          </p:cNvPr>
+          <p:cNvSpPr>
+            <a:spLocks noGrp="1"/>
+          </p:cNvSpPr>
+          <p:nvPr>
+            <p:ph sz="half" idx="1"/>
+          </p:nvPr>
+        </p:nvSpPr>
+        <p:spPr/>
+        <p:txBody>
+          <a:bodyPr/>
+          <a:lstStyle/>
+          <a:p>
+            <a:endParaRPr kumimoji="1" lang="ja-JP" altLang="en-US"/>
+          </a:p>
+        </p:txBody>
+      </p:sp>
+      <p:sp>
+        <p:nvSpPr>
+          <p:cNvPr id="3" name="コンテンツ プレースホルダー 2">
+            <a:extLst>
+              <a:ext uri="{FF2B5EF4-FFF2-40B4-BE49-F238E27FC236}">
+                <a16:creationId xmlns:a16="http://schemas.microsoft.com/office/drawing/2014/main" id="{B4C0749C-1BCA-2F32-293A-7057ED5C8309}"/>
+              </a:ext>
+            </a:extLst>
+          </p:cNvPr>
+          <p:cNvSpPr>
+            <a:spLocks noGrp="1"/>
+          </p:cNvSpPr>
+          <p:nvPr>
+            <p:ph sz="half" idx="2"/>
+          </p:nvPr>
+        </p:nvSpPr>
+        <p:spPr/>
+        <p:txBody>
+          <a:bodyPr/>
+          <a:lstStyle/>
+          <a:p>
+            <a:endParaRPr kumimoji="1" lang="ja-JP" altLang="en-US"/>
+          </a:p>
+        </p:txBody>
+      </p:sp>
+      <p:sp>
+        <p:nvSpPr>
+          <p:cNvPr id="4" name="タイトル 3">
+            <a:extLst>
+              <a:ext uri="{FF2B5EF4-FFF2-40B4-BE49-F238E27FC236}">
+                <a16:creationId xmlns:a16="http://schemas.microsoft.com/office/drawing/2014/main" id="{61235095-92AD-5DB5-12D4-B4A388B61D55}"/>
+              </a:ext>
+            </a:extLst>
+          </p:cNvPr>
+          <p:cNvSpPr>
+            <a:spLocks noGrp="1"/>
+          </p:cNvSpPr>
+          <p:nvPr>
+            <p:ph type="title"/>
+          </p:nvPr>
+        </p:nvSpPr>
+        <p:spPr/>
+        <p:txBody>
+          <a:bodyPr/>
+          <a:lstStyle/>
+          <a:p>
+            <a:r>
+              <a:rPr lang="ja-JP" altLang="en-US" dirty="0"/>
+              <a:t>例</a:t>
+            </a:r>
+            <a:r>
+              <a:rPr lang="en-US" altLang="ja-JP" dirty="0">
+                <a:latin typeface="+mj-lt"/>
+              </a:rPr>
+              <a:t>3.9 </a:t>
+            </a:r>
+            <a:r>
+              <a:rPr lang="en-US" altLang="ja-JP" dirty="0" err="1">
+                <a:latin typeface="+mj-lt"/>
+              </a:rPr>
+              <a:t>Rc</a:t>
+            </a:r>
+            <a:r>
+              <a:rPr lang="ja-JP" altLang="en-US" dirty="0">
+                <a:latin typeface="+mj-lt"/>
+              </a:rPr>
+              <a:t> と循環参照</a:t>
+            </a:r>
+            <a:endParaRPr kumimoji="1" lang="ja-JP" altLang="en-US" dirty="0"/>
+          </a:p>
+        </p:txBody>
+      </p:sp>
+    </p:spTree>
+    <p:extLst>
+      <p:ext uri="{BB962C8B-B14F-4D97-AF65-F5344CB8AC3E}">
+        <p14:creationId xmlns:p14="http://schemas.microsoft.com/office/powerpoint/2010/main" val="3789802748"/>
       </p:ext>
     </p:extLst>
   </p:cSld>
@@ -6051,7 +7479,7 @@
           <a:p>
             <a:r>
               <a:rPr kumimoji="1" lang="ja-JP" altLang="en-US" dirty="0"/>
-              <a:t>内容</a:t>
+              <a:t>内容（仮）</a:t>
             </a:r>
           </a:p>
         </p:txBody>
@@ -6139,6 +7567,434 @@
     <p:extLst>
       <p:ext uri="{BB962C8B-B14F-4D97-AF65-F5344CB8AC3E}">
         <p14:creationId xmlns:p14="http://schemas.microsoft.com/office/powerpoint/2010/main" val="1196947332"/>
+      </p:ext>
+    </p:extLst>
+  </p:cSld>
+  <p:clrMapOvr>
+    <a:masterClrMapping/>
+  </p:clrMapOvr>
+</p:sld>
+</file>
+
+<file path=ppt/slides/slide20.xml><?xml version="1.0" encoding="utf-8"?>
+<p:sld xmlns:a="http://schemas.openxmlformats.org/drawingml/2006/main" xmlns:r="http://schemas.openxmlformats.org/officeDocument/2006/relationships" xmlns:p="http://schemas.openxmlformats.org/presentationml/2006/main">
+  <p:cSld>
+    <p:spTree>
+      <p:nvGrpSpPr>
+        <p:cNvPr id="1" name="">
+          <a:extLst>
+            <a:ext uri="{FF2B5EF4-FFF2-40B4-BE49-F238E27FC236}">
+              <a16:creationId xmlns:a16="http://schemas.microsoft.com/office/drawing/2014/main" id="{97170873-271F-7924-BA85-390123DA9391}"/>
+            </a:ext>
+          </a:extLst>
+        </p:cNvPr>
+        <p:cNvGrpSpPr/>
+        <p:nvPr/>
+      </p:nvGrpSpPr>
+      <p:grpSpPr>
+        <a:xfrm>
+          <a:off x="0" y="0"/>
+          <a:ext cx="0" cy="0"/>
+          <a:chOff x="0" y="0"/>
+          <a:chExt cx="0" cy="0"/>
+        </a:xfrm>
+      </p:grpSpPr>
+      <p:sp>
+        <p:nvSpPr>
+          <p:cNvPr id="2" name="コンテンツ プレースホルダー 1">
+            <a:extLst>
+              <a:ext uri="{FF2B5EF4-FFF2-40B4-BE49-F238E27FC236}">
+                <a16:creationId xmlns:a16="http://schemas.microsoft.com/office/drawing/2014/main" id="{CBA423D0-E23B-4087-CF7A-5718703F7517}"/>
+              </a:ext>
+            </a:extLst>
+          </p:cNvPr>
+          <p:cNvSpPr>
+            <a:spLocks noGrp="1"/>
+          </p:cNvSpPr>
+          <p:nvPr>
+            <p:ph sz="half" idx="1"/>
+          </p:nvPr>
+        </p:nvSpPr>
+        <p:spPr/>
+        <p:txBody>
+          <a:bodyPr/>
+          <a:lstStyle/>
+          <a:p>
+            <a:endParaRPr kumimoji="1" lang="ja-JP" altLang="en-US"/>
+          </a:p>
+        </p:txBody>
+      </p:sp>
+      <p:sp>
+        <p:nvSpPr>
+          <p:cNvPr id="3" name="コンテンツ プレースホルダー 2">
+            <a:extLst>
+              <a:ext uri="{FF2B5EF4-FFF2-40B4-BE49-F238E27FC236}">
+                <a16:creationId xmlns:a16="http://schemas.microsoft.com/office/drawing/2014/main" id="{127B2A49-4199-86F0-FEFF-581DB6F6E037}"/>
+              </a:ext>
+            </a:extLst>
+          </p:cNvPr>
+          <p:cNvSpPr>
+            <a:spLocks noGrp="1"/>
+          </p:cNvSpPr>
+          <p:nvPr>
+            <p:ph sz="half" idx="2"/>
+          </p:nvPr>
+        </p:nvSpPr>
+        <p:spPr/>
+        <p:txBody>
+          <a:bodyPr/>
+          <a:lstStyle/>
+          <a:p>
+            <a:endParaRPr kumimoji="1" lang="ja-JP" altLang="en-US"/>
+          </a:p>
+        </p:txBody>
+      </p:sp>
+      <p:sp>
+        <p:nvSpPr>
+          <p:cNvPr id="4" name="タイトル 3">
+            <a:extLst>
+              <a:ext uri="{FF2B5EF4-FFF2-40B4-BE49-F238E27FC236}">
+                <a16:creationId xmlns:a16="http://schemas.microsoft.com/office/drawing/2014/main" id="{D63B4988-D6E7-5954-F45C-7B8D920D13CB}"/>
+              </a:ext>
+            </a:extLst>
+          </p:cNvPr>
+          <p:cNvSpPr>
+            <a:spLocks noGrp="1"/>
+          </p:cNvSpPr>
+          <p:nvPr>
+            <p:ph type="title"/>
+          </p:nvPr>
+        </p:nvSpPr>
+        <p:spPr/>
+        <p:txBody>
+          <a:bodyPr/>
+          <a:lstStyle/>
+          <a:p>
+            <a:r>
+              <a:rPr lang="ja-JP" altLang="en-US" dirty="0"/>
+              <a:t>例</a:t>
+            </a:r>
+            <a:r>
+              <a:rPr lang="en-US" altLang="ja-JP" dirty="0">
+                <a:latin typeface="+mj-lt"/>
+              </a:rPr>
+              <a:t>3.10.1 Arc</a:t>
+            </a:r>
+            <a:endParaRPr kumimoji="1" lang="ja-JP" altLang="en-US" dirty="0"/>
+          </a:p>
+        </p:txBody>
+      </p:sp>
+    </p:spTree>
+    <p:extLst>
+      <p:ext uri="{BB962C8B-B14F-4D97-AF65-F5344CB8AC3E}">
+        <p14:creationId xmlns:p14="http://schemas.microsoft.com/office/powerpoint/2010/main" val="235815186"/>
+      </p:ext>
+    </p:extLst>
+  </p:cSld>
+  <p:clrMapOvr>
+    <a:masterClrMapping/>
+  </p:clrMapOvr>
+</p:sld>
+</file>
+
+<file path=ppt/slides/slide21.xml><?xml version="1.0" encoding="utf-8"?>
+<p:sld xmlns:a="http://schemas.openxmlformats.org/drawingml/2006/main" xmlns:r="http://schemas.openxmlformats.org/officeDocument/2006/relationships" xmlns:p="http://schemas.openxmlformats.org/presentationml/2006/main">
+  <p:cSld>
+    <p:spTree>
+      <p:nvGrpSpPr>
+        <p:cNvPr id="1" name="">
+          <a:extLst>
+            <a:ext uri="{FF2B5EF4-FFF2-40B4-BE49-F238E27FC236}">
+              <a16:creationId xmlns:a16="http://schemas.microsoft.com/office/drawing/2014/main" id="{608669F0-1A9D-1085-5A10-7791899D9BDA}"/>
+            </a:ext>
+          </a:extLst>
+        </p:cNvPr>
+        <p:cNvGrpSpPr/>
+        <p:nvPr/>
+      </p:nvGrpSpPr>
+      <p:grpSpPr>
+        <a:xfrm>
+          <a:off x="0" y="0"/>
+          <a:ext cx="0" cy="0"/>
+          <a:chOff x="0" y="0"/>
+          <a:chExt cx="0" cy="0"/>
+        </a:xfrm>
+      </p:grpSpPr>
+      <p:sp>
+        <p:nvSpPr>
+          <p:cNvPr id="2" name="コンテンツ プレースホルダー 1">
+            <a:extLst>
+              <a:ext uri="{FF2B5EF4-FFF2-40B4-BE49-F238E27FC236}">
+                <a16:creationId xmlns:a16="http://schemas.microsoft.com/office/drawing/2014/main" id="{478C0B22-E5E1-2928-3D41-81AE10AA8044}"/>
+              </a:ext>
+            </a:extLst>
+          </p:cNvPr>
+          <p:cNvSpPr>
+            <a:spLocks noGrp="1"/>
+          </p:cNvSpPr>
+          <p:nvPr>
+            <p:ph sz="half" idx="1"/>
+          </p:nvPr>
+        </p:nvSpPr>
+        <p:spPr/>
+        <p:txBody>
+          <a:bodyPr/>
+          <a:lstStyle/>
+          <a:p>
+            <a:endParaRPr kumimoji="1" lang="ja-JP" altLang="en-US"/>
+          </a:p>
+        </p:txBody>
+      </p:sp>
+      <p:sp>
+        <p:nvSpPr>
+          <p:cNvPr id="3" name="コンテンツ プレースホルダー 2">
+            <a:extLst>
+              <a:ext uri="{FF2B5EF4-FFF2-40B4-BE49-F238E27FC236}">
+                <a16:creationId xmlns:a16="http://schemas.microsoft.com/office/drawing/2014/main" id="{D1D61FAC-6DF3-BC51-48F1-D9D567258676}"/>
+              </a:ext>
+            </a:extLst>
+          </p:cNvPr>
+          <p:cNvSpPr>
+            <a:spLocks noGrp="1"/>
+          </p:cNvSpPr>
+          <p:nvPr>
+            <p:ph sz="half" idx="2"/>
+          </p:nvPr>
+        </p:nvSpPr>
+        <p:spPr/>
+        <p:txBody>
+          <a:bodyPr/>
+          <a:lstStyle/>
+          <a:p>
+            <a:endParaRPr kumimoji="1" lang="ja-JP" altLang="en-US"/>
+          </a:p>
+        </p:txBody>
+      </p:sp>
+      <p:sp>
+        <p:nvSpPr>
+          <p:cNvPr id="4" name="タイトル 3">
+            <a:extLst>
+              <a:ext uri="{FF2B5EF4-FFF2-40B4-BE49-F238E27FC236}">
+                <a16:creationId xmlns:a16="http://schemas.microsoft.com/office/drawing/2014/main" id="{6AC7A751-174C-96ED-6B0D-D69D0DCE7FE8}"/>
+              </a:ext>
+            </a:extLst>
+          </p:cNvPr>
+          <p:cNvSpPr>
+            <a:spLocks noGrp="1"/>
+          </p:cNvSpPr>
+          <p:nvPr>
+            <p:ph type="title"/>
+          </p:nvPr>
+        </p:nvSpPr>
+        <p:spPr/>
+        <p:txBody>
+          <a:bodyPr/>
+          <a:lstStyle/>
+          <a:p>
+            <a:r>
+              <a:rPr lang="ja-JP" altLang="en-US" dirty="0"/>
+              <a:t>例</a:t>
+            </a:r>
+            <a:r>
+              <a:rPr lang="en-US" altLang="ja-JP" dirty="0">
+                <a:latin typeface="+mj-lt"/>
+              </a:rPr>
+              <a:t>3.10.2 Arc </a:t>
+            </a:r>
+            <a:r>
+              <a:rPr lang="ja-JP" altLang="en-US" dirty="0">
+                <a:latin typeface="+mj-lt"/>
+              </a:rPr>
+              <a:t>と </a:t>
+            </a:r>
+            <a:r>
+              <a:rPr lang="en-US" altLang="ja-JP" dirty="0">
+                <a:latin typeface="+mj-lt"/>
+              </a:rPr>
+              <a:t>Mutex</a:t>
+            </a:r>
+            <a:endParaRPr kumimoji="1" lang="ja-JP" altLang="en-US" dirty="0"/>
+          </a:p>
+        </p:txBody>
+      </p:sp>
+    </p:spTree>
+    <p:extLst>
+      <p:ext uri="{BB962C8B-B14F-4D97-AF65-F5344CB8AC3E}">
+        <p14:creationId xmlns:p14="http://schemas.microsoft.com/office/powerpoint/2010/main" val="758702634"/>
+      </p:ext>
+    </p:extLst>
+  </p:cSld>
+  <p:clrMapOvr>
+    <a:masterClrMapping/>
+  </p:clrMapOvr>
+</p:sld>
+</file>
+
+<file path=ppt/slides/slide22.xml><?xml version="1.0" encoding="utf-8"?>
+<p:sld xmlns:a="http://schemas.openxmlformats.org/drawingml/2006/main" xmlns:r="http://schemas.openxmlformats.org/officeDocument/2006/relationships" xmlns:p="http://schemas.openxmlformats.org/presentationml/2006/main">
+  <p:cSld>
+    <p:spTree>
+      <p:nvGrpSpPr>
+        <p:cNvPr id="1" name=""/>
+        <p:cNvGrpSpPr/>
+        <p:nvPr/>
+      </p:nvGrpSpPr>
+      <p:grpSpPr>
+        <a:xfrm>
+          <a:off x="0" y="0"/>
+          <a:ext cx="0" cy="0"/>
+          <a:chOff x="0" y="0"/>
+          <a:chExt cx="0" cy="0"/>
+        </a:xfrm>
+      </p:grpSpPr>
+      <p:sp>
+        <p:nvSpPr>
+          <p:cNvPr id="2" name="タイトル 1">
+            <a:extLst>
+              <a:ext uri="{FF2B5EF4-FFF2-40B4-BE49-F238E27FC236}">
+                <a16:creationId xmlns:a16="http://schemas.microsoft.com/office/drawing/2014/main" id="{561FD6B8-BDB4-5852-5C64-DCC799D6FEE6}"/>
+              </a:ext>
+            </a:extLst>
+          </p:cNvPr>
+          <p:cNvSpPr>
+            <a:spLocks noGrp="1"/>
+          </p:cNvSpPr>
+          <p:nvPr>
+            <p:ph type="title"/>
+          </p:nvPr>
+        </p:nvSpPr>
+        <p:spPr/>
+        <p:txBody>
+          <a:bodyPr/>
+          <a:lstStyle/>
+          <a:p>
+            <a:r>
+              <a:rPr kumimoji="1" lang="en-US" altLang="ja-JP" dirty="0"/>
+              <a:t>4. </a:t>
+            </a:r>
+            <a:r>
+              <a:rPr kumimoji="1" lang="ja-JP" altLang="en-US" dirty="0"/>
+              <a:t>結論・考察</a:t>
+            </a:r>
+          </a:p>
+        </p:txBody>
+      </p:sp>
+      <p:sp>
+        <p:nvSpPr>
+          <p:cNvPr id="3" name="コンテンツ プレースホルダー 2">
+            <a:extLst>
+              <a:ext uri="{FF2B5EF4-FFF2-40B4-BE49-F238E27FC236}">
+                <a16:creationId xmlns:a16="http://schemas.microsoft.com/office/drawing/2014/main" id="{9FA67429-B276-4428-494D-372F9E71E4DC}"/>
+              </a:ext>
+            </a:extLst>
+          </p:cNvPr>
+          <p:cNvSpPr>
+            <a:spLocks noGrp="1"/>
+          </p:cNvSpPr>
+          <p:nvPr>
+            <p:ph idx="1"/>
+          </p:nvPr>
+        </p:nvSpPr>
+        <p:spPr/>
+        <p:txBody>
+          <a:bodyPr/>
+          <a:lstStyle/>
+          <a:p>
+            <a:endParaRPr kumimoji="1" lang="ja-JP" altLang="en-US"/>
+          </a:p>
+        </p:txBody>
+      </p:sp>
+    </p:spTree>
+    <p:extLst>
+      <p:ext uri="{BB962C8B-B14F-4D97-AF65-F5344CB8AC3E}">
+        <p14:creationId xmlns:p14="http://schemas.microsoft.com/office/powerpoint/2010/main" val="983243167"/>
+      </p:ext>
+    </p:extLst>
+  </p:cSld>
+  <p:clrMapOvr>
+    <a:masterClrMapping/>
+  </p:clrMapOvr>
+</p:sld>
+</file>
+
+<file path=ppt/slides/slide23.xml><?xml version="1.0" encoding="utf-8"?>
+<p:sld xmlns:a="http://schemas.openxmlformats.org/drawingml/2006/main" xmlns:r="http://schemas.openxmlformats.org/officeDocument/2006/relationships" xmlns:p="http://schemas.openxmlformats.org/presentationml/2006/main">
+  <p:cSld>
+    <p:spTree>
+      <p:nvGrpSpPr>
+        <p:cNvPr id="1" name=""/>
+        <p:cNvGrpSpPr/>
+        <p:nvPr/>
+      </p:nvGrpSpPr>
+      <p:grpSpPr>
+        <a:xfrm>
+          <a:off x="0" y="0"/>
+          <a:ext cx="0" cy="0"/>
+          <a:chOff x="0" y="0"/>
+          <a:chExt cx="0" cy="0"/>
+        </a:xfrm>
+      </p:grpSpPr>
+      <p:sp>
+        <p:nvSpPr>
+          <p:cNvPr id="2" name="タイトル 1">
+            <a:extLst>
+              <a:ext uri="{FF2B5EF4-FFF2-40B4-BE49-F238E27FC236}">
+                <a16:creationId xmlns:a16="http://schemas.microsoft.com/office/drawing/2014/main" id="{574B2A28-C893-3BE7-F4A9-100E832691FB}"/>
+              </a:ext>
+            </a:extLst>
+          </p:cNvPr>
+          <p:cNvSpPr>
+            <a:spLocks noGrp="1"/>
+          </p:cNvSpPr>
+          <p:nvPr>
+            <p:ph type="title"/>
+          </p:nvPr>
+        </p:nvSpPr>
+        <p:spPr/>
+        <p:txBody>
+          <a:bodyPr/>
+          <a:lstStyle/>
+          <a:p>
+            <a:r>
+              <a:rPr kumimoji="1" lang="en-US" altLang="ja-JP" dirty="0"/>
+              <a:t>5. </a:t>
+            </a:r>
+            <a:r>
+              <a:rPr kumimoji="1" lang="ja-JP" altLang="en-US" dirty="0"/>
+              <a:t>今後の展望</a:t>
+            </a:r>
+          </a:p>
+        </p:txBody>
+      </p:sp>
+      <p:sp>
+        <p:nvSpPr>
+          <p:cNvPr id="3" name="コンテンツ プレースホルダー 2">
+            <a:extLst>
+              <a:ext uri="{FF2B5EF4-FFF2-40B4-BE49-F238E27FC236}">
+                <a16:creationId xmlns:a16="http://schemas.microsoft.com/office/drawing/2014/main" id="{03ABB999-E82A-4799-AE42-4294AA0EF983}"/>
+              </a:ext>
+            </a:extLst>
+          </p:cNvPr>
+          <p:cNvSpPr>
+            <a:spLocks noGrp="1"/>
+          </p:cNvSpPr>
+          <p:nvPr>
+            <p:ph idx="1"/>
+          </p:nvPr>
+        </p:nvSpPr>
+        <p:spPr/>
+        <p:txBody>
+          <a:bodyPr/>
+          <a:lstStyle/>
+          <a:p>
+            <a:endParaRPr kumimoji="1" lang="ja-JP" altLang="en-US"/>
+          </a:p>
+        </p:txBody>
+      </p:sp>
+    </p:spTree>
+    <p:extLst>
+      <p:ext uri="{BB962C8B-B14F-4D97-AF65-F5344CB8AC3E}">
+        <p14:creationId xmlns:p14="http://schemas.microsoft.com/office/powerpoint/2010/main" val="671118784"/>
       </p:ext>
     </p:extLst>
   </p:cSld>
@@ -6217,7 +8073,7 @@
         <p:spPr/>
         <p:txBody>
           <a:bodyPr>
-            <a:normAutofit lnSpcReduction="10000"/>
+            <a:normAutofit/>
           </a:bodyPr>
           <a:lstStyle/>
           <a:p>
@@ -6257,25 +8113,9 @@
               <a:rPr kumimoji="1" lang="ja-JP" altLang="en-US" dirty="0"/>
               <a:t>プログラムでは，プログラマの不注意によっては</a:t>
             </a:r>
-            <a:endParaRPr lang="en-US" altLang="ja-JP" dirty="0"/>
-          </a:p>
-          <a:p>
-            <a:pPr marL="0" indent="0">
-              <a:buNone/>
-            </a:pPr>
             <a:r>
               <a:rPr lang="ja-JP" altLang="en-US" dirty="0"/>
-              <a:t>メモリリークが発生しうる．</a:t>
-            </a:r>
-            <a:endParaRPr lang="en-US" altLang="ja-JP" dirty="0"/>
-          </a:p>
-          <a:p>
-            <a:pPr marL="0" indent="0">
-              <a:buNone/>
-            </a:pPr>
-            <a:r>
-              <a:rPr lang="ja-JP" altLang="en-US" dirty="0"/>
-              <a:t>組み込み機器などの限られたメモリ環境でのメモリリークの発生は，バグの原因となる．</a:t>
+              <a:t>メモリリークが発生しうる．組み込み機器などの限られたメモリ環境でのメモリリークの発生は，バグの原因となる．</a:t>
             </a:r>
             <a:endParaRPr lang="en-US" altLang="ja-JP" dirty="0"/>
           </a:p>
@@ -7021,6 +8861,12 @@
             <a:endParaRPr kumimoji="1" lang="en-US" altLang="ja-JP" dirty="0"/>
           </a:p>
           <a:p>
+            <a:endParaRPr kumimoji="1" lang="en-US" altLang="ja-JP" dirty="0"/>
+          </a:p>
+          <a:p>
+            <a:endParaRPr lang="en-US" altLang="ja-JP" dirty="0"/>
+          </a:p>
+          <a:p>
             <a:r>
               <a:rPr kumimoji="1" lang="ja-JP" altLang="en-US" dirty="0"/>
               <a:t>借用型に所有権は存在しないので，</a:t>
@@ -7103,6 +8949,12 @@
           </a:p>
           <a:p>
             <a:endParaRPr kumimoji="1" lang="en-US" altLang="ja-JP" dirty="0"/>
+          </a:p>
+          <a:p>
+            <a:endParaRPr kumimoji="1" lang="en-US" altLang="ja-JP" dirty="0"/>
+          </a:p>
+          <a:p>
+            <a:endParaRPr lang="en-US" altLang="ja-JP" dirty="0"/>
           </a:p>
           <a:p>
             <a:r>
@@ -7268,6 +9120,66 @@
           <a:xfrm>
             <a:off x="6172200" y="1050217"/>
             <a:ext cx="3353206" cy="2095754"/>
+          </a:xfrm>
+          <a:prstGeom prst="rect">
+            <a:avLst/>
+          </a:prstGeom>
+        </p:spPr>
+      </p:pic>
+      <p:pic>
+        <p:nvPicPr>
+          <p:cNvPr id="6" name="図 5">
+            <a:extLst>
+              <a:ext uri="{FF2B5EF4-FFF2-40B4-BE49-F238E27FC236}">
+                <a16:creationId xmlns:a16="http://schemas.microsoft.com/office/drawing/2014/main" id="{62FEA776-75C3-DA2B-0000-D3925F8F9C58}"/>
+              </a:ext>
+            </a:extLst>
+          </p:cNvPr>
+          <p:cNvPicPr>
+            <a:picLocks noChangeAspect="1"/>
+          </p:cNvPicPr>
+          <p:nvPr/>
+        </p:nvPicPr>
+        <p:blipFill>
+          <a:blip r:embed="rId4"/>
+          <a:stretch>
+            <a:fillRect/>
+          </a:stretch>
+        </p:blipFill>
+        <p:spPr>
+          <a:xfrm>
+            <a:off x="345590" y="3472700"/>
+            <a:ext cx="738420" cy="876874"/>
+          </a:xfrm>
+          <a:prstGeom prst="rect">
+            <a:avLst/>
+          </a:prstGeom>
+        </p:spPr>
+      </p:pic>
+      <p:pic>
+        <p:nvPicPr>
+          <p:cNvPr id="9" name="図 8">
+            <a:extLst>
+              <a:ext uri="{FF2B5EF4-FFF2-40B4-BE49-F238E27FC236}">
+                <a16:creationId xmlns:a16="http://schemas.microsoft.com/office/drawing/2014/main" id="{5752261E-B7EC-93BC-CA2D-A1F11182CF03}"/>
+              </a:ext>
+            </a:extLst>
+          </p:cNvPr>
+          <p:cNvPicPr>
+            <a:picLocks noChangeAspect="1"/>
+          </p:cNvPicPr>
+          <p:nvPr/>
+        </p:nvPicPr>
+        <p:blipFill>
+          <a:blip r:embed="rId4"/>
+          <a:stretch>
+            <a:fillRect/>
+          </a:stretch>
+        </p:blipFill>
+        <p:spPr>
+          <a:xfrm>
+            <a:off x="6172200" y="3429000"/>
+            <a:ext cx="755058" cy="896631"/>
           </a:xfrm>
           <a:prstGeom prst="rect">
             <a:avLst/>

--- a/研究室関連/ゼミ/2025.01.29ゼミ.pptx
+++ b/研究室関連/ゼミ/2025.01.29ゼミ.pptx
@@ -757,7 +757,10 @@
           <a:bodyPr/>
           <a:lstStyle/>
           <a:p>
-            <a:endParaRPr kumimoji="1" lang="ja-JP" altLang="en-US" dirty="0"/>
+            <a:r>
+              <a:rPr kumimoji="1" lang="ja-JP" altLang="en-US" dirty="0"/>
+              <a:t>前半部分がおおむね卒論の比較</a:t>
+            </a:r>
           </a:p>
         </p:txBody>
       </p:sp>
@@ -778,7 +781,7 @@
           <a:p>
             <a:fld id="{2F9EBCB4-0A42-4558-9051-AB6B1EB0A39E}" type="slidenum">
               <a:rPr kumimoji="1" lang="ja-JP" altLang="en-US" smtClean="0"/>
-              <a:t>11</a:t>
+              <a:t>1</a:t>
             </a:fld>
             <a:endParaRPr kumimoji="1" lang="ja-JP" altLang="en-US"/>
           </a:p>
@@ -787,7 +790,277 @@
     </p:spTree>
     <p:extLst>
       <p:ext uri="{BB962C8B-B14F-4D97-AF65-F5344CB8AC3E}">
-        <p14:creationId xmlns:p14="http://schemas.microsoft.com/office/powerpoint/2010/main" val="3883255537"/>
+        <p14:creationId xmlns:p14="http://schemas.microsoft.com/office/powerpoint/2010/main" val="2481422825"/>
+      </p:ext>
+    </p:extLst>
+  </p:cSld>
+  <p:clrMapOvr>
+    <a:masterClrMapping/>
+  </p:clrMapOvr>
+</p:notes>
+</file>
+
+<file path=ppt/notesSlides/notesSlide10.xml><?xml version="1.0" encoding="utf-8"?>
+<p:notes xmlns:a="http://schemas.openxmlformats.org/drawingml/2006/main" xmlns:r="http://schemas.openxmlformats.org/officeDocument/2006/relationships" xmlns:p="http://schemas.openxmlformats.org/presentationml/2006/main">
+  <p:cSld>
+    <p:spTree>
+      <p:nvGrpSpPr>
+        <p:cNvPr id="1" name=""/>
+        <p:cNvGrpSpPr/>
+        <p:nvPr/>
+      </p:nvGrpSpPr>
+      <p:grpSpPr>
+        <a:xfrm>
+          <a:off x="0" y="0"/>
+          <a:ext cx="0" cy="0"/>
+          <a:chOff x="0" y="0"/>
+          <a:chExt cx="0" cy="0"/>
+        </a:xfrm>
+      </p:grpSpPr>
+      <p:sp>
+        <p:nvSpPr>
+          <p:cNvPr id="2" name="スライド イメージ プレースホルダー 1"/>
+          <p:cNvSpPr>
+            <a:spLocks noGrp="1" noRot="1" noChangeAspect="1"/>
+          </p:cNvSpPr>
+          <p:nvPr>
+            <p:ph type="sldImg"/>
+          </p:nvPr>
+        </p:nvSpPr>
+        <p:spPr/>
+      </p:sp>
+      <p:sp>
+        <p:nvSpPr>
+          <p:cNvPr id="3" name="ノート プレースホルダー 2"/>
+          <p:cNvSpPr>
+            <a:spLocks noGrp="1"/>
+          </p:cNvSpPr>
+          <p:nvPr>
+            <p:ph type="body" idx="1"/>
+          </p:nvPr>
+        </p:nvSpPr>
+        <p:spPr/>
+        <p:txBody>
+          <a:bodyPr/>
+          <a:lstStyle/>
+          <a:p>
+            <a:r>
+              <a:rPr kumimoji="1" lang="ja-JP" altLang="en-US" dirty="0"/>
+              <a:t>メモリ管理とはまた別．</a:t>
+            </a:r>
+            <a:endParaRPr kumimoji="1" lang="en-US" altLang="ja-JP" dirty="0"/>
+          </a:p>
+          <a:p>
+            <a:endParaRPr kumimoji="1" lang="ja-JP" altLang="en-US" dirty="0"/>
+          </a:p>
+        </p:txBody>
+      </p:sp>
+      <p:sp>
+        <p:nvSpPr>
+          <p:cNvPr id="4" name="スライド番号プレースホルダー 3"/>
+          <p:cNvSpPr>
+            <a:spLocks noGrp="1"/>
+          </p:cNvSpPr>
+          <p:nvPr>
+            <p:ph type="sldNum" sz="quarter" idx="5"/>
+          </p:nvPr>
+        </p:nvSpPr>
+        <p:spPr/>
+        <p:txBody>
+          <a:bodyPr/>
+          <a:lstStyle/>
+          <a:p>
+            <a:fld id="{2F9EBCB4-0A42-4558-9051-AB6B1EB0A39E}" type="slidenum">
+              <a:rPr kumimoji="1" lang="ja-JP" altLang="en-US" smtClean="0"/>
+              <a:t>13</a:t>
+            </a:fld>
+            <a:endParaRPr kumimoji="1" lang="ja-JP" altLang="en-US"/>
+          </a:p>
+        </p:txBody>
+      </p:sp>
+    </p:spTree>
+    <p:extLst>
+      <p:ext uri="{BB962C8B-B14F-4D97-AF65-F5344CB8AC3E}">
+        <p14:creationId xmlns:p14="http://schemas.microsoft.com/office/powerpoint/2010/main" val="466047839"/>
+      </p:ext>
+    </p:extLst>
+  </p:cSld>
+  <p:clrMapOvr>
+    <a:masterClrMapping/>
+  </p:clrMapOvr>
+</p:notes>
+</file>
+
+<file path=ppt/notesSlides/notesSlide11.xml><?xml version="1.0" encoding="utf-8"?>
+<p:notes xmlns:a="http://schemas.openxmlformats.org/drawingml/2006/main" xmlns:r="http://schemas.openxmlformats.org/officeDocument/2006/relationships" xmlns:p="http://schemas.openxmlformats.org/presentationml/2006/main">
+  <p:cSld>
+    <p:spTree>
+      <p:nvGrpSpPr>
+        <p:cNvPr id="1" name=""/>
+        <p:cNvGrpSpPr/>
+        <p:nvPr/>
+      </p:nvGrpSpPr>
+      <p:grpSpPr>
+        <a:xfrm>
+          <a:off x="0" y="0"/>
+          <a:ext cx="0" cy="0"/>
+          <a:chOff x="0" y="0"/>
+          <a:chExt cx="0" cy="0"/>
+        </a:xfrm>
+      </p:grpSpPr>
+      <p:sp>
+        <p:nvSpPr>
+          <p:cNvPr id="2" name="スライド イメージ プレースホルダー 1"/>
+          <p:cNvSpPr>
+            <a:spLocks noGrp="1" noRot="1" noChangeAspect="1"/>
+          </p:cNvSpPr>
+          <p:nvPr>
+            <p:ph type="sldImg"/>
+          </p:nvPr>
+        </p:nvSpPr>
+        <p:spPr/>
+      </p:sp>
+      <p:sp>
+        <p:nvSpPr>
+          <p:cNvPr id="3" name="ノート プレースホルダー 2"/>
+          <p:cNvSpPr>
+            <a:spLocks noGrp="1"/>
+          </p:cNvSpPr>
+          <p:nvPr>
+            <p:ph type="body" idx="1"/>
+          </p:nvPr>
+        </p:nvSpPr>
+        <p:spPr/>
+        <p:txBody>
+          <a:bodyPr/>
+          <a:lstStyle/>
+          <a:p>
+            <a:r>
+              <a:rPr kumimoji="1" lang="ja-JP" altLang="en-US" dirty="0"/>
+              <a:t>結局</a:t>
+            </a:r>
+            <a:r>
+              <a:rPr kumimoji="1" lang="en-US" altLang="ja-JP" dirty="0"/>
+              <a:t>with</a:t>
+            </a:r>
+            <a:r>
+              <a:rPr kumimoji="1" lang="ja-JP" altLang="en-US" dirty="0"/>
+              <a:t>を説明する必要がない</a:t>
+            </a:r>
+          </a:p>
+        </p:txBody>
+      </p:sp>
+      <p:sp>
+        <p:nvSpPr>
+          <p:cNvPr id="4" name="スライド番号プレースホルダー 3"/>
+          <p:cNvSpPr>
+            <a:spLocks noGrp="1"/>
+          </p:cNvSpPr>
+          <p:nvPr>
+            <p:ph type="sldNum" sz="quarter" idx="5"/>
+          </p:nvPr>
+        </p:nvSpPr>
+        <p:spPr/>
+        <p:txBody>
+          <a:bodyPr/>
+          <a:lstStyle/>
+          <a:p>
+            <a:fld id="{2F9EBCB4-0A42-4558-9051-AB6B1EB0A39E}" type="slidenum">
+              <a:rPr kumimoji="1" lang="ja-JP" altLang="en-US" smtClean="0"/>
+              <a:t>18</a:t>
+            </a:fld>
+            <a:endParaRPr kumimoji="1" lang="ja-JP" altLang="en-US"/>
+          </a:p>
+        </p:txBody>
+      </p:sp>
+    </p:spTree>
+    <p:extLst>
+      <p:ext uri="{BB962C8B-B14F-4D97-AF65-F5344CB8AC3E}">
+        <p14:creationId xmlns:p14="http://schemas.microsoft.com/office/powerpoint/2010/main" val="3024481356"/>
+      </p:ext>
+    </p:extLst>
+  </p:cSld>
+  <p:clrMapOvr>
+    <a:masterClrMapping/>
+  </p:clrMapOvr>
+</p:notes>
+</file>
+
+<file path=ppt/notesSlides/notesSlide12.xml><?xml version="1.0" encoding="utf-8"?>
+<p:notes xmlns:a="http://schemas.openxmlformats.org/drawingml/2006/main" xmlns:r="http://schemas.openxmlformats.org/officeDocument/2006/relationships" xmlns:p="http://schemas.openxmlformats.org/presentationml/2006/main">
+  <p:cSld>
+    <p:spTree>
+      <p:nvGrpSpPr>
+        <p:cNvPr id="1" name=""/>
+        <p:cNvGrpSpPr/>
+        <p:nvPr/>
+      </p:nvGrpSpPr>
+      <p:grpSpPr>
+        <a:xfrm>
+          <a:off x="0" y="0"/>
+          <a:ext cx="0" cy="0"/>
+          <a:chOff x="0" y="0"/>
+          <a:chExt cx="0" cy="0"/>
+        </a:xfrm>
+      </p:grpSpPr>
+      <p:sp>
+        <p:nvSpPr>
+          <p:cNvPr id="2" name="スライド イメージ プレースホルダー 1"/>
+          <p:cNvSpPr>
+            <a:spLocks noGrp="1" noRot="1" noChangeAspect="1"/>
+          </p:cNvSpPr>
+          <p:nvPr>
+            <p:ph type="sldImg"/>
+          </p:nvPr>
+        </p:nvSpPr>
+        <p:spPr/>
+      </p:sp>
+      <p:sp>
+        <p:nvSpPr>
+          <p:cNvPr id="3" name="ノート プレースホルダー 2"/>
+          <p:cNvSpPr>
+            <a:spLocks noGrp="1"/>
+          </p:cNvSpPr>
+          <p:nvPr>
+            <p:ph type="body" idx="1"/>
+          </p:nvPr>
+        </p:nvSpPr>
+        <p:spPr/>
+        <p:txBody>
+          <a:bodyPr/>
+          <a:lstStyle/>
+          <a:p>
+            <a:endParaRPr kumimoji="1" lang="ja-JP" altLang="en-US" dirty="0"/>
+          </a:p>
+        </p:txBody>
+      </p:sp>
+      <p:sp>
+        <p:nvSpPr>
+          <p:cNvPr id="4" name="スライド番号プレースホルダー 3"/>
+          <p:cNvSpPr>
+            <a:spLocks noGrp="1"/>
+          </p:cNvSpPr>
+          <p:nvPr>
+            <p:ph type="sldNum" sz="quarter" idx="5"/>
+          </p:nvPr>
+        </p:nvSpPr>
+        <p:spPr/>
+        <p:txBody>
+          <a:bodyPr/>
+          <a:lstStyle/>
+          <a:p>
+            <a:fld id="{2F9EBCB4-0A42-4558-9051-AB6B1EB0A39E}" type="slidenum">
+              <a:rPr kumimoji="1" lang="ja-JP" altLang="en-US" smtClean="0"/>
+              <a:t>19</a:t>
+            </a:fld>
+            <a:endParaRPr kumimoji="1" lang="ja-JP" altLang="en-US"/>
+          </a:p>
+        </p:txBody>
+      </p:sp>
+    </p:spTree>
+    <p:extLst>
+      <p:ext uri="{BB962C8B-B14F-4D97-AF65-F5344CB8AC3E}">
+        <p14:creationId xmlns:p14="http://schemas.microsoft.com/office/powerpoint/2010/main" val="1598826668"/>
       </p:ext>
     </p:extLst>
   </p:cSld>
@@ -841,7 +1114,77 @@
           <a:bodyPr/>
           <a:lstStyle/>
           <a:p>
-            <a:endParaRPr kumimoji="1" lang="ja-JP" altLang="en-US" dirty="0"/>
+            <a:r>
+              <a:rPr kumimoji="1" lang="ja-JP" altLang="en-US" dirty="0"/>
+              <a:t>「全体的に」など，</a:t>
+            </a:r>
+            <a:r>
+              <a:rPr kumimoji="1" lang="en-US" altLang="ja-JP" dirty="0"/>
+              <a:t>Python</a:t>
+            </a:r>
+            <a:r>
+              <a:rPr kumimoji="1" lang="ja-JP" altLang="en-US" dirty="0"/>
+              <a:t>は制約が甘いというよりは「ない」　保証される性質が</a:t>
+            </a:r>
+            <a:r>
+              <a:rPr kumimoji="1" lang="en-US" altLang="ja-JP" dirty="0"/>
+              <a:t>Rust</a:t>
+            </a:r>
+            <a:r>
+              <a:rPr kumimoji="1" lang="ja-JP" altLang="en-US" dirty="0"/>
+              <a:t>と比べて甘い</a:t>
+            </a:r>
+            <a:endParaRPr kumimoji="1" lang="en-US" altLang="ja-JP" dirty="0"/>
+          </a:p>
+          <a:p>
+            <a:endParaRPr kumimoji="1" lang="en-US" altLang="ja-JP" dirty="0"/>
+          </a:p>
+          <a:p>
+            <a:r>
+              <a:rPr kumimoji="1" lang="en-US" altLang="ja-JP" dirty="0"/>
+              <a:t>3</a:t>
+            </a:r>
+            <a:r>
+              <a:rPr kumimoji="1" lang="ja-JP" altLang="en-US" dirty="0"/>
+              <a:t>段落目は言い過ぎ（まだまだかけ離れている）（最後の今後の展望に付け加える程度）</a:t>
+            </a:r>
+            <a:endParaRPr kumimoji="1" lang="en-US" altLang="ja-JP" dirty="0"/>
+          </a:p>
+          <a:p>
+            <a:endParaRPr kumimoji="1" lang="en-US" altLang="ja-JP" dirty="0"/>
+          </a:p>
+          <a:p>
+            <a:r>
+              <a:rPr kumimoji="1" lang="ja-JP" altLang="en-US" dirty="0"/>
+              <a:t>単純に 「</a:t>
+            </a:r>
+            <a:r>
+              <a:rPr kumimoji="1" lang="en-US" altLang="ja-JP" dirty="0"/>
+              <a:t>Rust </a:t>
+            </a:r>
+            <a:r>
+              <a:rPr kumimoji="1" lang="ja-JP" altLang="en-US" dirty="0"/>
+              <a:t>と </a:t>
+            </a:r>
+            <a:r>
+              <a:rPr kumimoji="1" lang="en-US" altLang="ja-JP" dirty="0"/>
+              <a:t>Python </a:t>
+            </a:r>
+            <a:r>
+              <a:rPr kumimoji="1" lang="ja-JP" altLang="en-US" dirty="0"/>
+              <a:t>のメモリ管理の方法が大きく異なるので比較してみようと思った」で</a:t>
+            </a:r>
+            <a:r>
+              <a:rPr kumimoji="1" lang="en-US" altLang="ja-JP" dirty="0"/>
+              <a:t>OK</a:t>
+            </a:r>
+          </a:p>
+          <a:p>
+            <a:r>
+              <a:rPr kumimoji="1" lang="ja-JP" altLang="en-US" dirty="0"/>
+              <a:t>あわよくば．．．くらい</a:t>
+            </a:r>
+            <a:endParaRPr kumimoji="1" lang="en-US" altLang="ja-JP" dirty="0"/>
           </a:p>
         </p:txBody>
       </p:sp>
@@ -862,7 +1205,7 @@
           <a:p>
             <a:fld id="{2F9EBCB4-0A42-4558-9051-AB6B1EB0A39E}" type="slidenum">
               <a:rPr kumimoji="1" lang="ja-JP" altLang="en-US" smtClean="0"/>
-              <a:t>18</a:t>
+              <a:t>3</a:t>
             </a:fld>
             <a:endParaRPr kumimoji="1" lang="ja-JP" altLang="en-US"/>
           </a:p>
@@ -871,7 +1214,825 @@
     </p:spTree>
     <p:extLst>
       <p:ext uri="{BB962C8B-B14F-4D97-AF65-F5344CB8AC3E}">
-        <p14:creationId xmlns:p14="http://schemas.microsoft.com/office/powerpoint/2010/main" val="3024481356"/>
+        <p14:creationId xmlns:p14="http://schemas.microsoft.com/office/powerpoint/2010/main" val="677955432"/>
+      </p:ext>
+    </p:extLst>
+  </p:cSld>
+  <p:clrMapOvr>
+    <a:masterClrMapping/>
+  </p:clrMapOvr>
+</p:notes>
+</file>
+
+<file path=ppt/notesSlides/notesSlide3.xml><?xml version="1.0" encoding="utf-8"?>
+<p:notes xmlns:a="http://schemas.openxmlformats.org/drawingml/2006/main" xmlns:r="http://schemas.openxmlformats.org/officeDocument/2006/relationships" xmlns:p="http://schemas.openxmlformats.org/presentationml/2006/main">
+  <p:cSld>
+    <p:spTree>
+      <p:nvGrpSpPr>
+        <p:cNvPr id="1" name=""/>
+        <p:cNvGrpSpPr/>
+        <p:nvPr/>
+      </p:nvGrpSpPr>
+      <p:grpSpPr>
+        <a:xfrm>
+          <a:off x="0" y="0"/>
+          <a:ext cx="0" cy="0"/>
+          <a:chOff x="0" y="0"/>
+          <a:chExt cx="0" cy="0"/>
+        </a:xfrm>
+      </p:grpSpPr>
+      <p:sp>
+        <p:nvSpPr>
+          <p:cNvPr id="2" name="スライド イメージ プレースホルダー 1"/>
+          <p:cNvSpPr>
+            <a:spLocks noGrp="1" noRot="1" noChangeAspect="1"/>
+          </p:cNvSpPr>
+          <p:nvPr>
+            <p:ph type="sldImg"/>
+          </p:nvPr>
+        </p:nvSpPr>
+        <p:spPr/>
+      </p:sp>
+      <p:sp>
+        <p:nvSpPr>
+          <p:cNvPr id="3" name="ノート プレースホルダー 2"/>
+          <p:cNvSpPr>
+            <a:spLocks noGrp="1"/>
+          </p:cNvSpPr>
+          <p:nvPr>
+            <p:ph type="body" idx="1"/>
+          </p:nvPr>
+        </p:nvSpPr>
+        <p:spPr/>
+        <p:txBody>
+          <a:bodyPr/>
+          <a:lstStyle/>
+          <a:p>
+            <a:endParaRPr kumimoji="1" lang="ja-JP" altLang="en-US" dirty="0"/>
+          </a:p>
+        </p:txBody>
+      </p:sp>
+      <p:sp>
+        <p:nvSpPr>
+          <p:cNvPr id="4" name="スライド番号プレースホルダー 3"/>
+          <p:cNvSpPr>
+            <a:spLocks noGrp="1"/>
+          </p:cNvSpPr>
+          <p:nvPr>
+            <p:ph type="sldNum" sz="quarter" idx="5"/>
+          </p:nvPr>
+        </p:nvSpPr>
+        <p:spPr/>
+        <p:txBody>
+          <a:bodyPr/>
+          <a:lstStyle/>
+          <a:p>
+            <a:fld id="{2F9EBCB4-0A42-4558-9051-AB6B1EB0A39E}" type="slidenum">
+              <a:rPr kumimoji="1" lang="ja-JP" altLang="en-US" smtClean="0"/>
+              <a:t>4</a:t>
+            </a:fld>
+            <a:endParaRPr kumimoji="1" lang="ja-JP" altLang="en-US"/>
+          </a:p>
+        </p:txBody>
+      </p:sp>
+    </p:spTree>
+    <p:extLst>
+      <p:ext uri="{BB962C8B-B14F-4D97-AF65-F5344CB8AC3E}">
+        <p14:creationId xmlns:p14="http://schemas.microsoft.com/office/powerpoint/2010/main" val="3983081253"/>
+      </p:ext>
+    </p:extLst>
+  </p:cSld>
+  <p:clrMapOvr>
+    <a:masterClrMapping/>
+  </p:clrMapOvr>
+</p:notes>
+</file>
+
+<file path=ppt/notesSlides/notesSlide4.xml><?xml version="1.0" encoding="utf-8"?>
+<p:notes xmlns:a="http://schemas.openxmlformats.org/drawingml/2006/main" xmlns:r="http://schemas.openxmlformats.org/officeDocument/2006/relationships" xmlns:p="http://schemas.openxmlformats.org/presentationml/2006/main">
+  <p:cSld>
+    <p:spTree>
+      <p:nvGrpSpPr>
+        <p:cNvPr id="1" name=""/>
+        <p:cNvGrpSpPr/>
+        <p:nvPr/>
+      </p:nvGrpSpPr>
+      <p:grpSpPr>
+        <a:xfrm>
+          <a:off x="0" y="0"/>
+          <a:ext cx="0" cy="0"/>
+          <a:chOff x="0" y="0"/>
+          <a:chExt cx="0" cy="0"/>
+        </a:xfrm>
+      </p:grpSpPr>
+      <p:sp>
+        <p:nvSpPr>
+          <p:cNvPr id="2" name="スライド イメージ プレースホルダー 1"/>
+          <p:cNvSpPr>
+            <a:spLocks noGrp="1" noRot="1" noChangeAspect="1"/>
+          </p:cNvSpPr>
+          <p:nvPr>
+            <p:ph type="sldImg"/>
+          </p:nvPr>
+        </p:nvSpPr>
+        <p:spPr/>
+      </p:sp>
+      <p:sp>
+        <p:nvSpPr>
+          <p:cNvPr id="3" name="ノート プレースホルダー 2"/>
+          <p:cNvSpPr>
+            <a:spLocks noGrp="1"/>
+          </p:cNvSpPr>
+          <p:nvPr>
+            <p:ph type="body" idx="1"/>
+          </p:nvPr>
+        </p:nvSpPr>
+        <p:spPr/>
+        <p:txBody>
+          <a:bodyPr/>
+          <a:lstStyle/>
+          <a:p>
+            <a:r>
+              <a:rPr kumimoji="1" lang="ja-JP" altLang="en-US" dirty="0"/>
+              <a:t>そもそも</a:t>
+            </a:r>
+            <a:r>
+              <a:rPr kumimoji="1" lang="en-US" altLang="ja-JP" dirty="0"/>
+              <a:t>Rust</a:t>
+            </a:r>
+            <a:r>
+              <a:rPr kumimoji="1" lang="ja-JP" altLang="en-US" dirty="0"/>
+              <a:t>のオーナーシップの復習</a:t>
+            </a:r>
+            <a:endParaRPr kumimoji="1" lang="en-US" altLang="ja-JP" dirty="0"/>
+          </a:p>
+          <a:p>
+            <a:endParaRPr kumimoji="1" lang="en-US" altLang="ja-JP" dirty="0"/>
+          </a:p>
+          <a:p>
+            <a:r>
+              <a:rPr kumimoji="1" lang="en-US" altLang="ja-JP" dirty="0"/>
+              <a:t>del </a:t>
+            </a:r>
+            <a:r>
+              <a:rPr kumimoji="1" lang="ja-JP" altLang="en-US" dirty="0"/>
+              <a:t>なしでとりあえず直訳　ー＞ </a:t>
+            </a:r>
+            <a:endParaRPr kumimoji="1" lang="en-US" altLang="ja-JP" dirty="0"/>
+          </a:p>
+          <a:p>
+            <a:endParaRPr kumimoji="1" lang="en-US" altLang="ja-JP" dirty="0"/>
+          </a:p>
+          <a:p>
+            <a:r>
+              <a:rPr kumimoji="1" lang="ja-JP" altLang="en-US" dirty="0"/>
+              <a:t>この例では</a:t>
+            </a:r>
+            <a:endParaRPr kumimoji="1" lang="en-US" altLang="ja-JP" dirty="0"/>
+          </a:p>
+          <a:p>
+            <a:r>
+              <a:rPr kumimoji="1" lang="ja-JP" altLang="en-US" dirty="0"/>
+              <a:t>一般的になっていない</a:t>
+            </a:r>
+            <a:endParaRPr kumimoji="1" lang="en-US" altLang="ja-JP" dirty="0"/>
+          </a:p>
+          <a:p>
+            <a:r>
+              <a:rPr kumimoji="1" lang="ja-JP" altLang="en-US" dirty="0"/>
+              <a:t>変数が配列の要素　などを指している場合，などは</a:t>
+            </a:r>
+            <a:endParaRPr kumimoji="1" lang="en-US" altLang="ja-JP" dirty="0"/>
+          </a:p>
+          <a:p>
+            <a:r>
+              <a:rPr kumimoji="1" lang="ja-JP" altLang="en-US" dirty="0"/>
+              <a:t>関数呼び出しー＞関数に値渡しー＞所有権は移動するが</a:t>
+            </a:r>
+          </a:p>
+        </p:txBody>
+      </p:sp>
+      <p:sp>
+        <p:nvSpPr>
+          <p:cNvPr id="4" name="スライド番号プレースホルダー 3"/>
+          <p:cNvSpPr>
+            <a:spLocks noGrp="1"/>
+          </p:cNvSpPr>
+          <p:nvPr>
+            <p:ph type="sldNum" sz="quarter" idx="5"/>
+          </p:nvPr>
+        </p:nvSpPr>
+        <p:spPr/>
+        <p:txBody>
+          <a:bodyPr/>
+          <a:lstStyle/>
+          <a:p>
+            <a:fld id="{2F9EBCB4-0A42-4558-9051-AB6B1EB0A39E}" type="slidenum">
+              <a:rPr kumimoji="1" lang="ja-JP" altLang="en-US" smtClean="0"/>
+              <a:t>5</a:t>
+            </a:fld>
+            <a:endParaRPr kumimoji="1" lang="ja-JP" altLang="en-US"/>
+          </a:p>
+        </p:txBody>
+      </p:sp>
+    </p:spTree>
+    <p:extLst>
+      <p:ext uri="{BB962C8B-B14F-4D97-AF65-F5344CB8AC3E}">
+        <p14:creationId xmlns:p14="http://schemas.microsoft.com/office/powerpoint/2010/main" val="2019438642"/>
+      </p:ext>
+    </p:extLst>
+  </p:cSld>
+  <p:clrMapOvr>
+    <a:masterClrMapping/>
+  </p:clrMapOvr>
+</p:notes>
+</file>
+
+<file path=ppt/notesSlides/notesSlide5.xml><?xml version="1.0" encoding="utf-8"?>
+<p:notes xmlns:a="http://schemas.openxmlformats.org/drawingml/2006/main" xmlns:r="http://schemas.openxmlformats.org/officeDocument/2006/relationships" xmlns:p="http://schemas.openxmlformats.org/presentationml/2006/main">
+  <p:cSld>
+    <p:spTree>
+      <p:nvGrpSpPr>
+        <p:cNvPr id="1" name=""/>
+        <p:cNvGrpSpPr/>
+        <p:nvPr/>
+      </p:nvGrpSpPr>
+      <p:grpSpPr>
+        <a:xfrm>
+          <a:off x="0" y="0"/>
+          <a:ext cx="0" cy="0"/>
+          <a:chOff x="0" y="0"/>
+          <a:chExt cx="0" cy="0"/>
+        </a:xfrm>
+      </p:grpSpPr>
+      <p:sp>
+        <p:nvSpPr>
+          <p:cNvPr id="2" name="スライド イメージ プレースホルダー 1"/>
+          <p:cNvSpPr>
+            <a:spLocks noGrp="1" noRot="1" noChangeAspect="1"/>
+          </p:cNvSpPr>
+          <p:nvPr>
+            <p:ph type="sldImg"/>
+          </p:nvPr>
+        </p:nvSpPr>
+        <p:spPr/>
+      </p:sp>
+      <p:sp>
+        <p:nvSpPr>
+          <p:cNvPr id="3" name="ノート プレースホルダー 2"/>
+          <p:cNvSpPr>
+            <a:spLocks noGrp="1"/>
+          </p:cNvSpPr>
+          <p:nvPr>
+            <p:ph type="body" idx="1"/>
+          </p:nvPr>
+        </p:nvSpPr>
+        <p:spPr/>
+        <p:txBody>
+          <a:bodyPr/>
+          <a:lstStyle/>
+          <a:p>
+            <a:r>
+              <a:rPr kumimoji="1" lang="en-US" altLang="ja-JP" dirty="0"/>
+              <a:t>let s2 = String::</a:t>
+            </a:r>
+          </a:p>
+          <a:p>
+            <a:endParaRPr kumimoji="1" lang="en-US" altLang="ja-JP" dirty="0"/>
+          </a:p>
+          <a:p>
+            <a:r>
+              <a:rPr kumimoji="1" lang="ja-JP" altLang="en-US" dirty="0"/>
+              <a:t>にして，</a:t>
+            </a:r>
+            <a:endParaRPr kumimoji="1" lang="en-US" altLang="ja-JP" dirty="0"/>
+          </a:p>
+          <a:p>
+            <a:endParaRPr kumimoji="1" lang="en-US" altLang="ja-JP" dirty="0"/>
+          </a:p>
+          <a:p>
+            <a:r>
+              <a:rPr kumimoji="1" lang="en-US" altLang="ja-JP" dirty="0"/>
+              <a:t>let s21 = &amp;s2</a:t>
+            </a:r>
+          </a:p>
+          <a:p>
+            <a:endParaRPr kumimoji="1" lang="en-US" altLang="ja-JP" dirty="0"/>
+          </a:p>
+          <a:p>
+            <a:r>
+              <a:rPr kumimoji="1" lang="ja-JP" altLang="en-US" dirty="0"/>
+              <a:t>にしてみたら？</a:t>
+            </a:r>
+            <a:r>
+              <a:rPr kumimoji="1" lang="en-US" altLang="ja-JP" dirty="0"/>
+              <a:t> </a:t>
+            </a:r>
+          </a:p>
+          <a:p>
+            <a:endParaRPr kumimoji="1" lang="en-US" altLang="ja-JP" dirty="0"/>
+          </a:p>
+          <a:p>
+            <a:r>
+              <a:rPr kumimoji="1" lang="ja-JP" altLang="en-US" dirty="0"/>
+              <a:t>あくまで定数文字列の話．なのでこのスライドは後回し</a:t>
+            </a:r>
+          </a:p>
+        </p:txBody>
+      </p:sp>
+      <p:sp>
+        <p:nvSpPr>
+          <p:cNvPr id="4" name="スライド番号プレースホルダー 3"/>
+          <p:cNvSpPr>
+            <a:spLocks noGrp="1"/>
+          </p:cNvSpPr>
+          <p:nvPr>
+            <p:ph type="sldNum" sz="quarter" idx="5"/>
+          </p:nvPr>
+        </p:nvSpPr>
+        <p:spPr/>
+        <p:txBody>
+          <a:bodyPr/>
+          <a:lstStyle/>
+          <a:p>
+            <a:fld id="{2F9EBCB4-0A42-4558-9051-AB6B1EB0A39E}" type="slidenum">
+              <a:rPr kumimoji="1" lang="ja-JP" altLang="en-US" smtClean="0"/>
+              <a:t>7</a:t>
+            </a:fld>
+            <a:endParaRPr kumimoji="1" lang="ja-JP" altLang="en-US"/>
+          </a:p>
+        </p:txBody>
+      </p:sp>
+    </p:spTree>
+    <p:extLst>
+      <p:ext uri="{BB962C8B-B14F-4D97-AF65-F5344CB8AC3E}">
+        <p14:creationId xmlns:p14="http://schemas.microsoft.com/office/powerpoint/2010/main" val="3432289481"/>
+      </p:ext>
+    </p:extLst>
+  </p:cSld>
+  <p:clrMapOvr>
+    <a:masterClrMapping/>
+  </p:clrMapOvr>
+</p:notes>
+</file>
+
+<file path=ppt/notesSlides/notesSlide6.xml><?xml version="1.0" encoding="utf-8"?>
+<p:notes xmlns:a="http://schemas.openxmlformats.org/drawingml/2006/main" xmlns:r="http://schemas.openxmlformats.org/officeDocument/2006/relationships" xmlns:p="http://schemas.openxmlformats.org/presentationml/2006/main">
+  <p:cSld>
+    <p:spTree>
+      <p:nvGrpSpPr>
+        <p:cNvPr id="1" name=""/>
+        <p:cNvGrpSpPr/>
+        <p:nvPr/>
+      </p:nvGrpSpPr>
+      <p:grpSpPr>
+        <a:xfrm>
+          <a:off x="0" y="0"/>
+          <a:ext cx="0" cy="0"/>
+          <a:chOff x="0" y="0"/>
+          <a:chExt cx="0" cy="0"/>
+        </a:xfrm>
+      </p:grpSpPr>
+      <p:sp>
+        <p:nvSpPr>
+          <p:cNvPr id="2" name="スライド イメージ プレースホルダー 1"/>
+          <p:cNvSpPr>
+            <a:spLocks noGrp="1" noRot="1" noChangeAspect="1"/>
+          </p:cNvSpPr>
+          <p:nvPr>
+            <p:ph type="sldImg"/>
+          </p:nvPr>
+        </p:nvSpPr>
+        <p:spPr/>
+      </p:sp>
+      <p:sp>
+        <p:nvSpPr>
+          <p:cNvPr id="3" name="ノート プレースホルダー 2"/>
+          <p:cNvSpPr>
+            <a:spLocks noGrp="1"/>
+          </p:cNvSpPr>
+          <p:nvPr>
+            <p:ph type="body" idx="1"/>
+          </p:nvPr>
+        </p:nvSpPr>
+        <p:spPr/>
+        <p:txBody>
+          <a:bodyPr/>
+          <a:lstStyle/>
+          <a:p>
+            <a:r>
+              <a:rPr kumimoji="1" lang="ja-JP" altLang="en-US" dirty="0"/>
+              <a:t>たんに</a:t>
+            </a:r>
+            <a:r>
+              <a:rPr kumimoji="1" lang="en-US" altLang="ja-JP" dirty="0" err="1"/>
+              <a:t>vec</a:t>
+            </a:r>
+            <a:r>
+              <a:rPr kumimoji="1" lang="ja-JP" altLang="en-US" dirty="0"/>
+              <a:t>のなかは</a:t>
+            </a:r>
+            <a:r>
+              <a:rPr kumimoji="1" lang="en-US" altLang="ja-JP" dirty="0"/>
+              <a:t>int </a:t>
+            </a:r>
+            <a:r>
+              <a:rPr kumimoji="1" lang="ja-JP" altLang="en-US" dirty="0"/>
+              <a:t>にしたほうがわかりやすい</a:t>
+            </a:r>
+            <a:endParaRPr kumimoji="1" lang="en-US" altLang="ja-JP" dirty="0"/>
+          </a:p>
+          <a:p>
+            <a:r>
+              <a:rPr kumimoji="1" lang="en-US" altLang="ja-JP" dirty="0"/>
+              <a:t>Rust</a:t>
+            </a:r>
+            <a:r>
+              <a:rPr kumimoji="1" lang="ja-JP" altLang="en-US" dirty="0"/>
+              <a:t>の</a:t>
+            </a:r>
+            <a:r>
+              <a:rPr kumimoji="1" lang="en-US" altLang="ja-JP" dirty="0"/>
+              <a:t>6</a:t>
+            </a:r>
+            <a:r>
+              <a:rPr kumimoji="1" lang="ja-JP" altLang="en-US" dirty="0"/>
+              <a:t>行目で</a:t>
+            </a:r>
+            <a:r>
+              <a:rPr kumimoji="1" lang="en-US" altLang="ja-JP" dirty="0"/>
+              <a:t>s2</a:t>
+            </a:r>
+            <a:r>
+              <a:rPr kumimoji="1" lang="ja-JP" altLang="en-US" dirty="0"/>
+              <a:t>の</a:t>
+            </a:r>
+            <a:r>
+              <a:rPr kumimoji="1" lang="en-US" altLang="ja-JP" dirty="0"/>
+              <a:t>ownership</a:t>
+            </a:r>
+            <a:r>
+              <a:rPr kumimoji="1" lang="ja-JP" altLang="en-US" dirty="0"/>
+              <a:t>が返却されているので，</a:t>
+            </a:r>
+            <a:r>
+              <a:rPr kumimoji="1" lang="en-US" altLang="ja-JP" dirty="0"/>
+              <a:t>6</a:t>
+            </a:r>
+            <a:r>
+              <a:rPr kumimoji="1" lang="ja-JP" altLang="en-US" dirty="0"/>
+              <a:t>行目の</a:t>
+            </a:r>
+            <a:r>
+              <a:rPr kumimoji="1" lang="en-US" altLang="ja-JP" dirty="0"/>
+              <a:t>s2</a:t>
+            </a:r>
+            <a:r>
+              <a:rPr kumimoji="1" lang="ja-JP" altLang="en-US" dirty="0"/>
+              <a:t>も</a:t>
+            </a:r>
+            <a:r>
+              <a:rPr kumimoji="1" lang="en-US" altLang="ja-JP" dirty="0"/>
+              <a:t>del</a:t>
+            </a:r>
+            <a:r>
+              <a:rPr kumimoji="1" lang="ja-JP" altLang="en-US" dirty="0"/>
+              <a:t>すべき．</a:t>
+            </a:r>
+            <a:endParaRPr kumimoji="1" lang="en-US" altLang="ja-JP" dirty="0"/>
+          </a:p>
+          <a:p>
+            <a:endParaRPr kumimoji="1" lang="ja-JP" altLang="en-US" dirty="0"/>
+          </a:p>
+        </p:txBody>
+      </p:sp>
+      <p:sp>
+        <p:nvSpPr>
+          <p:cNvPr id="4" name="スライド番号プレースホルダー 3"/>
+          <p:cNvSpPr>
+            <a:spLocks noGrp="1"/>
+          </p:cNvSpPr>
+          <p:nvPr>
+            <p:ph type="sldNum" sz="quarter" idx="5"/>
+          </p:nvPr>
+        </p:nvSpPr>
+        <p:spPr/>
+        <p:txBody>
+          <a:bodyPr/>
+          <a:lstStyle/>
+          <a:p>
+            <a:fld id="{2F9EBCB4-0A42-4558-9051-AB6B1EB0A39E}" type="slidenum">
+              <a:rPr kumimoji="1" lang="ja-JP" altLang="en-US" smtClean="0"/>
+              <a:t>8</a:t>
+            </a:fld>
+            <a:endParaRPr kumimoji="1" lang="ja-JP" altLang="en-US"/>
+          </a:p>
+        </p:txBody>
+      </p:sp>
+    </p:spTree>
+    <p:extLst>
+      <p:ext uri="{BB962C8B-B14F-4D97-AF65-F5344CB8AC3E}">
+        <p14:creationId xmlns:p14="http://schemas.microsoft.com/office/powerpoint/2010/main" val="110013344"/>
+      </p:ext>
+    </p:extLst>
+  </p:cSld>
+  <p:clrMapOvr>
+    <a:masterClrMapping/>
+  </p:clrMapOvr>
+</p:notes>
+</file>
+
+<file path=ppt/notesSlides/notesSlide7.xml><?xml version="1.0" encoding="utf-8"?>
+<p:notes xmlns:a="http://schemas.openxmlformats.org/drawingml/2006/main" xmlns:r="http://schemas.openxmlformats.org/officeDocument/2006/relationships" xmlns:p="http://schemas.openxmlformats.org/presentationml/2006/main">
+  <p:cSld>
+    <p:spTree>
+      <p:nvGrpSpPr>
+        <p:cNvPr id="1" name=""/>
+        <p:cNvGrpSpPr/>
+        <p:nvPr/>
+      </p:nvGrpSpPr>
+      <p:grpSpPr>
+        <a:xfrm>
+          <a:off x="0" y="0"/>
+          <a:ext cx="0" cy="0"/>
+          <a:chOff x="0" y="0"/>
+          <a:chExt cx="0" cy="0"/>
+        </a:xfrm>
+      </p:grpSpPr>
+      <p:sp>
+        <p:nvSpPr>
+          <p:cNvPr id="2" name="スライド イメージ プレースホルダー 1"/>
+          <p:cNvSpPr>
+            <a:spLocks noGrp="1" noRot="1" noChangeAspect="1"/>
+          </p:cNvSpPr>
+          <p:nvPr>
+            <p:ph type="sldImg"/>
+          </p:nvPr>
+        </p:nvSpPr>
+        <p:spPr/>
+      </p:sp>
+      <p:sp>
+        <p:nvSpPr>
+          <p:cNvPr id="3" name="ノート プレースホルダー 2"/>
+          <p:cNvSpPr>
+            <a:spLocks noGrp="1"/>
+          </p:cNvSpPr>
+          <p:nvPr>
+            <p:ph type="body" idx="1"/>
+          </p:nvPr>
+        </p:nvSpPr>
+        <p:spPr/>
+        <p:txBody>
+          <a:bodyPr/>
+          <a:lstStyle/>
+          <a:p>
+            <a:r>
+              <a:rPr kumimoji="1" lang="en-US" altLang="ja-JP" dirty="0"/>
+              <a:t>string </a:t>
+            </a:r>
+            <a:r>
+              <a:rPr kumimoji="1" lang="ja-JP" altLang="en-US" dirty="0"/>
+              <a:t>はミュータブルでないというのはメモリ管理の話とはそれるのでやめたほうがいいかも</a:t>
+            </a:r>
+            <a:endParaRPr kumimoji="1" lang="en-US" altLang="ja-JP" dirty="0"/>
+          </a:p>
+          <a:p>
+            <a:endParaRPr kumimoji="1" lang="en-US" altLang="ja-JP" dirty="0"/>
+          </a:p>
+          <a:p>
+            <a:r>
+              <a:rPr kumimoji="1" lang="en-US" altLang="ja-JP" dirty="0"/>
+              <a:t>String</a:t>
+            </a:r>
+            <a:r>
+              <a:rPr kumimoji="1" lang="ja-JP" altLang="en-US" dirty="0"/>
+              <a:t>は付随的な話として参考程度に．</a:t>
+            </a:r>
+          </a:p>
+        </p:txBody>
+      </p:sp>
+      <p:sp>
+        <p:nvSpPr>
+          <p:cNvPr id="4" name="スライド番号プレースホルダー 3"/>
+          <p:cNvSpPr>
+            <a:spLocks noGrp="1"/>
+          </p:cNvSpPr>
+          <p:nvPr>
+            <p:ph type="sldNum" sz="quarter" idx="5"/>
+          </p:nvPr>
+        </p:nvSpPr>
+        <p:spPr/>
+        <p:txBody>
+          <a:bodyPr/>
+          <a:lstStyle/>
+          <a:p>
+            <a:fld id="{2F9EBCB4-0A42-4558-9051-AB6B1EB0A39E}" type="slidenum">
+              <a:rPr kumimoji="1" lang="ja-JP" altLang="en-US" smtClean="0"/>
+              <a:t>9</a:t>
+            </a:fld>
+            <a:endParaRPr kumimoji="1" lang="ja-JP" altLang="en-US"/>
+          </a:p>
+        </p:txBody>
+      </p:sp>
+    </p:spTree>
+    <p:extLst>
+      <p:ext uri="{BB962C8B-B14F-4D97-AF65-F5344CB8AC3E}">
+        <p14:creationId xmlns:p14="http://schemas.microsoft.com/office/powerpoint/2010/main" val="2938776293"/>
+      </p:ext>
+    </p:extLst>
+  </p:cSld>
+  <p:clrMapOvr>
+    <a:masterClrMapping/>
+  </p:clrMapOvr>
+</p:notes>
+</file>
+
+<file path=ppt/notesSlides/notesSlide8.xml><?xml version="1.0" encoding="utf-8"?>
+<p:notes xmlns:a="http://schemas.openxmlformats.org/drawingml/2006/main" xmlns:r="http://schemas.openxmlformats.org/officeDocument/2006/relationships" xmlns:p="http://schemas.openxmlformats.org/presentationml/2006/main">
+  <p:cSld>
+    <p:spTree>
+      <p:nvGrpSpPr>
+        <p:cNvPr id="1" name=""/>
+        <p:cNvGrpSpPr/>
+        <p:nvPr/>
+      </p:nvGrpSpPr>
+      <p:grpSpPr>
+        <a:xfrm>
+          <a:off x="0" y="0"/>
+          <a:ext cx="0" cy="0"/>
+          <a:chOff x="0" y="0"/>
+          <a:chExt cx="0" cy="0"/>
+        </a:xfrm>
+      </p:grpSpPr>
+      <p:sp>
+        <p:nvSpPr>
+          <p:cNvPr id="2" name="スライド イメージ プレースホルダー 1"/>
+          <p:cNvSpPr>
+            <a:spLocks noGrp="1" noRot="1" noChangeAspect="1"/>
+          </p:cNvSpPr>
+          <p:nvPr>
+            <p:ph type="sldImg"/>
+          </p:nvPr>
+        </p:nvSpPr>
+        <p:spPr/>
+      </p:sp>
+      <p:sp>
+        <p:nvSpPr>
+          <p:cNvPr id="3" name="ノート プレースホルダー 2"/>
+          <p:cNvSpPr>
+            <a:spLocks noGrp="1"/>
+          </p:cNvSpPr>
+          <p:nvPr>
+            <p:ph type="body" idx="1"/>
+          </p:nvPr>
+        </p:nvSpPr>
+        <p:spPr/>
+        <p:txBody>
+          <a:bodyPr/>
+          <a:lstStyle/>
+          <a:p>
+            <a:r>
+              <a:rPr kumimoji="1" lang="en-US" altLang="ja-JP" dirty="0" err="1"/>
+              <a:t>push_str</a:t>
+            </a:r>
+            <a:r>
+              <a:rPr kumimoji="1" lang="ja-JP" altLang="en-US" dirty="0"/>
+              <a:t>と</a:t>
+            </a:r>
+            <a:r>
+              <a:rPr kumimoji="1" lang="en-US" altLang="ja-JP" dirty="0"/>
+              <a:t>+=</a:t>
+            </a:r>
+            <a:r>
+              <a:rPr kumimoji="1" lang="ja-JP" altLang="en-US" dirty="0"/>
+              <a:t>の時点で異なるので，両方で書き換えられる</a:t>
+            </a:r>
+            <a:r>
+              <a:rPr kumimoji="1" lang="en-US" altLang="ja-JP" dirty="0" err="1"/>
+              <a:t>vec</a:t>
+            </a:r>
+            <a:r>
+              <a:rPr kumimoji="1" lang="en-US" altLang="ja-JP" dirty="0"/>
+              <a:t> [int]</a:t>
+            </a:r>
+            <a:r>
+              <a:rPr kumimoji="1" lang="ja-JP" altLang="en-US" dirty="0"/>
+              <a:t>などに変えたほうがいいかも</a:t>
+            </a:r>
+          </a:p>
+        </p:txBody>
+      </p:sp>
+      <p:sp>
+        <p:nvSpPr>
+          <p:cNvPr id="4" name="スライド番号プレースホルダー 3"/>
+          <p:cNvSpPr>
+            <a:spLocks noGrp="1"/>
+          </p:cNvSpPr>
+          <p:nvPr>
+            <p:ph type="sldNum" sz="quarter" idx="5"/>
+          </p:nvPr>
+        </p:nvSpPr>
+        <p:spPr/>
+        <p:txBody>
+          <a:bodyPr/>
+          <a:lstStyle/>
+          <a:p>
+            <a:fld id="{2F9EBCB4-0A42-4558-9051-AB6B1EB0A39E}" type="slidenum">
+              <a:rPr kumimoji="1" lang="ja-JP" altLang="en-US" smtClean="0"/>
+              <a:t>10</a:t>
+            </a:fld>
+            <a:endParaRPr kumimoji="1" lang="ja-JP" altLang="en-US"/>
+          </a:p>
+        </p:txBody>
+      </p:sp>
+    </p:spTree>
+    <p:extLst>
+      <p:ext uri="{BB962C8B-B14F-4D97-AF65-F5344CB8AC3E}">
+        <p14:creationId xmlns:p14="http://schemas.microsoft.com/office/powerpoint/2010/main" val="682528399"/>
+      </p:ext>
+    </p:extLst>
+  </p:cSld>
+  <p:clrMapOvr>
+    <a:masterClrMapping/>
+  </p:clrMapOvr>
+</p:notes>
+</file>
+
+<file path=ppt/notesSlides/notesSlide9.xml><?xml version="1.0" encoding="utf-8"?>
+<p:notes xmlns:a="http://schemas.openxmlformats.org/drawingml/2006/main" xmlns:r="http://schemas.openxmlformats.org/officeDocument/2006/relationships" xmlns:p="http://schemas.openxmlformats.org/presentationml/2006/main">
+  <p:cSld>
+    <p:spTree>
+      <p:nvGrpSpPr>
+        <p:cNvPr id="1" name=""/>
+        <p:cNvGrpSpPr/>
+        <p:nvPr/>
+      </p:nvGrpSpPr>
+      <p:grpSpPr>
+        <a:xfrm>
+          <a:off x="0" y="0"/>
+          <a:ext cx="0" cy="0"/>
+          <a:chOff x="0" y="0"/>
+          <a:chExt cx="0" cy="0"/>
+        </a:xfrm>
+      </p:grpSpPr>
+      <p:sp>
+        <p:nvSpPr>
+          <p:cNvPr id="2" name="スライド イメージ プレースホルダー 1"/>
+          <p:cNvSpPr>
+            <a:spLocks noGrp="1" noRot="1" noChangeAspect="1"/>
+          </p:cNvSpPr>
+          <p:nvPr>
+            <p:ph type="sldImg"/>
+          </p:nvPr>
+        </p:nvSpPr>
+        <p:spPr/>
+      </p:sp>
+      <p:sp>
+        <p:nvSpPr>
+          <p:cNvPr id="3" name="ノート プレースホルダー 2"/>
+          <p:cNvSpPr>
+            <a:spLocks noGrp="1"/>
+          </p:cNvSpPr>
+          <p:nvPr>
+            <p:ph type="body" idx="1"/>
+          </p:nvPr>
+        </p:nvSpPr>
+        <p:spPr/>
+        <p:txBody>
+          <a:bodyPr/>
+          <a:lstStyle/>
+          <a:p>
+            <a:endParaRPr kumimoji="1" lang="ja-JP" altLang="en-US" dirty="0"/>
+          </a:p>
+        </p:txBody>
+      </p:sp>
+      <p:sp>
+        <p:nvSpPr>
+          <p:cNvPr id="4" name="スライド番号プレースホルダー 3"/>
+          <p:cNvSpPr>
+            <a:spLocks noGrp="1"/>
+          </p:cNvSpPr>
+          <p:nvPr>
+            <p:ph type="sldNum" sz="quarter" idx="5"/>
+          </p:nvPr>
+        </p:nvSpPr>
+        <p:spPr/>
+        <p:txBody>
+          <a:bodyPr/>
+          <a:lstStyle/>
+          <a:p>
+            <a:fld id="{2F9EBCB4-0A42-4558-9051-AB6B1EB0A39E}" type="slidenum">
+              <a:rPr kumimoji="1" lang="ja-JP" altLang="en-US" smtClean="0"/>
+              <a:t>11</a:t>
+            </a:fld>
+            <a:endParaRPr kumimoji="1" lang="ja-JP" altLang="en-US"/>
+          </a:p>
+        </p:txBody>
+      </p:sp>
+    </p:spTree>
+    <p:extLst>
+      <p:ext uri="{BB962C8B-B14F-4D97-AF65-F5344CB8AC3E}">
+        <p14:creationId xmlns:p14="http://schemas.microsoft.com/office/powerpoint/2010/main" val="3883255537"/>
       </p:ext>
     </p:extLst>
   </p:cSld>
@@ -4647,7 +5808,7 @@
             </a:r>
             <a:r>
               <a:rPr lang="en-US" altLang="ja-JP" sz="4000" dirty="0"/>
-              <a:t>Rust</a:t>
+              <a:t>(Rust</a:t>
             </a:r>
             <a:r>
               <a:rPr lang="ja-JP" altLang="en-US" sz="4000" dirty="0"/>
@@ -4661,6 +5822,11 @@
               <a:rPr lang="ja-JP" altLang="en-US" sz="4000" dirty="0"/>
               <a:t>プログラム変換手法の検討</a:t>
             </a:r>
+            <a:r>
+              <a:rPr lang="en-US" altLang="ja-JP" sz="4000" dirty="0"/>
+              <a:t>)</a:t>
+            </a:r>
+            <a:endParaRPr lang="ja-JP" altLang="en-US" sz="4000" dirty="0"/>
           </a:p>
         </p:txBody>
       </p:sp>
@@ -4973,7 +6139,7 @@
           <p:nvPr/>
         </p:nvPicPr>
         <p:blipFill>
-          <a:blip r:embed="rId2"/>
+          <a:blip r:embed="rId3"/>
           <a:stretch>
             <a:fillRect/>
           </a:stretch>
@@ -5003,7 +6169,7 @@
           <p:nvPr/>
         </p:nvPicPr>
         <p:blipFill>
-          <a:blip r:embed="rId3"/>
+          <a:blip r:embed="rId4"/>
           <a:stretch>
             <a:fillRect/>
           </a:stretch>
@@ -5033,7 +6199,7 @@
           <p:nvPr/>
         </p:nvPicPr>
         <p:blipFill>
-          <a:blip r:embed="rId4"/>
+          <a:blip r:embed="rId5"/>
           <a:stretch>
             <a:fillRect/>
           </a:stretch>
@@ -5063,7 +6229,7 @@
           <p:nvPr/>
         </p:nvPicPr>
         <p:blipFill>
-          <a:blip r:embed="rId4"/>
+          <a:blip r:embed="rId5"/>
           <a:stretch>
             <a:fillRect/>
           </a:stretch>
@@ -5901,7 +7067,7 @@
           <p:nvPr/>
         </p:nvPicPr>
         <p:blipFill>
-          <a:blip r:embed="rId2"/>
+          <a:blip r:embed="rId3"/>
           <a:stretch>
             <a:fillRect/>
           </a:stretch>
@@ -8083,9 +9249,28 @@
             </a:r>
             <a:r>
               <a:rPr lang="ja-JP" altLang="en-US" dirty="0"/>
-              <a:t>動的メモリ管理・制約がやや甘い</a:t>
-            </a:r>
-            <a:endParaRPr lang="en-US" altLang="ja-JP" dirty="0"/>
+              <a:t>動的メモリ管理・</a:t>
+            </a:r>
+            <a:r>
+              <a:rPr lang="en-US" altLang="ja-JP" dirty="0"/>
+              <a:t>((</a:t>
+            </a:r>
+            <a:r>
+              <a:rPr lang="ja-JP" altLang="en-US" dirty="0"/>
+              <a:t>一般的に</a:t>
+            </a:r>
+            <a:r>
+              <a:rPr lang="en-US" altLang="ja-JP" dirty="0"/>
+              <a:t>)</a:t>
+            </a:r>
+            <a:r>
+              <a:rPr lang="ja-JP" altLang="en-US" dirty="0"/>
+              <a:t>制約がやや甘い</a:t>
+            </a:r>
+            <a:r>
+              <a:rPr lang="en-US" altLang="ja-JP" dirty="0"/>
+              <a:t>)</a:t>
+            </a:r>
           </a:p>
           <a:p>
             <a:r>
@@ -8578,7 +9763,7 @@
           <p:nvPr/>
         </p:nvPicPr>
         <p:blipFill>
-          <a:blip r:embed="rId2"/>
+          <a:blip r:embed="rId3"/>
           <a:stretch>
             <a:fillRect/>
           </a:stretch>
@@ -8608,7 +9793,7 @@
           <p:nvPr/>
         </p:nvPicPr>
         <p:blipFill>
-          <a:blip r:embed="rId3"/>
+          <a:blip r:embed="rId4"/>
           <a:stretch>
             <a:fillRect/>
           </a:stretch>
@@ -9081,7 +10266,7 @@
           <p:nvPr/>
         </p:nvPicPr>
         <p:blipFill>
-          <a:blip r:embed="rId2"/>
+          <a:blip r:embed="rId3"/>
           <a:stretch>
             <a:fillRect/>
           </a:stretch>
@@ -9111,7 +10296,7 @@
           <p:nvPr/>
         </p:nvPicPr>
         <p:blipFill>
-          <a:blip r:embed="rId3"/>
+          <a:blip r:embed="rId4"/>
           <a:stretch>
             <a:fillRect/>
           </a:stretch>
@@ -9141,7 +10326,7 @@
           <p:nvPr/>
         </p:nvPicPr>
         <p:blipFill>
-          <a:blip r:embed="rId4"/>
+          <a:blip r:embed="rId5"/>
           <a:stretch>
             <a:fillRect/>
           </a:stretch>
@@ -9171,7 +10356,7 @@
           <p:nvPr/>
         </p:nvPicPr>
         <p:blipFill>
-          <a:blip r:embed="rId4"/>
+          <a:blip r:embed="rId5"/>
           <a:stretch>
             <a:fillRect/>
           </a:stretch>
@@ -9384,7 +10569,7 @@
           <p:nvPr/>
         </p:nvPicPr>
         <p:blipFill>
-          <a:blip r:embed="rId2"/>
+          <a:blip r:embed="rId3"/>
           <a:stretch>
             <a:fillRect/>
           </a:stretch>
@@ -9414,7 +10599,7 @@
           <p:nvPr/>
         </p:nvPicPr>
         <p:blipFill>
-          <a:blip r:embed="rId3"/>
+          <a:blip r:embed="rId4"/>
           <a:stretch>
             <a:fillRect/>
           </a:stretch>
@@ -9444,7 +10629,7 @@
           <p:nvPr/>
         </p:nvPicPr>
         <p:blipFill>
-          <a:blip r:embed="rId4"/>
+          <a:blip r:embed="rId5"/>
           <a:stretch>
             <a:fillRect/>
           </a:stretch>
@@ -9570,7 +10755,7 @@
           <p:nvPr/>
         </p:nvPicPr>
         <p:blipFill>
-          <a:blip r:embed="rId4"/>
+          <a:blip r:embed="rId5"/>
           <a:stretch>
             <a:fillRect/>
           </a:stretch>
@@ -9859,7 +11044,7 @@
           <p:nvPr/>
         </p:nvPicPr>
         <p:blipFill>
-          <a:blip r:embed="rId2"/>
+          <a:blip r:embed="rId3"/>
           <a:stretch>
             <a:fillRect/>
           </a:stretch>
@@ -9889,7 +11074,7 @@
           <p:nvPr/>
         </p:nvPicPr>
         <p:blipFill>
-          <a:blip r:embed="rId3"/>
+          <a:blip r:embed="rId4"/>
           <a:stretch>
             <a:fillRect/>
           </a:stretch>
@@ -9919,7 +11104,7 @@
           <p:nvPr/>
         </p:nvPicPr>
         <p:blipFill>
-          <a:blip r:embed="rId4"/>
+          <a:blip r:embed="rId5"/>
           <a:stretch>
             <a:fillRect/>
           </a:stretch>
@@ -9949,7 +11134,7 @@
           <p:nvPr/>
         </p:nvPicPr>
         <p:blipFill>
-          <a:blip r:embed="rId5"/>
+          <a:blip r:embed="rId6"/>
           <a:stretch>
             <a:fillRect/>
           </a:stretch>
